--- a/Documentation/Software Architecture Design.pptx
+++ b/Documentation/Software Architecture Design.pptx
@@ -277,7 +277,7 @@
           <a:p>
             <a:fld id="{973A11F0-0C4B-45D6-9FBD-58D4072DB13C}" type="datetimeFigureOut">
               <a:rPr lang="en-GB" smtClean="0"/>
-              <a:t>09/01/2017</a:t>
+              <a:t>11/01/2017</a:t>
             </a:fld>
             <a:endParaRPr lang="en-GB"/>
           </a:p>
@@ -447,7 +447,7 @@
           <a:p>
             <a:fld id="{973A11F0-0C4B-45D6-9FBD-58D4072DB13C}" type="datetimeFigureOut">
               <a:rPr lang="en-GB" smtClean="0"/>
-              <a:t>09/01/2017</a:t>
+              <a:t>11/01/2017</a:t>
             </a:fld>
             <a:endParaRPr lang="en-GB"/>
           </a:p>
@@ -627,7 +627,7 @@
           <a:p>
             <a:fld id="{973A11F0-0C4B-45D6-9FBD-58D4072DB13C}" type="datetimeFigureOut">
               <a:rPr lang="en-GB" smtClean="0"/>
-              <a:t>09/01/2017</a:t>
+              <a:t>11/01/2017</a:t>
             </a:fld>
             <a:endParaRPr lang="en-GB"/>
           </a:p>
@@ -797,7 +797,7 @@
           <a:p>
             <a:fld id="{973A11F0-0C4B-45D6-9FBD-58D4072DB13C}" type="datetimeFigureOut">
               <a:rPr lang="en-GB" smtClean="0"/>
-              <a:t>09/01/2017</a:t>
+              <a:t>11/01/2017</a:t>
             </a:fld>
             <a:endParaRPr lang="en-GB"/>
           </a:p>
@@ -1043,7 +1043,7 @@
           <a:p>
             <a:fld id="{973A11F0-0C4B-45D6-9FBD-58D4072DB13C}" type="datetimeFigureOut">
               <a:rPr lang="en-GB" smtClean="0"/>
-              <a:t>09/01/2017</a:t>
+              <a:t>11/01/2017</a:t>
             </a:fld>
             <a:endParaRPr lang="en-GB"/>
           </a:p>
@@ -1275,7 +1275,7 @@
           <a:p>
             <a:fld id="{973A11F0-0C4B-45D6-9FBD-58D4072DB13C}" type="datetimeFigureOut">
               <a:rPr lang="en-GB" smtClean="0"/>
-              <a:t>09/01/2017</a:t>
+              <a:t>11/01/2017</a:t>
             </a:fld>
             <a:endParaRPr lang="en-GB"/>
           </a:p>
@@ -1642,7 +1642,7 @@
           <a:p>
             <a:fld id="{973A11F0-0C4B-45D6-9FBD-58D4072DB13C}" type="datetimeFigureOut">
               <a:rPr lang="en-GB" smtClean="0"/>
-              <a:t>09/01/2017</a:t>
+              <a:t>11/01/2017</a:t>
             </a:fld>
             <a:endParaRPr lang="en-GB"/>
           </a:p>
@@ -1760,7 +1760,7 @@
           <a:p>
             <a:fld id="{973A11F0-0C4B-45D6-9FBD-58D4072DB13C}" type="datetimeFigureOut">
               <a:rPr lang="en-GB" smtClean="0"/>
-              <a:t>09/01/2017</a:t>
+              <a:t>11/01/2017</a:t>
             </a:fld>
             <a:endParaRPr lang="en-GB"/>
           </a:p>
@@ -1855,7 +1855,7 @@
           <a:p>
             <a:fld id="{973A11F0-0C4B-45D6-9FBD-58D4072DB13C}" type="datetimeFigureOut">
               <a:rPr lang="en-GB" smtClean="0"/>
-              <a:t>09/01/2017</a:t>
+              <a:t>11/01/2017</a:t>
             </a:fld>
             <a:endParaRPr lang="en-GB"/>
           </a:p>
@@ -2132,7 +2132,7 @@
           <a:p>
             <a:fld id="{973A11F0-0C4B-45D6-9FBD-58D4072DB13C}" type="datetimeFigureOut">
               <a:rPr lang="en-GB" smtClean="0"/>
-              <a:t>09/01/2017</a:t>
+              <a:t>11/01/2017</a:t>
             </a:fld>
             <a:endParaRPr lang="en-GB"/>
           </a:p>
@@ -2385,7 +2385,7 @@
           <a:p>
             <a:fld id="{973A11F0-0C4B-45D6-9FBD-58D4072DB13C}" type="datetimeFigureOut">
               <a:rPr lang="en-GB" smtClean="0"/>
-              <a:t>09/01/2017</a:t>
+              <a:t>11/01/2017</a:t>
             </a:fld>
             <a:endParaRPr lang="en-GB"/>
           </a:p>
@@ -2598,7 +2598,7 @@
           <a:p>
             <a:fld id="{973A11F0-0C4B-45D6-9FBD-58D4072DB13C}" type="datetimeFigureOut">
               <a:rPr lang="en-GB" smtClean="0"/>
-              <a:t>09/01/2017</a:t>
+              <a:t>11/01/2017</a:t>
             </a:fld>
             <a:endParaRPr lang="en-GB"/>
           </a:p>
@@ -5471,7 +5471,7 @@
         </p:nvGrpSpPr>
         <p:grpSpPr>
           <a:xfrm>
-            <a:off x="9572500" y="118756"/>
+            <a:off x="9673846" y="178854"/>
             <a:ext cx="601250" cy="1189973"/>
             <a:chOff x="1791222" y="651353"/>
             <a:chExt cx="601250" cy="1189973"/>
@@ -5680,8 +5680,8 @@
         </p:nvSpPr>
         <p:spPr>
           <a:xfrm>
-            <a:off x="5852784" y="2404884"/>
-            <a:ext cx="4359202" cy="2107623"/>
+            <a:off x="5852784" y="2404885"/>
+            <a:ext cx="4258335" cy="1184642"/>
           </a:xfrm>
           <a:prstGeom prst="rect">
             <a:avLst/>
@@ -5745,7 +5745,15 @@
           <a:p>
             <a:r>
               <a:rPr lang="en-GB" sz="1200" dirty="0"/>
-              <a:t>(MVC Application)</a:t>
+              <a:t>(</a:t>
+            </a:r>
+            <a:r>
+              <a:rPr lang="en-GB" sz="1200" dirty="0" smtClean="0"/>
+              <a:t>MVVM </a:t>
+            </a:r>
+            <a:r>
+              <a:rPr lang="en-GB" sz="1200" dirty="0"/>
+              <a:t>Application)</a:t>
             </a:r>
           </a:p>
         </p:txBody>
@@ -5794,9 +5802,9 @@
         <p:grpSpPr>
           <a:xfrm>
             <a:off x="9546356" y="5964405"/>
-            <a:ext cx="2432393" cy="1074804"/>
+            <a:ext cx="2432393" cy="1082499"/>
             <a:chOff x="2887465" y="5222970"/>
-            <a:chExt cx="2432393" cy="1074804"/>
+            <a:chExt cx="2432393" cy="1082499"/>
           </a:xfrm>
         </p:grpSpPr>
         <p:sp>
@@ -5851,7 +5859,7 @@
           <p:spPr>
             <a:xfrm>
               <a:off x="3247646" y="5436000"/>
-              <a:ext cx="1833162" cy="861774"/>
+              <a:ext cx="1833162" cy="869469"/>
             </a:xfrm>
             <a:prstGeom prst="rect">
               <a:avLst/>
@@ -5864,14 +5872,25 @@
             </a:bodyPr>
             <a:lstStyle/>
             <a:p>
+              <a:pPr algn="ctr"/>
               <a:r>
-                <a:rPr lang="en-GB" dirty="0"/>
-                <a:t>WCF Web Service</a:t>
+                <a:rPr lang="en-GB" sz="1100" dirty="0"/>
+                <a:t>WCF Web </a:t>
               </a:r>
+              <a:r>
+                <a:rPr lang="en-GB" sz="1100" dirty="0" smtClean="0"/>
+                <a:t>Service - </a:t>
+              </a:r>
+              <a:r>
+                <a:rPr lang="en-GB" sz="1100" dirty="0" err="1" smtClean="0"/>
+                <a:t>BazzasBazaar</a:t>
+              </a:r>
+              <a:endParaRPr lang="en-GB" sz="1100" dirty="0"/>
             </a:p>
             <a:p>
+              <a:pPr algn="ctr"/>
               <a:r>
-                <a:rPr lang="en-GB" sz="1400" dirty="0"/>
+                <a:rPr lang="en-GB" sz="1000" dirty="0"/>
                 <a:t>    (RESTful Service)</a:t>
               </a:r>
             </a:p>
@@ -5889,8 +5908,8 @@
         </p:nvGrpSpPr>
         <p:grpSpPr>
           <a:xfrm>
-            <a:off x="9557349" y="4744581"/>
-            <a:ext cx="2432393" cy="897622"/>
+            <a:off x="9572500" y="3685387"/>
+            <a:ext cx="2292481" cy="702895"/>
             <a:chOff x="7529538" y="5487897"/>
             <a:chExt cx="2432393" cy="897622"/>
           </a:xfrm>
@@ -5946,8 +5965,8 @@
           </p:nvSpPr>
           <p:spPr>
             <a:xfrm>
-              <a:off x="7970083" y="5624861"/>
-              <a:ext cx="1518311" cy="584775"/>
+              <a:off x="7970083" y="5624863"/>
+              <a:ext cx="1518311" cy="540433"/>
             </a:xfrm>
             <a:prstGeom prst="rect">
               <a:avLst/>
@@ -5962,17 +5981,22 @@
             <a:p>
               <a:pPr algn="ctr"/>
               <a:r>
-                <a:rPr lang="en-GB" dirty="0"/>
-                <a:t>HTTP</a:t>
+                <a:rPr lang="en-GB" sz="1100" dirty="0" smtClean="0"/>
+                <a:t>HTTP - </a:t>
               </a:r>
+              <a:r>
+                <a:rPr lang="en-GB" sz="1100" dirty="0" err="1" smtClean="0"/>
+                <a:t>Undercutters</a:t>
+              </a:r>
+              <a:endParaRPr lang="en-GB" sz="1100" dirty="0"/>
             </a:p>
             <a:p>
               <a:pPr algn="ctr"/>
               <a:r>
-                <a:rPr lang="en-GB" sz="1400" dirty="0"/>
+                <a:rPr lang="en-GB" sz="1000" dirty="0"/>
                 <a:t>(RESTful Service)</a:t>
               </a:r>
-              <a:endParaRPr lang="en-GB" dirty="0"/>
+              <a:endParaRPr lang="en-GB" sz="1100" dirty="0"/>
             </a:p>
           </p:txBody>
         </p:sp>
@@ -5985,7 +6009,7 @@
         </p:nvSpPr>
         <p:spPr>
           <a:xfrm>
-            <a:off x="6506582" y="6050989"/>
+            <a:off x="6445351" y="5975179"/>
             <a:ext cx="1989548" cy="756831"/>
           </a:xfrm>
           <a:prstGeom prst="rect">
@@ -6028,8 +6052,8 @@
         </p:nvSpPr>
         <p:spPr>
           <a:xfrm>
-            <a:off x="6491411" y="6070920"/>
-            <a:ext cx="1973404" cy="861774"/>
+            <a:off x="6766194" y="6029862"/>
+            <a:ext cx="1347862" cy="647464"/>
           </a:xfrm>
           <a:prstGeom prst="rect">
             <a:avLst/>
@@ -6066,7 +6090,7 @@
         </p:nvSpPr>
         <p:spPr>
           <a:xfrm>
-            <a:off x="8810463" y="6028707"/>
+            <a:off x="8661353" y="6362678"/>
             <a:ext cx="1107049" cy="369332"/>
           </a:xfrm>
           <a:prstGeom prst="rect">
@@ -6095,7 +6119,7 @@
         </p:nvSpPr>
         <p:spPr>
           <a:xfrm>
-            <a:off x="8613083" y="5029892"/>
+            <a:off x="8687441" y="5581056"/>
             <a:ext cx="1266304" cy="369332"/>
           </a:xfrm>
           <a:prstGeom prst="rect">
@@ -6603,15 +6627,13 @@
       <p:cxnSp>
         <p:nvCxnSpPr>
           <p:cNvPr id="100" name="Straight Arrow Connector 99"/>
-          <p:cNvCxnSpPr>
-            <a:endCxn id="7" idx="1"/>
-          </p:cNvCxnSpPr>
+          <p:cNvCxnSpPr/>
           <p:nvPr/>
         </p:nvCxnSpPr>
         <p:spPr>
           <a:xfrm>
             <a:off x="5798842" y="1131203"/>
-            <a:ext cx="1302704" cy="496250"/>
+            <a:ext cx="1302704" cy="307232"/>
           </a:xfrm>
           <a:prstGeom prst="straightConnector1">
             <a:avLst/>
@@ -6668,41 +6690,6 @@
           </a:fontRef>
         </p:style>
       </p:cxnSp>
-      <p:cxnSp>
-        <p:nvCxnSpPr>
-          <p:cNvPr id="133" name="Straight Arrow Connector 132"/>
-          <p:cNvCxnSpPr>
-            <a:endCxn id="66" idx="0"/>
-          </p:cNvCxnSpPr>
-          <p:nvPr/>
-        </p:nvCxnSpPr>
-        <p:spPr>
-          <a:xfrm flipH="1">
-            <a:off x="7478113" y="4512507"/>
-            <a:ext cx="364625" cy="1558413"/>
-          </a:xfrm>
-          <a:prstGeom prst="straightConnector1">
-            <a:avLst/>
-          </a:prstGeom>
-          <a:ln>
-            <a:tailEnd type="triangle"/>
-          </a:ln>
-        </p:spPr>
-        <p:style>
-          <a:lnRef idx="1">
-            <a:schemeClr val="accent1"/>
-          </a:lnRef>
-          <a:fillRef idx="0">
-            <a:schemeClr val="accent1"/>
-          </a:fillRef>
-          <a:effectRef idx="0">
-            <a:schemeClr val="accent1"/>
-          </a:effectRef>
-          <a:fontRef idx="minor">
-            <a:schemeClr val="tx1"/>
-          </a:fontRef>
-        </p:style>
-      </p:cxnSp>
       <p:sp>
         <p:nvSpPr>
           <p:cNvPr id="7" name="Rectangle 6"/>
@@ -6765,7 +6752,7 @@
         <p:spPr>
           <a:xfrm>
             <a:off x="7977940" y="2045640"/>
-            <a:ext cx="54445" cy="359244"/>
+            <a:ext cx="4012" cy="359245"/>
           </a:xfrm>
           <a:prstGeom prst="straightConnector1">
             <a:avLst/>
@@ -6797,8 +6784,8 @@
         </p:nvSpPr>
         <p:spPr>
           <a:xfrm>
-            <a:off x="1135209" y="5581056"/>
-            <a:ext cx="3936655" cy="369332"/>
+            <a:off x="1339292" y="5551339"/>
+            <a:ext cx="3011722" cy="307777"/>
           </a:xfrm>
           <a:prstGeom prst="rect">
             <a:avLst/>
@@ -6812,7 +6799,7 @@
           <a:lstStyle/>
           <a:p>
             <a:r>
-              <a:rPr lang="en-GB" dirty="0"/>
+              <a:rPr lang="en-GB" sz="1400" dirty="0"/>
               <a:t>Encryption or hashing of sensitive data</a:t>
             </a:r>
           </a:p>
@@ -6826,7 +6813,7 @@
         </p:nvSpPr>
         <p:spPr>
           <a:xfrm>
-            <a:off x="282044" y="5925843"/>
+            <a:off x="1843470" y="5944005"/>
             <a:ext cx="2256069" cy="756311"/>
           </a:xfrm>
           <a:prstGeom prst="rect">
@@ -6869,7 +6856,7 @@
         </p:nvSpPr>
         <p:spPr>
           <a:xfrm>
-            <a:off x="388107" y="5998023"/>
+            <a:off x="1949533" y="6016185"/>
             <a:ext cx="1977024" cy="646331"/>
           </a:xfrm>
           <a:prstGeom prst="rect">
@@ -6911,7 +6898,7 @@
         <p:spPr>
           <a:xfrm flipH="1" flipV="1">
             <a:off x="1800050" y="2229792"/>
-            <a:ext cx="4096694" cy="330049"/>
+            <a:ext cx="4013113" cy="326049"/>
           </a:xfrm>
           <a:prstGeom prst="straightConnector1">
             <a:avLst/>
@@ -6939,14 +6926,15 @@
         <p:nvCxnSpPr>
           <p:cNvPr id="58" name="Straight Arrow Connector 57"/>
           <p:cNvCxnSpPr>
+            <a:stCxn id="32" idx="1"/>
             <a:endCxn id="76" idx="0"/>
           </p:cNvCxnSpPr>
           <p:nvPr/>
         </p:nvCxnSpPr>
         <p:spPr>
           <a:xfrm flipH="1">
-            <a:off x="3451217" y="3045599"/>
-            <a:ext cx="2505877" cy="0"/>
+            <a:off x="3451217" y="2997206"/>
+            <a:ext cx="2401567" cy="48393"/>
           </a:xfrm>
           <a:prstGeom prst="straightConnector1">
             <a:avLst/>
@@ -6980,8 +6968,8 @@
         </p:nvCxnSpPr>
         <p:spPr>
           <a:xfrm flipH="1">
-            <a:off x="5206768" y="3822801"/>
-            <a:ext cx="646016" cy="37000"/>
+            <a:off x="5206768" y="3394295"/>
+            <a:ext cx="606395" cy="465506"/>
           </a:xfrm>
           <a:prstGeom prst="straightConnector1">
             <a:avLst/>
@@ -7014,9 +7002,9 @@
           <p:nvPr/>
         </p:nvCxnSpPr>
         <p:spPr>
-          <a:xfrm flipV="1">
-            <a:off x="817685" y="5394112"/>
-            <a:ext cx="122329" cy="531731"/>
+          <a:xfrm flipH="1" flipV="1">
+            <a:off x="940014" y="5394112"/>
+            <a:ext cx="880340" cy="783323"/>
           </a:xfrm>
           <a:prstGeom prst="straightConnector1">
             <a:avLst/>
@@ -7265,7 +7253,7 @@
         </p:nvSpPr>
         <p:spPr>
           <a:xfrm>
-            <a:off x="4167554" y="5156911"/>
+            <a:off x="3984043" y="4866021"/>
             <a:ext cx="1978269" cy="307777"/>
           </a:xfrm>
           <a:prstGeom prst="rect">
@@ -7348,14 +7336,14 @@
         <p:nvCxnSpPr>
           <p:cNvPr id="11" name="Straight Arrow Connector 10"/>
           <p:cNvCxnSpPr>
-            <a:stCxn id="34" idx="3"/>
+            <a:endCxn id="48" idx="1"/>
           </p:cNvCxnSpPr>
           <p:nvPr/>
         </p:nvCxnSpPr>
         <p:spPr>
-          <a:xfrm>
-            <a:off x="2538113" y="6303999"/>
-            <a:ext cx="3968469" cy="94040"/>
+          <a:xfrm flipV="1">
+            <a:off x="4099539" y="6353595"/>
+            <a:ext cx="2345812" cy="277719"/>
           </a:xfrm>
           <a:prstGeom prst="straightConnector1">
             <a:avLst/>
@@ -7382,13 +7370,15 @@
       <p:cxnSp>
         <p:nvCxnSpPr>
           <p:cNvPr id="14" name="Straight Arrow Connector 13"/>
-          <p:cNvCxnSpPr/>
+          <p:cNvCxnSpPr>
+            <a:endCxn id="118" idx="2"/>
+          </p:cNvCxnSpPr>
           <p:nvPr/>
         </p:nvCxnSpPr>
         <p:spPr>
           <a:xfrm flipV="1">
-            <a:off x="8496130" y="5464688"/>
-            <a:ext cx="1151526" cy="586301"/>
+            <a:off x="8420974" y="5535825"/>
+            <a:ext cx="1233793" cy="134871"/>
           </a:xfrm>
           <a:prstGeom prst="straightConnector1">
             <a:avLst/>
@@ -7420,7 +7410,7 @@
         </p:nvCxnSpPr>
         <p:spPr>
           <a:xfrm flipV="1">
-            <a:off x="8445480" y="6631314"/>
+            <a:off x="8402120" y="6356571"/>
             <a:ext cx="1202176" cy="74415"/>
           </a:xfrm>
           <a:prstGeom prst="straightConnector1">
@@ -7445,6 +7435,950 @@
           </a:fontRef>
         </p:style>
       </p:cxnSp>
+      <p:sp>
+        <p:nvSpPr>
+          <p:cNvPr id="92" name="Rectangle 91"/>
+          <p:cNvSpPr/>
+          <p:nvPr/>
+        </p:nvSpPr>
+        <p:spPr>
+          <a:xfrm>
+            <a:off x="6504184" y="4589407"/>
+            <a:ext cx="1922429" cy="558707"/>
+          </a:xfrm>
+          <a:prstGeom prst="rect">
+            <a:avLst/>
+          </a:prstGeom>
+          <a:solidFill>
+            <a:schemeClr val="bg1"/>
+          </a:solidFill>
+        </p:spPr>
+        <p:style>
+          <a:lnRef idx="2">
+            <a:schemeClr val="accent1">
+              <a:shade val="50000"/>
+            </a:schemeClr>
+          </a:lnRef>
+          <a:fillRef idx="1">
+            <a:schemeClr val="accent1"/>
+          </a:fillRef>
+          <a:effectRef idx="0">
+            <a:schemeClr val="accent1"/>
+          </a:effectRef>
+          <a:fontRef idx="minor">
+            <a:schemeClr val="lt1"/>
+          </a:fontRef>
+        </p:style>
+        <p:txBody>
+          <a:bodyPr rtlCol="0" anchor="ctr"/>
+          <a:lstStyle/>
+          <a:p>
+            <a:pPr algn="ctr"/>
+            <a:endParaRPr lang="en-GB"/>
+          </a:p>
+        </p:txBody>
+      </p:sp>
+      <p:sp>
+        <p:nvSpPr>
+          <p:cNvPr id="94" name="TextBox 93"/>
+          <p:cNvSpPr txBox="1"/>
+          <p:nvPr/>
+        </p:nvSpPr>
+        <p:spPr>
+          <a:xfrm>
+            <a:off x="6725718" y="4593944"/>
+            <a:ext cx="1302391" cy="830997"/>
+          </a:xfrm>
+          <a:prstGeom prst="rect">
+            <a:avLst/>
+          </a:prstGeom>
+          <a:noFill/>
+        </p:spPr>
+        <p:txBody>
+          <a:bodyPr wrap="square" rtlCol="0">
+            <a:spAutoFit/>
+          </a:bodyPr>
+          <a:lstStyle/>
+          <a:p>
+            <a:r>
+              <a:rPr lang="en-GB" dirty="0"/>
+              <a:t>Proxy</a:t>
+            </a:r>
+          </a:p>
+          <a:p>
+            <a:r>
+              <a:rPr lang="en-GB" sz="1200" dirty="0"/>
+              <a:t>(C# Class Library)</a:t>
+            </a:r>
+          </a:p>
+          <a:p>
+            <a:endParaRPr lang="en-GB" dirty="0"/>
+          </a:p>
+        </p:txBody>
+      </p:sp>
+      <p:sp>
+        <p:nvSpPr>
+          <p:cNvPr id="96" name="Rectangle 95"/>
+          <p:cNvSpPr/>
+          <p:nvPr/>
+        </p:nvSpPr>
+        <p:spPr>
+          <a:xfrm>
+            <a:off x="6498294" y="3841301"/>
+            <a:ext cx="1928319" cy="581525"/>
+          </a:xfrm>
+          <a:prstGeom prst="rect">
+            <a:avLst/>
+          </a:prstGeom>
+          <a:solidFill>
+            <a:schemeClr val="bg1"/>
+          </a:solidFill>
+        </p:spPr>
+        <p:style>
+          <a:lnRef idx="2">
+            <a:schemeClr val="accent1">
+              <a:shade val="50000"/>
+            </a:schemeClr>
+          </a:lnRef>
+          <a:fillRef idx="1">
+            <a:schemeClr val="accent1"/>
+          </a:fillRef>
+          <a:effectRef idx="0">
+            <a:schemeClr val="accent1"/>
+          </a:effectRef>
+          <a:fontRef idx="minor">
+            <a:schemeClr val="lt1"/>
+          </a:fontRef>
+        </p:style>
+        <p:txBody>
+          <a:bodyPr rtlCol="0" anchor="ctr"/>
+          <a:lstStyle/>
+          <a:p>
+            <a:pPr algn="ctr"/>
+            <a:endParaRPr lang="en-GB"/>
+          </a:p>
+        </p:txBody>
+      </p:sp>
+      <p:sp>
+        <p:nvSpPr>
+          <p:cNvPr id="98" name="TextBox 97"/>
+          <p:cNvSpPr txBox="1"/>
+          <p:nvPr/>
+        </p:nvSpPr>
+        <p:spPr>
+          <a:xfrm>
+            <a:off x="6819138" y="3820119"/>
+            <a:ext cx="1306381" cy="830997"/>
+          </a:xfrm>
+          <a:prstGeom prst="rect">
+            <a:avLst/>
+          </a:prstGeom>
+          <a:noFill/>
+        </p:spPr>
+        <p:txBody>
+          <a:bodyPr wrap="square" rtlCol="0">
+            <a:spAutoFit/>
+          </a:bodyPr>
+          <a:lstStyle/>
+          <a:p>
+            <a:r>
+              <a:rPr lang="en-GB" dirty="0"/>
+              <a:t>Proxy</a:t>
+            </a:r>
+          </a:p>
+          <a:p>
+            <a:r>
+              <a:rPr lang="en-GB" sz="1200" dirty="0"/>
+              <a:t>(C# Class Library)</a:t>
+            </a:r>
+          </a:p>
+          <a:p>
+            <a:endParaRPr lang="en-GB" dirty="0"/>
+          </a:p>
+        </p:txBody>
+      </p:sp>
+      <p:sp>
+        <p:nvSpPr>
+          <p:cNvPr id="101" name="Rectangle 100"/>
+          <p:cNvSpPr/>
+          <p:nvPr/>
+        </p:nvSpPr>
+        <p:spPr>
+          <a:xfrm>
+            <a:off x="6504184" y="5297069"/>
+            <a:ext cx="1922429" cy="550139"/>
+          </a:xfrm>
+          <a:prstGeom prst="rect">
+            <a:avLst/>
+          </a:prstGeom>
+          <a:solidFill>
+            <a:schemeClr val="bg1"/>
+          </a:solidFill>
+        </p:spPr>
+        <p:style>
+          <a:lnRef idx="2">
+            <a:schemeClr val="accent1">
+              <a:shade val="50000"/>
+            </a:schemeClr>
+          </a:lnRef>
+          <a:fillRef idx="1">
+            <a:schemeClr val="accent1"/>
+          </a:fillRef>
+          <a:effectRef idx="0">
+            <a:schemeClr val="accent1"/>
+          </a:effectRef>
+          <a:fontRef idx="minor">
+            <a:schemeClr val="lt1"/>
+          </a:fontRef>
+        </p:style>
+        <p:txBody>
+          <a:bodyPr rtlCol="0" anchor="ctr"/>
+          <a:lstStyle/>
+          <a:p>
+            <a:pPr algn="ctr"/>
+            <a:endParaRPr lang="en-GB"/>
+          </a:p>
+        </p:txBody>
+      </p:sp>
+      <p:sp>
+        <p:nvSpPr>
+          <p:cNvPr id="102" name="TextBox 101"/>
+          <p:cNvSpPr txBox="1"/>
+          <p:nvPr/>
+        </p:nvSpPr>
+        <p:spPr>
+          <a:xfrm>
+            <a:off x="6786842" y="5274675"/>
+            <a:ext cx="1376195" cy="830997"/>
+          </a:xfrm>
+          <a:prstGeom prst="rect">
+            <a:avLst/>
+          </a:prstGeom>
+          <a:noFill/>
+        </p:spPr>
+        <p:txBody>
+          <a:bodyPr wrap="square" rtlCol="0">
+            <a:spAutoFit/>
+          </a:bodyPr>
+          <a:lstStyle/>
+          <a:p>
+            <a:r>
+              <a:rPr lang="en-GB" dirty="0"/>
+              <a:t>Proxy</a:t>
+            </a:r>
+          </a:p>
+          <a:p>
+            <a:r>
+              <a:rPr lang="en-GB" sz="1200" dirty="0"/>
+              <a:t>(C# Class Library)</a:t>
+            </a:r>
+          </a:p>
+          <a:p>
+            <a:endParaRPr lang="en-GB" dirty="0"/>
+          </a:p>
+        </p:txBody>
+      </p:sp>
+      <p:grpSp>
+        <p:nvGrpSpPr>
+          <p:cNvPr id="114" name="Group 113"/>
+          <p:cNvGrpSpPr/>
+          <p:nvPr/>
+        </p:nvGrpSpPr>
+        <p:grpSpPr>
+          <a:xfrm>
+            <a:off x="9616311" y="4428404"/>
+            <a:ext cx="2292481" cy="702895"/>
+            <a:chOff x="7529538" y="5487897"/>
+            <a:chExt cx="2432393" cy="897622"/>
+          </a:xfrm>
+        </p:grpSpPr>
+        <p:sp>
+          <p:nvSpPr>
+            <p:cNvPr id="115" name="Cloud 114"/>
+            <p:cNvSpPr/>
+            <p:nvPr/>
+          </p:nvSpPr>
+          <p:spPr>
+            <a:xfrm>
+              <a:off x="7529538" y="5487897"/>
+              <a:ext cx="2432393" cy="897622"/>
+            </a:xfrm>
+            <a:prstGeom prst="cloud">
+              <a:avLst/>
+            </a:prstGeom>
+            <a:solidFill>
+              <a:schemeClr val="bg1"/>
+            </a:solidFill>
+          </p:spPr>
+          <p:style>
+            <a:lnRef idx="2">
+              <a:schemeClr val="accent1">
+                <a:shade val="50000"/>
+              </a:schemeClr>
+            </a:lnRef>
+            <a:fillRef idx="1">
+              <a:schemeClr val="accent1"/>
+            </a:fillRef>
+            <a:effectRef idx="0">
+              <a:schemeClr val="accent1"/>
+            </a:effectRef>
+            <a:fontRef idx="minor">
+              <a:schemeClr val="lt1"/>
+            </a:fontRef>
+          </p:style>
+          <p:txBody>
+            <a:bodyPr rtlCol="0" anchor="ctr"/>
+            <a:lstStyle/>
+            <a:p>
+              <a:pPr algn="ctr"/>
+              <a:endParaRPr lang="en-GB" dirty="0"/>
+            </a:p>
+          </p:txBody>
+        </p:sp>
+        <p:sp>
+          <p:nvSpPr>
+            <p:cNvPr id="116" name="TextBox 115"/>
+            <p:cNvSpPr txBox="1"/>
+            <p:nvPr/>
+          </p:nvSpPr>
+          <p:spPr>
+            <a:xfrm>
+              <a:off x="7970083" y="5624863"/>
+              <a:ext cx="1518311" cy="540433"/>
+            </a:xfrm>
+            <a:prstGeom prst="rect">
+              <a:avLst/>
+            </a:prstGeom>
+            <a:noFill/>
+          </p:spPr>
+          <p:txBody>
+            <a:bodyPr wrap="square" rtlCol="0">
+              <a:spAutoFit/>
+            </a:bodyPr>
+            <a:lstStyle/>
+            <a:p>
+              <a:pPr algn="ctr"/>
+              <a:r>
+                <a:rPr lang="en-GB" sz="1100" dirty="0" smtClean="0"/>
+                <a:t>HTTP - </a:t>
+              </a:r>
+              <a:r>
+                <a:rPr lang="en-GB" sz="1100" dirty="0" err="1" smtClean="0"/>
+                <a:t>DodgyDealers</a:t>
+              </a:r>
+              <a:endParaRPr lang="en-GB" sz="1100" dirty="0"/>
+            </a:p>
+            <a:p>
+              <a:pPr algn="ctr"/>
+              <a:r>
+                <a:rPr lang="en-GB" sz="1000" dirty="0"/>
+                <a:t>(RESTful Service)</a:t>
+              </a:r>
+              <a:endParaRPr lang="en-GB" sz="1100" dirty="0"/>
+            </a:p>
+          </p:txBody>
+        </p:sp>
+      </p:grpSp>
+      <p:grpSp>
+        <p:nvGrpSpPr>
+          <p:cNvPr id="117" name="Group 116"/>
+          <p:cNvGrpSpPr/>
+          <p:nvPr/>
+        </p:nvGrpSpPr>
+        <p:grpSpPr>
+          <a:xfrm>
+            <a:off x="9647656" y="5184377"/>
+            <a:ext cx="2292481" cy="702895"/>
+            <a:chOff x="7529538" y="5487897"/>
+            <a:chExt cx="2432393" cy="897622"/>
+          </a:xfrm>
+        </p:grpSpPr>
+        <p:sp>
+          <p:nvSpPr>
+            <p:cNvPr id="118" name="Cloud 117"/>
+            <p:cNvSpPr/>
+            <p:nvPr/>
+          </p:nvSpPr>
+          <p:spPr>
+            <a:xfrm>
+              <a:off x="7529538" y="5487897"/>
+              <a:ext cx="2432393" cy="897622"/>
+            </a:xfrm>
+            <a:prstGeom prst="cloud">
+              <a:avLst/>
+            </a:prstGeom>
+            <a:solidFill>
+              <a:schemeClr val="bg1"/>
+            </a:solidFill>
+          </p:spPr>
+          <p:style>
+            <a:lnRef idx="2">
+              <a:schemeClr val="accent1">
+                <a:shade val="50000"/>
+              </a:schemeClr>
+            </a:lnRef>
+            <a:fillRef idx="1">
+              <a:schemeClr val="accent1"/>
+            </a:fillRef>
+            <a:effectRef idx="0">
+              <a:schemeClr val="accent1"/>
+            </a:effectRef>
+            <a:fontRef idx="minor">
+              <a:schemeClr val="lt1"/>
+            </a:fontRef>
+          </p:style>
+          <p:txBody>
+            <a:bodyPr rtlCol="0" anchor="ctr"/>
+            <a:lstStyle/>
+            <a:p>
+              <a:pPr algn="ctr"/>
+              <a:endParaRPr lang="en-GB" dirty="0"/>
+            </a:p>
+          </p:txBody>
+        </p:sp>
+        <p:sp>
+          <p:nvSpPr>
+            <p:cNvPr id="119" name="TextBox 118"/>
+            <p:cNvSpPr txBox="1"/>
+            <p:nvPr/>
+          </p:nvSpPr>
+          <p:spPr>
+            <a:xfrm>
+              <a:off x="7970083" y="5624863"/>
+              <a:ext cx="1518311" cy="746779"/>
+            </a:xfrm>
+            <a:prstGeom prst="rect">
+              <a:avLst/>
+            </a:prstGeom>
+            <a:noFill/>
+          </p:spPr>
+          <p:txBody>
+            <a:bodyPr wrap="square" rtlCol="0">
+              <a:spAutoFit/>
+            </a:bodyPr>
+            <a:lstStyle/>
+            <a:p>
+              <a:pPr algn="ctr"/>
+              <a:r>
+                <a:rPr lang="en-GB" sz="1100" dirty="0" smtClean="0"/>
+                <a:t>HTTP - </a:t>
+              </a:r>
+              <a:r>
+                <a:rPr lang="en-GB" sz="1100" dirty="0" err="1" smtClean="0"/>
+                <a:t>KhansKwikiMart</a:t>
+              </a:r>
+              <a:endParaRPr lang="en-GB" sz="1100" dirty="0"/>
+            </a:p>
+            <a:p>
+              <a:pPr algn="ctr"/>
+              <a:r>
+                <a:rPr lang="en-GB" sz="1000" dirty="0"/>
+                <a:t>(RESTful Service)</a:t>
+              </a:r>
+              <a:endParaRPr lang="en-GB" sz="1100" dirty="0"/>
+            </a:p>
+          </p:txBody>
+        </p:sp>
+      </p:grpSp>
+      <p:sp>
+        <p:nvSpPr>
+          <p:cNvPr id="120" name="TextBox 119"/>
+          <p:cNvSpPr txBox="1"/>
+          <p:nvPr/>
+        </p:nvSpPr>
+        <p:spPr>
+          <a:xfrm>
+            <a:off x="8708167" y="4792808"/>
+            <a:ext cx="1266304" cy="369332"/>
+          </a:xfrm>
+          <a:prstGeom prst="rect">
+            <a:avLst/>
+          </a:prstGeom>
+          <a:noFill/>
+        </p:spPr>
+        <p:txBody>
+          <a:bodyPr wrap="square" rtlCol="0">
+            <a:spAutoFit/>
+          </a:bodyPr>
+          <a:lstStyle/>
+          <a:p>
+            <a:r>
+              <a:rPr lang="en-GB" dirty="0"/>
+              <a:t>JSON</a:t>
+            </a:r>
+          </a:p>
+        </p:txBody>
+      </p:sp>
+      <p:cxnSp>
+        <p:nvCxnSpPr>
+          <p:cNvPr id="121" name="Straight Arrow Connector 120"/>
+          <p:cNvCxnSpPr/>
+          <p:nvPr/>
+        </p:nvCxnSpPr>
+        <p:spPr>
+          <a:xfrm flipV="1">
+            <a:off x="8441700" y="4747577"/>
+            <a:ext cx="1233793" cy="134871"/>
+          </a:xfrm>
+          <a:prstGeom prst="straightConnector1">
+            <a:avLst/>
+          </a:prstGeom>
+          <a:ln>
+            <a:tailEnd type="triangle"/>
+          </a:ln>
+        </p:spPr>
+        <p:style>
+          <a:lnRef idx="1">
+            <a:schemeClr val="accent1"/>
+          </a:lnRef>
+          <a:fillRef idx="0">
+            <a:schemeClr val="accent1"/>
+          </a:fillRef>
+          <a:effectRef idx="0">
+            <a:schemeClr val="accent1"/>
+          </a:effectRef>
+          <a:fontRef idx="minor">
+            <a:schemeClr val="tx1"/>
+          </a:fontRef>
+        </p:style>
+      </p:cxnSp>
+      <p:sp>
+        <p:nvSpPr>
+          <p:cNvPr id="122" name="TextBox 121"/>
+          <p:cNvSpPr txBox="1"/>
+          <p:nvPr/>
+        </p:nvSpPr>
+        <p:spPr>
+          <a:xfrm>
+            <a:off x="8663287" y="4062205"/>
+            <a:ext cx="1266304" cy="369332"/>
+          </a:xfrm>
+          <a:prstGeom prst="rect">
+            <a:avLst/>
+          </a:prstGeom>
+          <a:noFill/>
+        </p:spPr>
+        <p:txBody>
+          <a:bodyPr wrap="square" rtlCol="0">
+            <a:spAutoFit/>
+          </a:bodyPr>
+          <a:lstStyle/>
+          <a:p>
+            <a:r>
+              <a:rPr lang="en-GB" dirty="0"/>
+              <a:t>JSON</a:t>
+            </a:r>
+          </a:p>
+        </p:txBody>
+      </p:sp>
+      <p:cxnSp>
+        <p:nvCxnSpPr>
+          <p:cNvPr id="123" name="Straight Arrow Connector 122"/>
+          <p:cNvCxnSpPr/>
+          <p:nvPr/>
+        </p:nvCxnSpPr>
+        <p:spPr>
+          <a:xfrm flipV="1">
+            <a:off x="8396820" y="4016974"/>
+            <a:ext cx="1233793" cy="134871"/>
+          </a:xfrm>
+          <a:prstGeom prst="straightConnector1">
+            <a:avLst/>
+          </a:prstGeom>
+          <a:ln>
+            <a:tailEnd type="triangle"/>
+          </a:ln>
+        </p:spPr>
+        <p:style>
+          <a:lnRef idx="1">
+            <a:schemeClr val="accent1"/>
+          </a:lnRef>
+          <a:fillRef idx="0">
+            <a:schemeClr val="accent1"/>
+          </a:fillRef>
+          <a:effectRef idx="0">
+            <a:schemeClr val="accent1"/>
+          </a:effectRef>
+          <a:fontRef idx="minor">
+            <a:schemeClr val="tx1"/>
+          </a:fontRef>
+        </p:style>
+      </p:cxnSp>
+      <p:cxnSp>
+        <p:nvCxnSpPr>
+          <p:cNvPr id="124" name="Straight Arrow Connector 123"/>
+          <p:cNvCxnSpPr>
+            <a:endCxn id="101" idx="1"/>
+          </p:cNvCxnSpPr>
+          <p:nvPr/>
+        </p:nvCxnSpPr>
+        <p:spPr>
+          <a:xfrm flipV="1">
+            <a:off x="4099539" y="5572139"/>
+            <a:ext cx="2404645" cy="852202"/>
+          </a:xfrm>
+          <a:prstGeom prst="straightConnector1">
+            <a:avLst/>
+          </a:prstGeom>
+          <a:ln>
+            <a:tailEnd type="triangle"/>
+          </a:ln>
+        </p:spPr>
+        <p:style>
+          <a:lnRef idx="1">
+            <a:schemeClr val="accent1"/>
+          </a:lnRef>
+          <a:fillRef idx="0">
+            <a:schemeClr val="accent1"/>
+          </a:fillRef>
+          <a:effectRef idx="0">
+            <a:schemeClr val="accent1"/>
+          </a:effectRef>
+          <a:fontRef idx="minor">
+            <a:schemeClr val="tx1"/>
+          </a:fontRef>
+        </p:style>
+      </p:cxnSp>
+      <p:cxnSp>
+        <p:nvCxnSpPr>
+          <p:cNvPr id="125" name="Straight Arrow Connector 124"/>
+          <p:cNvCxnSpPr>
+            <a:endCxn id="92" idx="1"/>
+          </p:cNvCxnSpPr>
+          <p:nvPr/>
+        </p:nvCxnSpPr>
+        <p:spPr>
+          <a:xfrm flipV="1">
+            <a:off x="4088958" y="4868761"/>
+            <a:ext cx="2415226" cy="1263751"/>
+          </a:xfrm>
+          <a:prstGeom prst="straightConnector1">
+            <a:avLst/>
+          </a:prstGeom>
+          <a:ln>
+            <a:tailEnd type="triangle"/>
+          </a:ln>
+        </p:spPr>
+        <p:style>
+          <a:lnRef idx="1">
+            <a:schemeClr val="accent1"/>
+          </a:lnRef>
+          <a:fillRef idx="0">
+            <a:schemeClr val="accent1"/>
+          </a:fillRef>
+          <a:effectRef idx="0">
+            <a:schemeClr val="accent1"/>
+          </a:effectRef>
+          <a:fontRef idx="minor">
+            <a:schemeClr val="tx1"/>
+          </a:fontRef>
+        </p:style>
+      </p:cxnSp>
+      <p:cxnSp>
+        <p:nvCxnSpPr>
+          <p:cNvPr id="126" name="Straight Arrow Connector 125"/>
+          <p:cNvCxnSpPr>
+            <a:endCxn id="96" idx="1"/>
+          </p:cNvCxnSpPr>
+          <p:nvPr/>
+        </p:nvCxnSpPr>
+        <p:spPr>
+          <a:xfrm flipV="1">
+            <a:off x="4088958" y="4132064"/>
+            <a:ext cx="2409336" cy="1786962"/>
+          </a:xfrm>
+          <a:prstGeom prst="straightConnector1">
+            <a:avLst/>
+          </a:prstGeom>
+          <a:ln>
+            <a:tailEnd type="triangle"/>
+          </a:ln>
+        </p:spPr>
+        <p:style>
+          <a:lnRef idx="1">
+            <a:schemeClr val="accent1"/>
+          </a:lnRef>
+          <a:fillRef idx="0">
+            <a:schemeClr val="accent1"/>
+          </a:fillRef>
+          <a:effectRef idx="0">
+            <a:schemeClr val="accent1"/>
+          </a:effectRef>
+          <a:fontRef idx="minor">
+            <a:schemeClr val="tx1"/>
+          </a:fontRef>
+        </p:style>
+      </p:cxnSp>
+      <p:sp>
+        <p:nvSpPr>
+          <p:cNvPr id="127" name="TextBox 126"/>
+          <p:cNvSpPr txBox="1"/>
+          <p:nvPr/>
+        </p:nvSpPr>
+        <p:spPr>
+          <a:xfrm>
+            <a:off x="8017889" y="2092308"/>
+            <a:ext cx="523941" cy="261610"/>
+          </a:xfrm>
+          <a:prstGeom prst="rect">
+            <a:avLst/>
+          </a:prstGeom>
+          <a:noFill/>
+        </p:spPr>
+        <p:txBody>
+          <a:bodyPr wrap="square" rtlCol="0">
+            <a:spAutoFit/>
+          </a:bodyPr>
+          <a:lstStyle/>
+          <a:p>
+            <a:r>
+              <a:rPr lang="en-GB" sz="1100" dirty="0" smtClean="0"/>
+              <a:t>HTTP</a:t>
+            </a:r>
+            <a:endParaRPr lang="en-GB" sz="1100" dirty="0"/>
+          </a:p>
+        </p:txBody>
+      </p:sp>
+      <p:sp>
+        <p:nvSpPr>
+          <p:cNvPr id="128" name="TextBox 127"/>
+          <p:cNvSpPr txBox="1"/>
+          <p:nvPr/>
+        </p:nvSpPr>
+        <p:spPr>
+          <a:xfrm>
+            <a:off x="7414050" y="2093445"/>
+            <a:ext cx="563890" cy="261610"/>
+          </a:xfrm>
+          <a:prstGeom prst="rect">
+            <a:avLst/>
+          </a:prstGeom>
+          <a:noFill/>
+        </p:spPr>
+        <p:txBody>
+          <a:bodyPr wrap="square" rtlCol="0">
+            <a:spAutoFit/>
+          </a:bodyPr>
+          <a:lstStyle/>
+          <a:p>
+            <a:r>
+              <a:rPr lang="en-GB" sz="1100" dirty="0" smtClean="0"/>
+              <a:t>HTML</a:t>
+            </a:r>
+            <a:endParaRPr lang="en-GB" sz="1100" dirty="0"/>
+          </a:p>
+        </p:txBody>
+      </p:sp>
+      <p:sp>
+        <p:nvSpPr>
+          <p:cNvPr id="129" name="TextBox 128"/>
+          <p:cNvSpPr txBox="1"/>
+          <p:nvPr/>
+        </p:nvSpPr>
+        <p:spPr>
+          <a:xfrm>
+            <a:off x="1136562" y="4547504"/>
+            <a:ext cx="523941" cy="261610"/>
+          </a:xfrm>
+          <a:prstGeom prst="rect">
+            <a:avLst/>
+          </a:prstGeom>
+          <a:noFill/>
+        </p:spPr>
+        <p:txBody>
+          <a:bodyPr wrap="square" rtlCol="0">
+            <a:spAutoFit/>
+          </a:bodyPr>
+          <a:lstStyle/>
+          <a:p>
+            <a:r>
+              <a:rPr lang="en-GB" sz="1100" dirty="0" smtClean="0"/>
+              <a:t>SQL</a:t>
+            </a:r>
+            <a:endParaRPr lang="en-GB" sz="1100" dirty="0"/>
+          </a:p>
+        </p:txBody>
+      </p:sp>
+      <p:sp>
+        <p:nvSpPr>
+          <p:cNvPr id="130" name="TextBox 129"/>
+          <p:cNvSpPr txBox="1"/>
+          <p:nvPr/>
+        </p:nvSpPr>
+        <p:spPr>
+          <a:xfrm>
+            <a:off x="2437617" y="4483958"/>
+            <a:ext cx="523941" cy="261610"/>
+          </a:xfrm>
+          <a:prstGeom prst="rect">
+            <a:avLst/>
+          </a:prstGeom>
+          <a:noFill/>
+        </p:spPr>
+        <p:txBody>
+          <a:bodyPr wrap="square" rtlCol="0">
+            <a:spAutoFit/>
+          </a:bodyPr>
+          <a:lstStyle/>
+          <a:p>
+            <a:r>
+              <a:rPr lang="en-GB" sz="1100" dirty="0" smtClean="0"/>
+              <a:t>SQL</a:t>
+            </a:r>
+            <a:endParaRPr lang="en-GB" sz="1100" dirty="0"/>
+          </a:p>
+        </p:txBody>
+      </p:sp>
+      <p:sp>
+        <p:nvSpPr>
+          <p:cNvPr id="131" name="TextBox 130"/>
+          <p:cNvSpPr txBox="1"/>
+          <p:nvPr/>
+        </p:nvSpPr>
+        <p:spPr>
+          <a:xfrm>
+            <a:off x="3532300" y="4442280"/>
+            <a:ext cx="523941" cy="261610"/>
+          </a:xfrm>
+          <a:prstGeom prst="rect">
+            <a:avLst/>
+          </a:prstGeom>
+          <a:noFill/>
+        </p:spPr>
+        <p:txBody>
+          <a:bodyPr wrap="square" rtlCol="0">
+            <a:spAutoFit/>
+          </a:bodyPr>
+          <a:lstStyle/>
+          <a:p>
+            <a:r>
+              <a:rPr lang="en-GB" sz="1100" dirty="0" smtClean="0"/>
+              <a:t>SQL</a:t>
+            </a:r>
+            <a:endParaRPr lang="en-GB" sz="1100" dirty="0"/>
+          </a:p>
+        </p:txBody>
+      </p:sp>
+      <p:sp>
+        <p:nvSpPr>
+          <p:cNvPr id="132" name="TextBox 131"/>
+          <p:cNvSpPr txBox="1"/>
+          <p:nvPr/>
+        </p:nvSpPr>
+        <p:spPr>
+          <a:xfrm>
+            <a:off x="8041048" y="3810170"/>
+            <a:ext cx="523941" cy="261610"/>
+          </a:xfrm>
+          <a:prstGeom prst="rect">
+            <a:avLst/>
+          </a:prstGeom>
+          <a:noFill/>
+        </p:spPr>
+        <p:txBody>
+          <a:bodyPr wrap="square" rtlCol="0">
+            <a:spAutoFit/>
+          </a:bodyPr>
+          <a:lstStyle/>
+          <a:p>
+            <a:r>
+              <a:rPr lang="en-GB" sz="1100" dirty="0" smtClean="0"/>
+              <a:t>DLL</a:t>
+            </a:r>
+            <a:endParaRPr lang="en-GB" sz="1100" dirty="0"/>
+          </a:p>
+        </p:txBody>
+      </p:sp>
+      <p:sp>
+        <p:nvSpPr>
+          <p:cNvPr id="134" name="TextBox 133"/>
+          <p:cNvSpPr txBox="1"/>
+          <p:nvPr/>
+        </p:nvSpPr>
+        <p:spPr>
+          <a:xfrm>
+            <a:off x="8041048" y="4579341"/>
+            <a:ext cx="523941" cy="261610"/>
+          </a:xfrm>
+          <a:prstGeom prst="rect">
+            <a:avLst/>
+          </a:prstGeom>
+          <a:noFill/>
+        </p:spPr>
+        <p:txBody>
+          <a:bodyPr wrap="square" rtlCol="0">
+            <a:spAutoFit/>
+          </a:bodyPr>
+          <a:lstStyle/>
+          <a:p>
+            <a:r>
+              <a:rPr lang="en-GB" sz="1100" dirty="0" smtClean="0"/>
+              <a:t>DLL</a:t>
+            </a:r>
+            <a:endParaRPr lang="en-GB" sz="1100" dirty="0"/>
+          </a:p>
+        </p:txBody>
+      </p:sp>
+      <p:sp>
+        <p:nvSpPr>
+          <p:cNvPr id="135" name="TextBox 134"/>
+          <p:cNvSpPr txBox="1"/>
+          <p:nvPr/>
+        </p:nvSpPr>
+        <p:spPr>
+          <a:xfrm>
+            <a:off x="8036603" y="5302160"/>
+            <a:ext cx="523941" cy="261610"/>
+          </a:xfrm>
+          <a:prstGeom prst="rect">
+            <a:avLst/>
+          </a:prstGeom>
+          <a:noFill/>
+        </p:spPr>
+        <p:txBody>
+          <a:bodyPr wrap="square" rtlCol="0">
+            <a:spAutoFit/>
+          </a:bodyPr>
+          <a:lstStyle/>
+          <a:p>
+            <a:r>
+              <a:rPr lang="en-GB" sz="1100" dirty="0" smtClean="0"/>
+              <a:t>DLL</a:t>
+            </a:r>
+            <a:endParaRPr lang="en-GB" sz="1100" dirty="0"/>
+          </a:p>
+        </p:txBody>
+      </p:sp>
+      <p:sp>
+        <p:nvSpPr>
+          <p:cNvPr id="136" name="TextBox 135"/>
+          <p:cNvSpPr txBox="1"/>
+          <p:nvPr/>
+        </p:nvSpPr>
+        <p:spPr>
+          <a:xfrm>
+            <a:off x="8046889" y="5973496"/>
+            <a:ext cx="523941" cy="261610"/>
+          </a:xfrm>
+          <a:prstGeom prst="rect">
+            <a:avLst/>
+          </a:prstGeom>
+          <a:noFill/>
+        </p:spPr>
+        <p:txBody>
+          <a:bodyPr wrap="square" rtlCol="0">
+            <a:spAutoFit/>
+          </a:bodyPr>
+          <a:lstStyle/>
+          <a:p>
+            <a:r>
+              <a:rPr lang="en-GB" sz="1100" dirty="0" smtClean="0"/>
+              <a:t>DLL</a:t>
+            </a:r>
+            <a:endParaRPr lang="en-GB" sz="1100" dirty="0"/>
+          </a:p>
+        </p:txBody>
+      </p:sp>
     </p:spTree>
     <p:extLst>
       <p:ext uri="{BB962C8B-B14F-4D97-AF65-F5344CB8AC3E}">

--- a/Documentation/Software Architecture Design.pptx
+++ b/Documentation/Software Architecture Design.pptx
@@ -277,7 +277,7 @@
           <a:p>
             <a:fld id="{973A11F0-0C4B-45D6-9FBD-58D4072DB13C}" type="datetimeFigureOut">
               <a:rPr lang="en-GB" smtClean="0"/>
-              <a:t>11/01/2017</a:t>
+              <a:t>12/01/2017</a:t>
             </a:fld>
             <a:endParaRPr lang="en-GB"/>
           </a:p>
@@ -447,7 +447,7 @@
           <a:p>
             <a:fld id="{973A11F0-0C4B-45D6-9FBD-58D4072DB13C}" type="datetimeFigureOut">
               <a:rPr lang="en-GB" smtClean="0"/>
-              <a:t>11/01/2017</a:t>
+              <a:t>12/01/2017</a:t>
             </a:fld>
             <a:endParaRPr lang="en-GB"/>
           </a:p>
@@ -627,7 +627,7 @@
           <a:p>
             <a:fld id="{973A11F0-0C4B-45D6-9FBD-58D4072DB13C}" type="datetimeFigureOut">
               <a:rPr lang="en-GB" smtClean="0"/>
-              <a:t>11/01/2017</a:t>
+              <a:t>12/01/2017</a:t>
             </a:fld>
             <a:endParaRPr lang="en-GB"/>
           </a:p>
@@ -797,7 +797,7 @@
           <a:p>
             <a:fld id="{973A11F0-0C4B-45D6-9FBD-58D4072DB13C}" type="datetimeFigureOut">
               <a:rPr lang="en-GB" smtClean="0"/>
-              <a:t>11/01/2017</a:t>
+              <a:t>12/01/2017</a:t>
             </a:fld>
             <a:endParaRPr lang="en-GB"/>
           </a:p>
@@ -1043,7 +1043,7 @@
           <a:p>
             <a:fld id="{973A11F0-0C4B-45D6-9FBD-58D4072DB13C}" type="datetimeFigureOut">
               <a:rPr lang="en-GB" smtClean="0"/>
-              <a:t>11/01/2017</a:t>
+              <a:t>12/01/2017</a:t>
             </a:fld>
             <a:endParaRPr lang="en-GB"/>
           </a:p>
@@ -1275,7 +1275,7 @@
           <a:p>
             <a:fld id="{973A11F0-0C4B-45D6-9FBD-58D4072DB13C}" type="datetimeFigureOut">
               <a:rPr lang="en-GB" smtClean="0"/>
-              <a:t>11/01/2017</a:t>
+              <a:t>12/01/2017</a:t>
             </a:fld>
             <a:endParaRPr lang="en-GB"/>
           </a:p>
@@ -1642,7 +1642,7 @@
           <a:p>
             <a:fld id="{973A11F0-0C4B-45D6-9FBD-58D4072DB13C}" type="datetimeFigureOut">
               <a:rPr lang="en-GB" smtClean="0"/>
-              <a:t>11/01/2017</a:t>
+              <a:t>12/01/2017</a:t>
             </a:fld>
             <a:endParaRPr lang="en-GB"/>
           </a:p>
@@ -1760,7 +1760,7 @@
           <a:p>
             <a:fld id="{973A11F0-0C4B-45D6-9FBD-58D4072DB13C}" type="datetimeFigureOut">
               <a:rPr lang="en-GB" smtClean="0"/>
-              <a:t>11/01/2017</a:t>
+              <a:t>12/01/2017</a:t>
             </a:fld>
             <a:endParaRPr lang="en-GB"/>
           </a:p>
@@ -1855,7 +1855,7 @@
           <a:p>
             <a:fld id="{973A11F0-0C4B-45D6-9FBD-58D4072DB13C}" type="datetimeFigureOut">
               <a:rPr lang="en-GB" smtClean="0"/>
-              <a:t>11/01/2017</a:t>
+              <a:t>12/01/2017</a:t>
             </a:fld>
             <a:endParaRPr lang="en-GB"/>
           </a:p>
@@ -2132,7 +2132,7 @@
           <a:p>
             <a:fld id="{973A11F0-0C4B-45D6-9FBD-58D4072DB13C}" type="datetimeFigureOut">
               <a:rPr lang="en-GB" smtClean="0"/>
-              <a:t>11/01/2017</a:t>
+              <a:t>12/01/2017</a:t>
             </a:fld>
             <a:endParaRPr lang="en-GB"/>
           </a:p>
@@ -2385,7 +2385,7 @@
           <a:p>
             <a:fld id="{973A11F0-0C4B-45D6-9FBD-58D4072DB13C}" type="datetimeFigureOut">
               <a:rPr lang="en-GB" smtClean="0"/>
-              <a:t>11/01/2017</a:t>
+              <a:t>12/01/2017</a:t>
             </a:fld>
             <a:endParaRPr lang="en-GB"/>
           </a:p>
@@ -2598,7 +2598,7 @@
           <a:p>
             <a:fld id="{973A11F0-0C4B-45D6-9FBD-58D4072DB13C}" type="datetimeFigureOut">
               <a:rPr lang="en-GB" smtClean="0"/>
-              <a:t>11/01/2017</a:t>
+              <a:t>12/01/2017</a:t>
             </a:fld>
             <a:endParaRPr lang="en-GB"/>
           </a:p>
@@ -5471,7 +5471,7 @@
         </p:nvGrpSpPr>
         <p:grpSpPr>
           <a:xfrm>
-            <a:off x="9673846" y="178854"/>
+            <a:off x="9572500" y="118756"/>
             <a:ext cx="601250" cy="1189973"/>
             <a:chOff x="1791222" y="651353"/>
             <a:chExt cx="601250" cy="1189973"/>
@@ -5680,8 +5680,8 @@
         </p:nvSpPr>
         <p:spPr>
           <a:xfrm>
-            <a:off x="5852784" y="2404885"/>
-            <a:ext cx="4258335" cy="1184642"/>
+            <a:off x="5852784" y="2404884"/>
+            <a:ext cx="4359202" cy="2107623"/>
           </a:xfrm>
           <a:prstGeom prst="rect">
             <a:avLst/>
@@ -5745,15 +5745,7 @@
           <a:p>
             <a:r>
               <a:rPr lang="en-GB" sz="1200" dirty="0"/>
-              <a:t>(</a:t>
-            </a:r>
-            <a:r>
-              <a:rPr lang="en-GB" sz="1200" dirty="0" smtClean="0"/>
-              <a:t>MVVM </a:t>
-            </a:r>
-            <a:r>
-              <a:rPr lang="en-GB" sz="1200" dirty="0"/>
-              <a:t>Application)</a:t>
+              <a:t>(MVC Application)</a:t>
             </a:r>
           </a:p>
         </p:txBody>
@@ -5802,9 +5794,9 @@
         <p:grpSpPr>
           <a:xfrm>
             <a:off x="9546356" y="5964405"/>
-            <a:ext cx="2432393" cy="1082499"/>
+            <a:ext cx="2432393" cy="1074804"/>
             <a:chOff x="2887465" y="5222970"/>
-            <a:chExt cx="2432393" cy="1082499"/>
+            <a:chExt cx="2432393" cy="1074804"/>
           </a:xfrm>
         </p:grpSpPr>
         <p:sp>
@@ -5859,7 +5851,7 @@
           <p:spPr>
             <a:xfrm>
               <a:off x="3247646" y="5436000"/>
-              <a:ext cx="1833162" cy="869469"/>
+              <a:ext cx="1833162" cy="861774"/>
             </a:xfrm>
             <a:prstGeom prst="rect">
               <a:avLst/>
@@ -5872,25 +5864,14 @@
             </a:bodyPr>
             <a:lstStyle/>
             <a:p>
-              <a:pPr algn="ctr"/>
               <a:r>
-                <a:rPr lang="en-GB" sz="1100" dirty="0"/>
-                <a:t>WCF Web </a:t>
+                <a:rPr lang="en-GB" dirty="0"/>
+                <a:t>WCF Web Service</a:t>
               </a:r>
-              <a:r>
-                <a:rPr lang="en-GB" sz="1100" dirty="0" smtClean="0"/>
-                <a:t>Service - </a:t>
-              </a:r>
-              <a:r>
-                <a:rPr lang="en-GB" sz="1100" dirty="0" err="1" smtClean="0"/>
-                <a:t>BazzasBazaar</a:t>
-              </a:r>
-              <a:endParaRPr lang="en-GB" sz="1100" dirty="0"/>
             </a:p>
             <a:p>
-              <a:pPr algn="ctr"/>
               <a:r>
-                <a:rPr lang="en-GB" sz="1000" dirty="0"/>
+                <a:rPr lang="en-GB" sz="1400" dirty="0"/>
                 <a:t>    (RESTful Service)</a:t>
               </a:r>
             </a:p>
@@ -5908,8 +5889,8 @@
         </p:nvGrpSpPr>
         <p:grpSpPr>
           <a:xfrm>
-            <a:off x="9572500" y="3685387"/>
-            <a:ext cx="2292481" cy="702895"/>
+            <a:off x="9557349" y="4744581"/>
+            <a:ext cx="2432393" cy="897622"/>
             <a:chOff x="7529538" y="5487897"/>
             <a:chExt cx="2432393" cy="897622"/>
           </a:xfrm>
@@ -5965,8 +5946,8 @@
           </p:nvSpPr>
           <p:spPr>
             <a:xfrm>
-              <a:off x="7970083" y="5624863"/>
-              <a:ext cx="1518311" cy="540433"/>
+              <a:off x="7970083" y="5624861"/>
+              <a:ext cx="1518311" cy="584775"/>
             </a:xfrm>
             <a:prstGeom prst="rect">
               <a:avLst/>
@@ -5981,22 +5962,17 @@
             <a:p>
               <a:pPr algn="ctr"/>
               <a:r>
-                <a:rPr lang="en-GB" sz="1100" dirty="0" smtClean="0"/>
-                <a:t>HTTP - </a:t>
+                <a:rPr lang="en-GB" dirty="0"/>
+                <a:t>HTTP</a:t>
               </a:r>
-              <a:r>
-                <a:rPr lang="en-GB" sz="1100" dirty="0" err="1" smtClean="0"/>
-                <a:t>Undercutters</a:t>
-              </a:r>
-              <a:endParaRPr lang="en-GB" sz="1100" dirty="0"/>
             </a:p>
             <a:p>
               <a:pPr algn="ctr"/>
               <a:r>
-                <a:rPr lang="en-GB" sz="1000" dirty="0"/>
+                <a:rPr lang="en-GB" sz="1400" dirty="0"/>
                 <a:t>(RESTful Service)</a:t>
               </a:r>
-              <a:endParaRPr lang="en-GB" sz="1100" dirty="0"/>
+              <a:endParaRPr lang="en-GB" dirty="0"/>
             </a:p>
           </p:txBody>
         </p:sp>
@@ -6009,7 +5985,7 @@
         </p:nvSpPr>
         <p:spPr>
           <a:xfrm>
-            <a:off x="6445351" y="5975179"/>
+            <a:off x="6506582" y="6050989"/>
             <a:ext cx="1989548" cy="756831"/>
           </a:xfrm>
           <a:prstGeom prst="rect">
@@ -6052,8 +6028,8 @@
         </p:nvSpPr>
         <p:spPr>
           <a:xfrm>
-            <a:off x="6766194" y="6029862"/>
-            <a:ext cx="1347862" cy="647464"/>
+            <a:off x="6491411" y="6070920"/>
+            <a:ext cx="1973404" cy="861774"/>
           </a:xfrm>
           <a:prstGeom prst="rect">
             <a:avLst/>
@@ -6090,7 +6066,7 @@
         </p:nvSpPr>
         <p:spPr>
           <a:xfrm>
-            <a:off x="8661353" y="6362678"/>
+            <a:off x="8810463" y="6028707"/>
             <a:ext cx="1107049" cy="369332"/>
           </a:xfrm>
           <a:prstGeom prst="rect">
@@ -6119,7 +6095,7 @@
         </p:nvSpPr>
         <p:spPr>
           <a:xfrm>
-            <a:off x="8687441" y="5581056"/>
+            <a:off x="8613083" y="5029892"/>
             <a:ext cx="1266304" cy="369332"/>
           </a:xfrm>
           <a:prstGeom prst="rect">
@@ -6546,7 +6522,7 @@
         </p:nvSpPr>
         <p:spPr>
           <a:xfrm>
-            <a:off x="2344758" y="4798207"/>
+            <a:off x="2428211" y="4528582"/>
             <a:ext cx="500395" cy="637809"/>
           </a:xfrm>
           <a:prstGeom prst="flowChartMagneticDisk">
@@ -6589,7 +6565,7 @@
         </p:nvSpPr>
         <p:spPr>
           <a:xfrm>
-            <a:off x="3536529" y="4795156"/>
+            <a:off x="3180206" y="4496602"/>
             <a:ext cx="500395" cy="637809"/>
           </a:xfrm>
           <a:prstGeom prst="flowChartMagneticDisk">
@@ -6627,13 +6603,15 @@
       <p:cxnSp>
         <p:nvCxnSpPr>
           <p:cNvPr id="100" name="Straight Arrow Connector 99"/>
-          <p:cNvCxnSpPr/>
+          <p:cNvCxnSpPr>
+            <a:endCxn id="7" idx="1"/>
+          </p:cNvCxnSpPr>
           <p:nvPr/>
         </p:nvCxnSpPr>
         <p:spPr>
           <a:xfrm>
             <a:off x="5798842" y="1131203"/>
-            <a:ext cx="1302704" cy="307232"/>
+            <a:ext cx="1302704" cy="496250"/>
           </a:xfrm>
           <a:prstGeom prst="straightConnector1">
             <a:avLst/>
@@ -6690,6 +6668,41 @@
           </a:fontRef>
         </p:style>
       </p:cxnSp>
+      <p:cxnSp>
+        <p:nvCxnSpPr>
+          <p:cNvPr id="133" name="Straight Arrow Connector 132"/>
+          <p:cNvCxnSpPr>
+            <a:endCxn id="66" idx="0"/>
+          </p:cNvCxnSpPr>
+          <p:nvPr/>
+        </p:nvCxnSpPr>
+        <p:spPr>
+          <a:xfrm flipH="1">
+            <a:off x="7478113" y="4512507"/>
+            <a:ext cx="364625" cy="1558413"/>
+          </a:xfrm>
+          <a:prstGeom prst="straightConnector1">
+            <a:avLst/>
+          </a:prstGeom>
+          <a:ln>
+            <a:tailEnd type="triangle"/>
+          </a:ln>
+        </p:spPr>
+        <p:style>
+          <a:lnRef idx="1">
+            <a:schemeClr val="accent1"/>
+          </a:lnRef>
+          <a:fillRef idx="0">
+            <a:schemeClr val="accent1"/>
+          </a:fillRef>
+          <a:effectRef idx="0">
+            <a:schemeClr val="accent1"/>
+          </a:effectRef>
+          <a:fontRef idx="minor">
+            <a:schemeClr val="tx1"/>
+          </a:fontRef>
+        </p:style>
+      </p:cxnSp>
       <p:sp>
         <p:nvSpPr>
           <p:cNvPr id="7" name="Rectangle 6"/>
@@ -6752,7 +6765,7 @@
         <p:spPr>
           <a:xfrm>
             <a:off x="7977940" y="2045640"/>
-            <a:ext cx="4012" cy="359245"/>
+            <a:ext cx="54445" cy="359244"/>
           </a:xfrm>
           <a:prstGeom prst="straightConnector1">
             <a:avLst/>
@@ -6784,8 +6797,8 @@
         </p:nvSpPr>
         <p:spPr>
           <a:xfrm>
-            <a:off x="1339292" y="5551339"/>
-            <a:ext cx="3011722" cy="307777"/>
+            <a:off x="1135209" y="5581056"/>
+            <a:ext cx="3936655" cy="369332"/>
           </a:xfrm>
           <a:prstGeom prst="rect">
             <a:avLst/>
@@ -6799,7 +6812,7 @@
           <a:lstStyle/>
           <a:p>
             <a:r>
-              <a:rPr lang="en-GB" sz="1400" dirty="0"/>
+              <a:rPr lang="en-GB" dirty="0"/>
               <a:t>Encryption or hashing of sensitive data</a:t>
             </a:r>
           </a:p>
@@ -6813,7 +6826,7 @@
         </p:nvSpPr>
         <p:spPr>
           <a:xfrm>
-            <a:off x="1843470" y="5944005"/>
+            <a:off x="282044" y="5925843"/>
             <a:ext cx="2256069" cy="756311"/>
           </a:xfrm>
           <a:prstGeom prst="rect">
@@ -6856,7 +6869,7 @@
         </p:nvSpPr>
         <p:spPr>
           <a:xfrm>
-            <a:off x="1949533" y="6016185"/>
+            <a:off x="388107" y="5998023"/>
             <a:ext cx="1977024" cy="646331"/>
           </a:xfrm>
           <a:prstGeom prst="rect">
@@ -6898,7 +6911,7 @@
         <p:spPr>
           <a:xfrm flipH="1" flipV="1">
             <a:off x="1800050" y="2229792"/>
-            <a:ext cx="4013113" cy="326049"/>
+            <a:ext cx="4096694" cy="330049"/>
           </a:xfrm>
           <a:prstGeom prst="straightConnector1">
             <a:avLst/>
@@ -6926,15 +6939,14 @@
         <p:nvCxnSpPr>
           <p:cNvPr id="58" name="Straight Arrow Connector 57"/>
           <p:cNvCxnSpPr>
-            <a:stCxn id="32" idx="1"/>
             <a:endCxn id="76" idx="0"/>
           </p:cNvCxnSpPr>
           <p:nvPr/>
         </p:nvCxnSpPr>
         <p:spPr>
           <a:xfrm flipH="1">
-            <a:off x="3451217" y="2997206"/>
-            <a:ext cx="2401567" cy="48393"/>
+            <a:off x="3451217" y="3045599"/>
+            <a:ext cx="2505877" cy="0"/>
           </a:xfrm>
           <a:prstGeom prst="straightConnector1">
             <a:avLst/>
@@ -6968,8 +6980,8 @@
         </p:nvCxnSpPr>
         <p:spPr>
           <a:xfrm flipH="1">
-            <a:off x="5206768" y="3394295"/>
-            <a:ext cx="606395" cy="465506"/>
+            <a:off x="5206768" y="3822801"/>
+            <a:ext cx="646016" cy="37000"/>
           </a:xfrm>
           <a:prstGeom prst="straightConnector1">
             <a:avLst/>
@@ -7002,9 +7014,9 @@
           <p:nvPr/>
         </p:nvCxnSpPr>
         <p:spPr>
-          <a:xfrm flipH="1" flipV="1">
-            <a:off x="940014" y="5394112"/>
-            <a:ext cx="880340" cy="783323"/>
+          <a:xfrm flipV="1">
+            <a:off x="817685" y="5394112"/>
+            <a:ext cx="122329" cy="531731"/>
           </a:xfrm>
           <a:prstGeom prst="straightConnector1">
             <a:avLst/>
@@ -7068,15 +7080,14 @@
         <p:nvCxnSpPr>
           <p:cNvPr id="80" name="Straight Arrow Connector 79"/>
           <p:cNvCxnSpPr>
-            <a:stCxn id="89" idx="1"/>
-            <a:endCxn id="85" idx="2"/>
+            <a:cxnSpLocks/>
           </p:cNvCxnSpPr>
           <p:nvPr/>
         </p:nvCxnSpPr>
         <p:spPr>
-          <a:xfrm flipH="1" flipV="1">
-            <a:off x="2381982" y="4405228"/>
-            <a:ext cx="212974" cy="392979"/>
+          <a:xfrm flipV="1">
+            <a:off x="2706403" y="4370798"/>
+            <a:ext cx="339267" cy="169880"/>
           </a:xfrm>
           <a:prstGeom prst="straightConnector1">
             <a:avLst/>
@@ -7105,14 +7116,15 @@
         <p:nvCxnSpPr>
           <p:cNvPr id="93" name="Straight Arrow Connector 92"/>
           <p:cNvCxnSpPr>
+            <a:cxnSpLocks/>
             <a:stCxn id="90" idx="1"/>
           </p:cNvCxnSpPr>
           <p:nvPr/>
         </p:nvCxnSpPr>
         <p:spPr>
           <a:xfrm flipH="1" flipV="1">
-            <a:off x="3311844" y="4370798"/>
-            <a:ext cx="474883" cy="424358"/>
+            <a:off x="3026684" y="4370798"/>
+            <a:ext cx="403720" cy="125804"/>
           </a:xfrm>
           <a:prstGeom prst="straightConnector1">
             <a:avLst/>
@@ -7253,8 +7265,8 @@
         </p:nvSpPr>
         <p:spPr>
           <a:xfrm>
-            <a:off x="3984043" y="4866021"/>
-            <a:ext cx="1978269" cy="307777"/>
+            <a:off x="3125066" y="4674001"/>
+            <a:ext cx="866487" cy="523220"/>
           </a:xfrm>
           <a:prstGeom prst="rect">
             <a:avLst/>
@@ -7269,7 +7281,13 @@
           <a:p>
             <a:r>
               <a:rPr lang="en-GB" sz="1400" dirty="0"/>
-              <a:t>Users database</a:t>
+              <a:t>Users </a:t>
+            </a:r>
+          </a:p>
+          <a:p>
+            <a:r>
+              <a:rPr lang="en-GB" sz="1400" dirty="0"/>
+              <a:t>database</a:t>
             </a:r>
           </a:p>
         </p:txBody>
@@ -7282,7 +7300,7 @@
         </p:nvSpPr>
         <p:spPr>
           <a:xfrm>
-            <a:off x="1558776" y="4946298"/>
+            <a:off x="2286380" y="4700128"/>
             <a:ext cx="929553" cy="523220"/>
           </a:xfrm>
           <a:prstGeom prst="rect">
@@ -7311,7 +7329,7 @@
         </p:nvSpPr>
         <p:spPr>
           <a:xfrm>
-            <a:off x="-1135" y="4393910"/>
+            <a:off x="-38556" y="4877525"/>
             <a:ext cx="868872" cy="523220"/>
           </a:xfrm>
           <a:prstGeom prst="rect">
@@ -7336,14 +7354,14 @@
         <p:nvCxnSpPr>
           <p:cNvPr id="11" name="Straight Arrow Connector 10"/>
           <p:cNvCxnSpPr>
-            <a:endCxn id="48" idx="1"/>
+            <a:stCxn id="34" idx="3"/>
           </p:cNvCxnSpPr>
           <p:nvPr/>
         </p:nvCxnSpPr>
         <p:spPr>
-          <a:xfrm flipV="1">
-            <a:off x="4099539" y="6353595"/>
-            <a:ext cx="2345812" cy="277719"/>
+          <a:xfrm>
+            <a:off x="2538113" y="6303999"/>
+            <a:ext cx="3968469" cy="94040"/>
           </a:xfrm>
           <a:prstGeom prst="straightConnector1">
             <a:avLst/>
@@ -7370,15 +7388,13 @@
       <p:cxnSp>
         <p:nvCxnSpPr>
           <p:cNvPr id="14" name="Straight Arrow Connector 13"/>
-          <p:cNvCxnSpPr>
-            <a:endCxn id="118" idx="2"/>
-          </p:cNvCxnSpPr>
+          <p:cNvCxnSpPr/>
           <p:nvPr/>
         </p:nvCxnSpPr>
         <p:spPr>
           <a:xfrm flipV="1">
-            <a:off x="8420974" y="5535825"/>
-            <a:ext cx="1233793" cy="134871"/>
+            <a:off x="8496130" y="5464688"/>
+            <a:ext cx="1151526" cy="586301"/>
           </a:xfrm>
           <a:prstGeom prst="straightConnector1">
             <a:avLst/>
@@ -7410,7 +7426,7 @@
         </p:nvCxnSpPr>
         <p:spPr>
           <a:xfrm flipV="1">
-            <a:off x="8402120" y="6356571"/>
+            <a:off x="8445480" y="6631314"/>
             <a:ext cx="1202176" cy="74415"/>
           </a:xfrm>
           <a:prstGeom prst="straightConnector1">
@@ -7437,16 +7453,16 @@
       </p:cxnSp>
       <p:sp>
         <p:nvSpPr>
-          <p:cNvPr id="92" name="Rectangle 91"/>
+          <p:cNvPr id="77" name="Flowchart: Magnetic Disk 76"/>
           <p:cNvSpPr/>
           <p:nvPr/>
         </p:nvSpPr>
         <p:spPr>
           <a:xfrm>
-            <a:off x="6504184" y="4589407"/>
-            <a:ext cx="1922429" cy="558707"/>
-          </a:xfrm>
-          <a:prstGeom prst="rect">
+            <a:off x="1390552" y="4762936"/>
+            <a:ext cx="500395" cy="637809"/>
+          </a:xfrm>
+          <a:prstGeom prst="flowChartMagneticDisk">
             <a:avLst/>
           </a:prstGeom>
           <a:solidFill>
@@ -7478,452 +7494,25 @@
           </a:p>
         </p:txBody>
       </p:sp>
-      <p:sp>
-        <p:nvSpPr>
-          <p:cNvPr id="94" name="TextBox 93"/>
-          <p:cNvSpPr txBox="1"/>
-          <p:nvPr/>
-        </p:nvSpPr>
-        <p:spPr>
-          <a:xfrm>
-            <a:off x="6725718" y="4593944"/>
-            <a:ext cx="1302391" cy="830997"/>
-          </a:xfrm>
-          <a:prstGeom prst="rect">
-            <a:avLst/>
-          </a:prstGeom>
-          <a:noFill/>
-        </p:spPr>
-        <p:txBody>
-          <a:bodyPr wrap="square" rtlCol="0">
-            <a:spAutoFit/>
-          </a:bodyPr>
-          <a:lstStyle/>
-          <a:p>
-            <a:r>
-              <a:rPr lang="en-GB" dirty="0"/>
-              <a:t>Proxy</a:t>
-            </a:r>
-          </a:p>
-          <a:p>
-            <a:r>
-              <a:rPr lang="en-GB" sz="1200" dirty="0"/>
-              <a:t>(C# Class Library)</a:t>
-            </a:r>
-          </a:p>
-          <a:p>
-            <a:endParaRPr lang="en-GB" dirty="0"/>
-          </a:p>
-        </p:txBody>
-      </p:sp>
-      <p:sp>
-        <p:nvSpPr>
-          <p:cNvPr id="96" name="Rectangle 95"/>
-          <p:cNvSpPr/>
-          <p:nvPr/>
-        </p:nvSpPr>
-        <p:spPr>
-          <a:xfrm>
-            <a:off x="6498294" y="3841301"/>
-            <a:ext cx="1928319" cy="581525"/>
-          </a:xfrm>
-          <a:prstGeom prst="rect">
-            <a:avLst/>
-          </a:prstGeom>
-          <a:solidFill>
-            <a:schemeClr val="bg1"/>
-          </a:solidFill>
-        </p:spPr>
-        <p:style>
-          <a:lnRef idx="2">
-            <a:schemeClr val="accent1">
-              <a:shade val="50000"/>
-            </a:schemeClr>
-          </a:lnRef>
-          <a:fillRef idx="1">
-            <a:schemeClr val="accent1"/>
-          </a:fillRef>
-          <a:effectRef idx="0">
-            <a:schemeClr val="accent1"/>
-          </a:effectRef>
-          <a:fontRef idx="minor">
-            <a:schemeClr val="lt1"/>
-          </a:fontRef>
-        </p:style>
-        <p:txBody>
-          <a:bodyPr rtlCol="0" anchor="ctr"/>
-          <a:lstStyle/>
-          <a:p>
-            <a:pPr algn="ctr"/>
-            <a:endParaRPr lang="en-GB"/>
-          </a:p>
-        </p:txBody>
-      </p:sp>
-      <p:sp>
-        <p:nvSpPr>
-          <p:cNvPr id="98" name="TextBox 97"/>
-          <p:cNvSpPr txBox="1"/>
-          <p:nvPr/>
-        </p:nvSpPr>
-        <p:spPr>
-          <a:xfrm>
-            <a:off x="6819138" y="3820119"/>
-            <a:ext cx="1306381" cy="830997"/>
-          </a:xfrm>
-          <a:prstGeom prst="rect">
-            <a:avLst/>
-          </a:prstGeom>
-          <a:noFill/>
-        </p:spPr>
-        <p:txBody>
-          <a:bodyPr wrap="square" rtlCol="0">
-            <a:spAutoFit/>
-          </a:bodyPr>
-          <a:lstStyle/>
-          <a:p>
-            <a:r>
-              <a:rPr lang="en-GB" dirty="0"/>
-              <a:t>Proxy</a:t>
-            </a:r>
-          </a:p>
-          <a:p>
-            <a:r>
-              <a:rPr lang="en-GB" sz="1200" dirty="0"/>
-              <a:t>(C# Class Library)</a:t>
-            </a:r>
-          </a:p>
-          <a:p>
-            <a:endParaRPr lang="en-GB" dirty="0"/>
-          </a:p>
-        </p:txBody>
-      </p:sp>
-      <p:sp>
-        <p:nvSpPr>
-          <p:cNvPr id="101" name="Rectangle 100"/>
-          <p:cNvSpPr/>
-          <p:nvPr/>
-        </p:nvSpPr>
-        <p:spPr>
-          <a:xfrm>
-            <a:off x="6504184" y="5297069"/>
-            <a:ext cx="1922429" cy="550139"/>
-          </a:xfrm>
-          <a:prstGeom prst="rect">
-            <a:avLst/>
-          </a:prstGeom>
-          <a:solidFill>
-            <a:schemeClr val="bg1"/>
-          </a:solidFill>
-        </p:spPr>
-        <p:style>
-          <a:lnRef idx="2">
-            <a:schemeClr val="accent1">
-              <a:shade val="50000"/>
-            </a:schemeClr>
-          </a:lnRef>
-          <a:fillRef idx="1">
-            <a:schemeClr val="accent1"/>
-          </a:fillRef>
-          <a:effectRef idx="0">
-            <a:schemeClr val="accent1"/>
-          </a:effectRef>
-          <a:fontRef idx="minor">
-            <a:schemeClr val="lt1"/>
-          </a:fontRef>
-        </p:style>
-        <p:txBody>
-          <a:bodyPr rtlCol="0" anchor="ctr"/>
-          <a:lstStyle/>
-          <a:p>
-            <a:pPr algn="ctr"/>
-            <a:endParaRPr lang="en-GB"/>
-          </a:p>
-        </p:txBody>
-      </p:sp>
-      <p:sp>
-        <p:nvSpPr>
-          <p:cNvPr id="102" name="TextBox 101"/>
-          <p:cNvSpPr txBox="1"/>
-          <p:nvPr/>
-        </p:nvSpPr>
-        <p:spPr>
-          <a:xfrm>
-            <a:off x="6786842" y="5274675"/>
-            <a:ext cx="1376195" cy="830997"/>
-          </a:xfrm>
-          <a:prstGeom prst="rect">
-            <a:avLst/>
-          </a:prstGeom>
-          <a:noFill/>
-        </p:spPr>
-        <p:txBody>
-          <a:bodyPr wrap="square" rtlCol="0">
-            <a:spAutoFit/>
-          </a:bodyPr>
-          <a:lstStyle/>
-          <a:p>
-            <a:r>
-              <a:rPr lang="en-GB" dirty="0"/>
-              <a:t>Proxy</a:t>
-            </a:r>
-          </a:p>
-          <a:p>
-            <a:r>
-              <a:rPr lang="en-GB" sz="1200" dirty="0"/>
-              <a:t>(C# Class Library)</a:t>
-            </a:r>
-          </a:p>
-          <a:p>
-            <a:endParaRPr lang="en-GB" dirty="0"/>
-          </a:p>
-        </p:txBody>
-      </p:sp>
-      <p:grpSp>
-        <p:nvGrpSpPr>
-          <p:cNvPr id="114" name="Group 113"/>
-          <p:cNvGrpSpPr/>
-          <p:nvPr/>
-        </p:nvGrpSpPr>
-        <p:grpSpPr>
-          <a:xfrm>
-            <a:off x="9616311" y="4428404"/>
-            <a:ext cx="2292481" cy="702895"/>
-            <a:chOff x="7529538" y="5487897"/>
-            <a:chExt cx="2432393" cy="897622"/>
-          </a:xfrm>
-        </p:grpSpPr>
-        <p:sp>
-          <p:nvSpPr>
-            <p:cNvPr id="115" name="Cloud 114"/>
-            <p:cNvSpPr/>
-            <p:nvPr/>
-          </p:nvSpPr>
-          <p:spPr>
-            <a:xfrm>
-              <a:off x="7529538" y="5487897"/>
-              <a:ext cx="2432393" cy="897622"/>
-            </a:xfrm>
-            <a:prstGeom prst="cloud">
-              <a:avLst/>
-            </a:prstGeom>
-            <a:solidFill>
-              <a:schemeClr val="bg1"/>
-            </a:solidFill>
-          </p:spPr>
-          <p:style>
-            <a:lnRef idx="2">
-              <a:schemeClr val="accent1">
-                <a:shade val="50000"/>
-              </a:schemeClr>
-            </a:lnRef>
-            <a:fillRef idx="1">
-              <a:schemeClr val="accent1"/>
-            </a:fillRef>
-            <a:effectRef idx="0">
-              <a:schemeClr val="accent1"/>
-            </a:effectRef>
-            <a:fontRef idx="minor">
-              <a:schemeClr val="lt1"/>
-            </a:fontRef>
-          </p:style>
-          <p:txBody>
-            <a:bodyPr rtlCol="0" anchor="ctr"/>
-            <a:lstStyle/>
-            <a:p>
-              <a:pPr algn="ctr"/>
-              <a:endParaRPr lang="en-GB" dirty="0"/>
-            </a:p>
-          </p:txBody>
-        </p:sp>
-        <p:sp>
-          <p:nvSpPr>
-            <p:cNvPr id="116" name="TextBox 115"/>
-            <p:cNvSpPr txBox="1"/>
-            <p:nvPr/>
-          </p:nvSpPr>
-          <p:spPr>
-            <a:xfrm>
-              <a:off x="7970083" y="5624863"/>
-              <a:ext cx="1518311" cy="540433"/>
-            </a:xfrm>
-            <a:prstGeom prst="rect">
-              <a:avLst/>
-            </a:prstGeom>
-            <a:noFill/>
-          </p:spPr>
-          <p:txBody>
-            <a:bodyPr wrap="square" rtlCol="0">
-              <a:spAutoFit/>
-            </a:bodyPr>
-            <a:lstStyle/>
-            <a:p>
-              <a:pPr algn="ctr"/>
-              <a:r>
-                <a:rPr lang="en-GB" sz="1100" dirty="0" smtClean="0"/>
-                <a:t>HTTP - </a:t>
-              </a:r>
-              <a:r>
-                <a:rPr lang="en-GB" sz="1100" dirty="0" err="1" smtClean="0"/>
-                <a:t>DodgyDealers</a:t>
-              </a:r>
-              <a:endParaRPr lang="en-GB" sz="1100" dirty="0"/>
-            </a:p>
-            <a:p>
-              <a:pPr algn="ctr"/>
-              <a:r>
-                <a:rPr lang="en-GB" sz="1000" dirty="0"/>
-                <a:t>(RESTful Service)</a:t>
-              </a:r>
-              <a:endParaRPr lang="en-GB" sz="1100" dirty="0"/>
-            </a:p>
-          </p:txBody>
-        </p:sp>
-      </p:grpSp>
-      <p:grpSp>
-        <p:nvGrpSpPr>
-          <p:cNvPr id="117" name="Group 116"/>
-          <p:cNvGrpSpPr/>
-          <p:nvPr/>
-        </p:nvGrpSpPr>
-        <p:grpSpPr>
-          <a:xfrm>
-            <a:off x="9647656" y="5184377"/>
-            <a:ext cx="2292481" cy="702895"/>
-            <a:chOff x="7529538" y="5487897"/>
-            <a:chExt cx="2432393" cy="897622"/>
-          </a:xfrm>
-        </p:grpSpPr>
-        <p:sp>
-          <p:nvSpPr>
-            <p:cNvPr id="118" name="Cloud 117"/>
-            <p:cNvSpPr/>
-            <p:nvPr/>
-          </p:nvSpPr>
-          <p:spPr>
-            <a:xfrm>
-              <a:off x="7529538" y="5487897"/>
-              <a:ext cx="2432393" cy="897622"/>
-            </a:xfrm>
-            <a:prstGeom prst="cloud">
-              <a:avLst/>
-            </a:prstGeom>
-            <a:solidFill>
-              <a:schemeClr val="bg1"/>
-            </a:solidFill>
-          </p:spPr>
-          <p:style>
-            <a:lnRef idx="2">
-              <a:schemeClr val="accent1">
-                <a:shade val="50000"/>
-              </a:schemeClr>
-            </a:lnRef>
-            <a:fillRef idx="1">
-              <a:schemeClr val="accent1"/>
-            </a:fillRef>
-            <a:effectRef idx="0">
-              <a:schemeClr val="accent1"/>
-            </a:effectRef>
-            <a:fontRef idx="minor">
-              <a:schemeClr val="lt1"/>
-            </a:fontRef>
-          </p:style>
-          <p:txBody>
-            <a:bodyPr rtlCol="0" anchor="ctr"/>
-            <a:lstStyle/>
-            <a:p>
-              <a:pPr algn="ctr"/>
-              <a:endParaRPr lang="en-GB" dirty="0"/>
-            </a:p>
-          </p:txBody>
-        </p:sp>
-        <p:sp>
-          <p:nvSpPr>
-            <p:cNvPr id="119" name="TextBox 118"/>
-            <p:cNvSpPr txBox="1"/>
-            <p:nvPr/>
-          </p:nvSpPr>
-          <p:spPr>
-            <a:xfrm>
-              <a:off x="7970083" y="5624863"/>
-              <a:ext cx="1518311" cy="746779"/>
-            </a:xfrm>
-            <a:prstGeom prst="rect">
-              <a:avLst/>
-            </a:prstGeom>
-            <a:noFill/>
-          </p:spPr>
-          <p:txBody>
-            <a:bodyPr wrap="square" rtlCol="0">
-              <a:spAutoFit/>
-            </a:bodyPr>
-            <a:lstStyle/>
-            <a:p>
-              <a:pPr algn="ctr"/>
-              <a:r>
-                <a:rPr lang="en-GB" sz="1100" dirty="0" smtClean="0"/>
-                <a:t>HTTP - </a:t>
-              </a:r>
-              <a:r>
-                <a:rPr lang="en-GB" sz="1100" dirty="0" err="1" smtClean="0"/>
-                <a:t>KhansKwikiMart</a:t>
-              </a:r>
-              <a:endParaRPr lang="en-GB" sz="1100" dirty="0"/>
-            </a:p>
-            <a:p>
-              <a:pPr algn="ctr"/>
-              <a:r>
-                <a:rPr lang="en-GB" sz="1000" dirty="0"/>
-                <a:t>(RESTful Service)</a:t>
-              </a:r>
-              <a:endParaRPr lang="en-GB" sz="1100" dirty="0"/>
-            </a:p>
-          </p:txBody>
-        </p:sp>
-      </p:grpSp>
-      <p:sp>
-        <p:nvSpPr>
-          <p:cNvPr id="120" name="TextBox 119"/>
-          <p:cNvSpPr txBox="1"/>
-          <p:nvPr/>
-        </p:nvSpPr>
-        <p:spPr>
-          <a:xfrm>
-            <a:off x="8708167" y="4792808"/>
-            <a:ext cx="1266304" cy="369332"/>
-          </a:xfrm>
-          <a:prstGeom prst="rect">
-            <a:avLst/>
-          </a:prstGeom>
-          <a:noFill/>
-        </p:spPr>
-        <p:txBody>
-          <a:bodyPr wrap="square" rtlCol="0">
-            <a:spAutoFit/>
-          </a:bodyPr>
-          <a:lstStyle/>
-          <a:p>
-            <a:r>
-              <a:rPr lang="en-GB" dirty="0"/>
-              <a:t>JSON</a:t>
-            </a:r>
-          </a:p>
-        </p:txBody>
-      </p:sp>
       <p:cxnSp>
         <p:nvCxnSpPr>
-          <p:cNvPr id="121" name="Straight Arrow Connector 120"/>
-          <p:cNvCxnSpPr/>
+          <p:cNvPr id="91" name="Straight Arrow Connector 90"/>
+          <p:cNvCxnSpPr>
+            <a:cxnSpLocks/>
+            <a:stCxn id="77" idx="2"/>
+          </p:cNvCxnSpPr>
           <p:nvPr/>
         </p:nvCxnSpPr>
         <p:spPr>
-          <a:xfrm flipV="1">
-            <a:off x="8441700" y="4747577"/>
-            <a:ext cx="1233793" cy="134871"/>
+          <a:xfrm flipH="1" flipV="1">
+            <a:off x="1170530" y="5038167"/>
+            <a:ext cx="220022" cy="43674"/>
           </a:xfrm>
           <a:prstGeom prst="straightConnector1">
             <a:avLst/>
           </a:prstGeom>
           <a:ln>
+            <a:headEnd type="triangle"/>
             <a:tailEnd type="triangle"/>
           </a:ln>
         </p:spPr>
@@ -7944,14 +7533,14 @@
       </p:cxnSp>
       <p:sp>
         <p:nvSpPr>
-          <p:cNvPr id="122" name="TextBox 121"/>
+          <p:cNvPr id="40" name="TextBox 39"/>
           <p:cNvSpPr txBox="1"/>
           <p:nvPr/>
         </p:nvSpPr>
         <p:spPr>
           <a:xfrm>
-            <a:off x="8663287" y="4062205"/>
-            <a:ext cx="1266304" cy="369332"/>
+            <a:off x="1247891" y="5321550"/>
+            <a:ext cx="1472006" cy="307777"/>
           </a:xfrm>
           <a:prstGeom prst="rect">
             <a:avLst/>
@@ -7959,423 +7548,16 @@
           <a:noFill/>
         </p:spPr>
         <p:txBody>
-          <a:bodyPr wrap="square" rtlCol="0">
+          <a:bodyPr wrap="none" rtlCol="0">
             <a:spAutoFit/>
           </a:bodyPr>
           <a:lstStyle/>
           <a:p>
             <a:r>
-              <a:rPr lang="en-GB" dirty="0"/>
-              <a:t>JSON</a:t>
-            </a:r>
-          </a:p>
-        </p:txBody>
-      </p:sp>
-      <p:cxnSp>
-        <p:nvCxnSpPr>
-          <p:cNvPr id="123" name="Straight Arrow Connector 122"/>
-          <p:cNvCxnSpPr/>
-          <p:nvPr/>
-        </p:nvCxnSpPr>
-        <p:spPr>
-          <a:xfrm flipV="1">
-            <a:off x="8396820" y="4016974"/>
-            <a:ext cx="1233793" cy="134871"/>
-          </a:xfrm>
-          <a:prstGeom prst="straightConnector1">
-            <a:avLst/>
-          </a:prstGeom>
-          <a:ln>
-            <a:tailEnd type="triangle"/>
-          </a:ln>
-        </p:spPr>
-        <p:style>
-          <a:lnRef idx="1">
-            <a:schemeClr val="accent1"/>
-          </a:lnRef>
-          <a:fillRef idx="0">
-            <a:schemeClr val="accent1"/>
-          </a:fillRef>
-          <a:effectRef idx="0">
-            <a:schemeClr val="accent1"/>
-          </a:effectRef>
-          <a:fontRef idx="minor">
-            <a:schemeClr val="tx1"/>
-          </a:fontRef>
-        </p:style>
-      </p:cxnSp>
-      <p:cxnSp>
-        <p:nvCxnSpPr>
-          <p:cNvPr id="124" name="Straight Arrow Connector 123"/>
-          <p:cNvCxnSpPr>
-            <a:endCxn id="101" idx="1"/>
-          </p:cNvCxnSpPr>
-          <p:nvPr/>
-        </p:nvCxnSpPr>
-        <p:spPr>
-          <a:xfrm flipV="1">
-            <a:off x="4099539" y="5572139"/>
-            <a:ext cx="2404645" cy="852202"/>
-          </a:xfrm>
-          <a:prstGeom prst="straightConnector1">
-            <a:avLst/>
-          </a:prstGeom>
-          <a:ln>
-            <a:tailEnd type="triangle"/>
-          </a:ln>
-        </p:spPr>
-        <p:style>
-          <a:lnRef idx="1">
-            <a:schemeClr val="accent1"/>
-          </a:lnRef>
-          <a:fillRef idx="0">
-            <a:schemeClr val="accent1"/>
-          </a:fillRef>
-          <a:effectRef idx="0">
-            <a:schemeClr val="accent1"/>
-          </a:effectRef>
-          <a:fontRef idx="minor">
-            <a:schemeClr val="tx1"/>
-          </a:fontRef>
-        </p:style>
-      </p:cxnSp>
-      <p:cxnSp>
-        <p:nvCxnSpPr>
-          <p:cNvPr id="125" name="Straight Arrow Connector 124"/>
-          <p:cNvCxnSpPr>
-            <a:endCxn id="92" idx="1"/>
-          </p:cNvCxnSpPr>
-          <p:nvPr/>
-        </p:nvCxnSpPr>
-        <p:spPr>
-          <a:xfrm flipV="1">
-            <a:off x="4088958" y="4868761"/>
-            <a:ext cx="2415226" cy="1263751"/>
-          </a:xfrm>
-          <a:prstGeom prst="straightConnector1">
-            <a:avLst/>
-          </a:prstGeom>
-          <a:ln>
-            <a:tailEnd type="triangle"/>
-          </a:ln>
-        </p:spPr>
-        <p:style>
-          <a:lnRef idx="1">
-            <a:schemeClr val="accent1"/>
-          </a:lnRef>
-          <a:fillRef idx="0">
-            <a:schemeClr val="accent1"/>
-          </a:fillRef>
-          <a:effectRef idx="0">
-            <a:schemeClr val="accent1"/>
-          </a:effectRef>
-          <a:fontRef idx="minor">
-            <a:schemeClr val="tx1"/>
-          </a:fontRef>
-        </p:style>
-      </p:cxnSp>
-      <p:cxnSp>
-        <p:nvCxnSpPr>
-          <p:cNvPr id="126" name="Straight Arrow Connector 125"/>
-          <p:cNvCxnSpPr>
-            <a:endCxn id="96" idx="1"/>
-          </p:cNvCxnSpPr>
-          <p:nvPr/>
-        </p:nvCxnSpPr>
-        <p:spPr>
-          <a:xfrm flipV="1">
-            <a:off x="4088958" y="4132064"/>
-            <a:ext cx="2409336" cy="1786962"/>
-          </a:xfrm>
-          <a:prstGeom prst="straightConnector1">
-            <a:avLst/>
-          </a:prstGeom>
-          <a:ln>
-            <a:tailEnd type="triangle"/>
-          </a:ln>
-        </p:spPr>
-        <p:style>
-          <a:lnRef idx="1">
-            <a:schemeClr val="accent1"/>
-          </a:lnRef>
-          <a:fillRef idx="0">
-            <a:schemeClr val="accent1"/>
-          </a:fillRef>
-          <a:effectRef idx="0">
-            <a:schemeClr val="accent1"/>
-          </a:effectRef>
-          <a:fontRef idx="minor">
-            <a:schemeClr val="tx1"/>
-          </a:fontRef>
-        </p:style>
-      </p:cxnSp>
-      <p:sp>
-        <p:nvSpPr>
-          <p:cNvPr id="127" name="TextBox 126"/>
-          <p:cNvSpPr txBox="1"/>
-          <p:nvPr/>
-        </p:nvSpPr>
-        <p:spPr>
-          <a:xfrm>
-            <a:off x="8017889" y="2092308"/>
-            <a:ext cx="523941" cy="261610"/>
-          </a:xfrm>
-          <a:prstGeom prst="rect">
-            <a:avLst/>
-          </a:prstGeom>
-          <a:noFill/>
-        </p:spPr>
-        <p:txBody>
-          <a:bodyPr wrap="square" rtlCol="0">
-            <a:spAutoFit/>
-          </a:bodyPr>
-          <a:lstStyle/>
-          <a:p>
-            <a:r>
-              <a:rPr lang="en-GB" sz="1100" dirty="0" smtClean="0"/>
-              <a:t>HTTP</a:t>
-            </a:r>
-            <a:endParaRPr lang="en-GB" sz="1100" dirty="0"/>
-          </a:p>
-        </p:txBody>
-      </p:sp>
-      <p:sp>
-        <p:nvSpPr>
-          <p:cNvPr id="128" name="TextBox 127"/>
-          <p:cNvSpPr txBox="1"/>
-          <p:nvPr/>
-        </p:nvSpPr>
-        <p:spPr>
-          <a:xfrm>
-            <a:off x="7414050" y="2093445"/>
-            <a:ext cx="563890" cy="261610"/>
-          </a:xfrm>
-          <a:prstGeom prst="rect">
-            <a:avLst/>
-          </a:prstGeom>
-          <a:noFill/>
-        </p:spPr>
-        <p:txBody>
-          <a:bodyPr wrap="square" rtlCol="0">
-            <a:spAutoFit/>
-          </a:bodyPr>
-          <a:lstStyle/>
-          <a:p>
-            <a:r>
-              <a:rPr lang="en-GB" sz="1100" dirty="0" smtClean="0"/>
-              <a:t>HTML</a:t>
-            </a:r>
-            <a:endParaRPr lang="en-GB" sz="1100" dirty="0"/>
-          </a:p>
-        </p:txBody>
-      </p:sp>
-      <p:sp>
-        <p:nvSpPr>
-          <p:cNvPr id="129" name="TextBox 128"/>
-          <p:cNvSpPr txBox="1"/>
-          <p:nvPr/>
-        </p:nvSpPr>
-        <p:spPr>
-          <a:xfrm>
-            <a:off x="1136562" y="4547504"/>
-            <a:ext cx="523941" cy="261610"/>
-          </a:xfrm>
-          <a:prstGeom prst="rect">
-            <a:avLst/>
-          </a:prstGeom>
-          <a:noFill/>
-        </p:spPr>
-        <p:txBody>
-          <a:bodyPr wrap="square" rtlCol="0">
-            <a:spAutoFit/>
-          </a:bodyPr>
-          <a:lstStyle/>
-          <a:p>
-            <a:r>
-              <a:rPr lang="en-GB" sz="1100" dirty="0" smtClean="0"/>
-              <a:t>SQL</a:t>
-            </a:r>
-            <a:endParaRPr lang="en-GB" sz="1100" dirty="0"/>
-          </a:p>
-        </p:txBody>
-      </p:sp>
-      <p:sp>
-        <p:nvSpPr>
-          <p:cNvPr id="130" name="TextBox 129"/>
-          <p:cNvSpPr txBox="1"/>
-          <p:nvPr/>
-        </p:nvSpPr>
-        <p:spPr>
-          <a:xfrm>
-            <a:off x="2437617" y="4483958"/>
-            <a:ext cx="523941" cy="261610"/>
-          </a:xfrm>
-          <a:prstGeom prst="rect">
-            <a:avLst/>
-          </a:prstGeom>
-          <a:noFill/>
-        </p:spPr>
-        <p:txBody>
-          <a:bodyPr wrap="square" rtlCol="0">
-            <a:spAutoFit/>
-          </a:bodyPr>
-          <a:lstStyle/>
-          <a:p>
-            <a:r>
-              <a:rPr lang="en-GB" sz="1100" dirty="0" smtClean="0"/>
-              <a:t>SQL</a:t>
-            </a:r>
-            <a:endParaRPr lang="en-GB" sz="1100" dirty="0"/>
-          </a:p>
-        </p:txBody>
-      </p:sp>
-      <p:sp>
-        <p:nvSpPr>
-          <p:cNvPr id="131" name="TextBox 130"/>
-          <p:cNvSpPr txBox="1"/>
-          <p:nvPr/>
-        </p:nvSpPr>
-        <p:spPr>
-          <a:xfrm>
-            <a:off x="3532300" y="4442280"/>
-            <a:ext cx="523941" cy="261610"/>
-          </a:xfrm>
-          <a:prstGeom prst="rect">
-            <a:avLst/>
-          </a:prstGeom>
-          <a:noFill/>
-        </p:spPr>
-        <p:txBody>
-          <a:bodyPr wrap="square" rtlCol="0">
-            <a:spAutoFit/>
-          </a:bodyPr>
-          <a:lstStyle/>
-          <a:p>
-            <a:r>
-              <a:rPr lang="en-GB" sz="1100" dirty="0" smtClean="0"/>
-              <a:t>SQL</a:t>
-            </a:r>
-            <a:endParaRPr lang="en-GB" sz="1100" dirty="0"/>
-          </a:p>
-        </p:txBody>
-      </p:sp>
-      <p:sp>
-        <p:nvSpPr>
-          <p:cNvPr id="132" name="TextBox 131"/>
-          <p:cNvSpPr txBox="1"/>
-          <p:nvPr/>
-        </p:nvSpPr>
-        <p:spPr>
-          <a:xfrm>
-            <a:off x="8041048" y="3810170"/>
-            <a:ext cx="523941" cy="261610"/>
-          </a:xfrm>
-          <a:prstGeom prst="rect">
-            <a:avLst/>
-          </a:prstGeom>
-          <a:noFill/>
-        </p:spPr>
-        <p:txBody>
-          <a:bodyPr wrap="square" rtlCol="0">
-            <a:spAutoFit/>
-          </a:bodyPr>
-          <a:lstStyle/>
-          <a:p>
-            <a:r>
-              <a:rPr lang="en-GB" sz="1100" dirty="0" smtClean="0"/>
-              <a:t>DLL</a:t>
-            </a:r>
-            <a:endParaRPr lang="en-GB" sz="1100" dirty="0"/>
-          </a:p>
-        </p:txBody>
-      </p:sp>
-      <p:sp>
-        <p:nvSpPr>
-          <p:cNvPr id="134" name="TextBox 133"/>
-          <p:cNvSpPr txBox="1"/>
-          <p:nvPr/>
-        </p:nvSpPr>
-        <p:spPr>
-          <a:xfrm>
-            <a:off x="8041048" y="4579341"/>
-            <a:ext cx="523941" cy="261610"/>
-          </a:xfrm>
-          <a:prstGeom prst="rect">
-            <a:avLst/>
-          </a:prstGeom>
-          <a:noFill/>
-        </p:spPr>
-        <p:txBody>
-          <a:bodyPr wrap="square" rtlCol="0">
-            <a:spAutoFit/>
-          </a:bodyPr>
-          <a:lstStyle/>
-          <a:p>
-            <a:r>
-              <a:rPr lang="en-GB" sz="1100" dirty="0" smtClean="0"/>
-              <a:t>DLL</a:t>
-            </a:r>
-            <a:endParaRPr lang="en-GB" sz="1100" dirty="0"/>
-          </a:p>
-        </p:txBody>
-      </p:sp>
-      <p:sp>
-        <p:nvSpPr>
-          <p:cNvPr id="135" name="TextBox 134"/>
-          <p:cNvSpPr txBox="1"/>
-          <p:nvPr/>
-        </p:nvSpPr>
-        <p:spPr>
-          <a:xfrm>
-            <a:off x="8036603" y="5302160"/>
-            <a:ext cx="523941" cy="261610"/>
-          </a:xfrm>
-          <a:prstGeom prst="rect">
-            <a:avLst/>
-          </a:prstGeom>
-          <a:noFill/>
-        </p:spPr>
-        <p:txBody>
-          <a:bodyPr wrap="square" rtlCol="0">
-            <a:spAutoFit/>
-          </a:bodyPr>
-          <a:lstStyle/>
-          <a:p>
-            <a:r>
-              <a:rPr lang="en-GB" sz="1100" dirty="0" smtClean="0"/>
-              <a:t>DLL</a:t>
-            </a:r>
-            <a:endParaRPr lang="en-GB" sz="1100" dirty="0"/>
-          </a:p>
-        </p:txBody>
-      </p:sp>
-      <p:sp>
-        <p:nvSpPr>
-          <p:cNvPr id="136" name="TextBox 135"/>
-          <p:cNvSpPr txBox="1"/>
-          <p:nvPr/>
-        </p:nvSpPr>
-        <p:spPr>
-          <a:xfrm>
-            <a:off x="8046889" y="5973496"/>
-            <a:ext cx="523941" cy="261610"/>
-          </a:xfrm>
-          <a:prstGeom prst="rect">
-            <a:avLst/>
-          </a:prstGeom>
-          <a:noFill/>
-        </p:spPr>
-        <p:txBody>
-          <a:bodyPr wrap="square" rtlCol="0">
-            <a:spAutoFit/>
-          </a:bodyPr>
-          <a:lstStyle/>
-          <a:p>
-            <a:r>
-              <a:rPr lang="en-GB" sz="1100" dirty="0" smtClean="0"/>
-              <a:t>DLL</a:t>
-            </a:r>
-            <a:endParaRPr lang="en-GB" sz="1100" dirty="0"/>
+              <a:rPr lang="en-US" sz="1400" dirty="0"/>
+              <a:t>Wrappings - table</a:t>
+            </a:r>
+            <a:endParaRPr lang="en-GB" sz="1400" dirty="0"/>
           </a:p>
         </p:txBody>
       </p:sp>

--- a/Documentation/Software Architecture Design.pptx
+++ b/Documentation/Software Architecture Design.pptx
@@ -125,6 +125,9 @@
           <p14:sldIdLst/>
         </p14:section>
         <p14:section name="Untitled Section" id="{09861B8E-43BF-4364-84A3-698B480C5B58}">
+          <p14:sldIdLst/>
+        </p14:section>
+        <p14:section name="Untitled Section" id="{B069D790-6E7D-4728-AB27-7F1B0045DBB3}">
           <p14:sldIdLst>
             <p14:sldId id="257"/>
             <p14:sldId id="264"/>
@@ -277,7 +280,7 @@
           <a:p>
             <a:fld id="{973A11F0-0C4B-45D6-9FBD-58D4072DB13C}" type="datetimeFigureOut">
               <a:rPr lang="en-GB" smtClean="0"/>
-              <a:t>12/01/2017</a:t>
+              <a:t>13/01/2017</a:t>
             </a:fld>
             <a:endParaRPr lang="en-GB"/>
           </a:p>
@@ -447,7 +450,7 @@
           <a:p>
             <a:fld id="{973A11F0-0C4B-45D6-9FBD-58D4072DB13C}" type="datetimeFigureOut">
               <a:rPr lang="en-GB" smtClean="0"/>
-              <a:t>12/01/2017</a:t>
+              <a:t>13/01/2017</a:t>
             </a:fld>
             <a:endParaRPr lang="en-GB"/>
           </a:p>
@@ -627,7 +630,7 @@
           <a:p>
             <a:fld id="{973A11F0-0C4B-45D6-9FBD-58D4072DB13C}" type="datetimeFigureOut">
               <a:rPr lang="en-GB" smtClean="0"/>
-              <a:t>12/01/2017</a:t>
+              <a:t>13/01/2017</a:t>
             </a:fld>
             <a:endParaRPr lang="en-GB"/>
           </a:p>
@@ -797,7 +800,7 @@
           <a:p>
             <a:fld id="{973A11F0-0C4B-45D6-9FBD-58D4072DB13C}" type="datetimeFigureOut">
               <a:rPr lang="en-GB" smtClean="0"/>
-              <a:t>12/01/2017</a:t>
+              <a:t>13/01/2017</a:t>
             </a:fld>
             <a:endParaRPr lang="en-GB"/>
           </a:p>
@@ -1043,7 +1046,7 @@
           <a:p>
             <a:fld id="{973A11F0-0C4B-45D6-9FBD-58D4072DB13C}" type="datetimeFigureOut">
               <a:rPr lang="en-GB" smtClean="0"/>
-              <a:t>12/01/2017</a:t>
+              <a:t>13/01/2017</a:t>
             </a:fld>
             <a:endParaRPr lang="en-GB"/>
           </a:p>
@@ -1275,7 +1278,7 @@
           <a:p>
             <a:fld id="{973A11F0-0C4B-45D6-9FBD-58D4072DB13C}" type="datetimeFigureOut">
               <a:rPr lang="en-GB" smtClean="0"/>
-              <a:t>12/01/2017</a:t>
+              <a:t>13/01/2017</a:t>
             </a:fld>
             <a:endParaRPr lang="en-GB"/>
           </a:p>
@@ -1642,7 +1645,7 @@
           <a:p>
             <a:fld id="{973A11F0-0C4B-45D6-9FBD-58D4072DB13C}" type="datetimeFigureOut">
               <a:rPr lang="en-GB" smtClean="0"/>
-              <a:t>12/01/2017</a:t>
+              <a:t>13/01/2017</a:t>
             </a:fld>
             <a:endParaRPr lang="en-GB"/>
           </a:p>
@@ -1760,7 +1763,7 @@
           <a:p>
             <a:fld id="{973A11F0-0C4B-45D6-9FBD-58D4072DB13C}" type="datetimeFigureOut">
               <a:rPr lang="en-GB" smtClean="0"/>
-              <a:t>12/01/2017</a:t>
+              <a:t>13/01/2017</a:t>
             </a:fld>
             <a:endParaRPr lang="en-GB"/>
           </a:p>
@@ -1855,7 +1858,7 @@
           <a:p>
             <a:fld id="{973A11F0-0C4B-45D6-9FBD-58D4072DB13C}" type="datetimeFigureOut">
               <a:rPr lang="en-GB" smtClean="0"/>
-              <a:t>12/01/2017</a:t>
+              <a:t>13/01/2017</a:t>
             </a:fld>
             <a:endParaRPr lang="en-GB"/>
           </a:p>
@@ -2132,7 +2135,7 @@
           <a:p>
             <a:fld id="{973A11F0-0C4B-45D6-9FBD-58D4072DB13C}" type="datetimeFigureOut">
               <a:rPr lang="en-GB" smtClean="0"/>
-              <a:t>12/01/2017</a:t>
+              <a:t>13/01/2017</a:t>
             </a:fld>
             <a:endParaRPr lang="en-GB"/>
           </a:p>
@@ -2385,7 +2388,7 @@
           <a:p>
             <a:fld id="{973A11F0-0C4B-45D6-9FBD-58D4072DB13C}" type="datetimeFigureOut">
               <a:rPr lang="en-GB" smtClean="0"/>
-              <a:t>12/01/2017</a:t>
+              <a:t>13/01/2017</a:t>
             </a:fld>
             <a:endParaRPr lang="en-GB"/>
           </a:p>
@@ -2598,7 +2601,7 @@
           <a:p>
             <a:fld id="{973A11F0-0C4B-45D6-9FBD-58D4072DB13C}" type="datetimeFigureOut">
               <a:rPr lang="en-GB" smtClean="0"/>
-              <a:t>12/01/2017</a:t>
+              <a:t>13/01/2017</a:t>
             </a:fld>
             <a:endParaRPr lang="en-GB"/>
           </a:p>
@@ -5681,7 +5684,7 @@
         <p:spPr>
           <a:xfrm>
             <a:off x="5852784" y="2404884"/>
-            <a:ext cx="4359202" cy="2107623"/>
+            <a:ext cx="4359202" cy="1130575"/>
           </a:xfrm>
           <a:prstGeom prst="rect">
             <a:avLst/>
@@ -5793,10 +5796,10 @@
         </p:nvGrpSpPr>
         <p:grpSpPr>
           <a:xfrm>
-            <a:off x="9546356" y="5964405"/>
-            <a:ext cx="2432393" cy="1074804"/>
+            <a:off x="9528181" y="5147418"/>
+            <a:ext cx="2432393" cy="784085"/>
             <a:chOff x="2887465" y="5222970"/>
-            <a:chExt cx="2432393" cy="1074804"/>
+            <a:chExt cx="2432393" cy="907460"/>
           </a:xfrm>
         </p:grpSpPr>
         <p:sp>
@@ -5850,8 +5853,8 @@
           </p:nvSpPr>
           <p:spPr>
             <a:xfrm>
-              <a:off x="3247646" y="5436000"/>
-              <a:ext cx="1833162" cy="861774"/>
+              <a:off x="3161270" y="5484099"/>
+              <a:ext cx="1833162" cy="646331"/>
             </a:xfrm>
             <a:prstGeom prst="rect">
               <a:avLst/>
@@ -5866,14 +5869,9 @@
             <a:p>
               <a:r>
                 <a:rPr lang="en-GB" dirty="0"/>
-                <a:t>WCF Web Service</a:t>
+                <a:t>Dodgy Dealers</a:t>
               </a:r>
-            </a:p>
-            <a:p>
-              <a:r>
-                <a:rPr lang="en-GB" sz="1400" dirty="0"/>
-                <a:t>    (RESTful Service)</a:t>
-              </a:r>
+              <a:endParaRPr lang="en-GB" sz="1400" dirty="0"/>
             </a:p>
             <a:p>
               <a:endParaRPr lang="en-GB" dirty="0"/>
@@ -5881,241 +5879,6 @@
           </p:txBody>
         </p:sp>
       </p:grpSp>
-      <p:grpSp>
-        <p:nvGrpSpPr>
-          <p:cNvPr id="56" name="Group 55"/>
-          <p:cNvGrpSpPr/>
-          <p:nvPr/>
-        </p:nvGrpSpPr>
-        <p:grpSpPr>
-          <a:xfrm>
-            <a:off x="9557349" y="4744581"/>
-            <a:ext cx="2432393" cy="897622"/>
-            <a:chOff x="7529538" y="5487897"/>
-            <a:chExt cx="2432393" cy="897622"/>
-          </a:xfrm>
-        </p:grpSpPr>
-        <p:sp>
-          <p:nvSpPr>
-            <p:cNvPr id="52" name="Cloud 51"/>
-            <p:cNvSpPr/>
-            <p:nvPr/>
-          </p:nvSpPr>
-          <p:spPr>
-            <a:xfrm>
-              <a:off x="7529538" y="5487897"/>
-              <a:ext cx="2432393" cy="897622"/>
-            </a:xfrm>
-            <a:prstGeom prst="cloud">
-              <a:avLst/>
-            </a:prstGeom>
-            <a:solidFill>
-              <a:schemeClr val="bg1"/>
-            </a:solidFill>
-          </p:spPr>
-          <p:style>
-            <a:lnRef idx="2">
-              <a:schemeClr val="accent1">
-                <a:shade val="50000"/>
-              </a:schemeClr>
-            </a:lnRef>
-            <a:fillRef idx="1">
-              <a:schemeClr val="accent1"/>
-            </a:fillRef>
-            <a:effectRef idx="0">
-              <a:schemeClr val="accent1"/>
-            </a:effectRef>
-            <a:fontRef idx="minor">
-              <a:schemeClr val="lt1"/>
-            </a:fontRef>
-          </p:style>
-          <p:txBody>
-            <a:bodyPr rtlCol="0" anchor="ctr"/>
-            <a:lstStyle/>
-            <a:p>
-              <a:pPr algn="ctr"/>
-              <a:endParaRPr lang="en-GB" dirty="0"/>
-            </a:p>
-          </p:txBody>
-        </p:sp>
-        <p:sp>
-          <p:nvSpPr>
-            <p:cNvPr id="55" name="TextBox 54"/>
-            <p:cNvSpPr txBox="1"/>
-            <p:nvPr/>
-          </p:nvSpPr>
-          <p:spPr>
-            <a:xfrm>
-              <a:off x="7970083" y="5624861"/>
-              <a:ext cx="1518311" cy="584775"/>
-            </a:xfrm>
-            <a:prstGeom prst="rect">
-              <a:avLst/>
-            </a:prstGeom>
-            <a:noFill/>
-          </p:spPr>
-          <p:txBody>
-            <a:bodyPr wrap="square" rtlCol="0">
-              <a:spAutoFit/>
-            </a:bodyPr>
-            <a:lstStyle/>
-            <a:p>
-              <a:pPr algn="ctr"/>
-              <a:r>
-                <a:rPr lang="en-GB" dirty="0"/>
-                <a:t>HTTP</a:t>
-              </a:r>
-            </a:p>
-            <a:p>
-              <a:pPr algn="ctr"/>
-              <a:r>
-                <a:rPr lang="en-GB" sz="1400" dirty="0"/>
-                <a:t>(RESTful Service)</a:t>
-              </a:r>
-              <a:endParaRPr lang="en-GB" dirty="0"/>
-            </a:p>
-          </p:txBody>
-        </p:sp>
-      </p:grpSp>
-      <p:sp>
-        <p:nvSpPr>
-          <p:cNvPr id="48" name="Rectangle 47"/>
-          <p:cNvSpPr/>
-          <p:nvPr/>
-        </p:nvSpPr>
-        <p:spPr>
-          <a:xfrm>
-            <a:off x="6506582" y="6050989"/>
-            <a:ext cx="1989548" cy="756831"/>
-          </a:xfrm>
-          <a:prstGeom prst="rect">
-            <a:avLst/>
-          </a:prstGeom>
-          <a:solidFill>
-            <a:schemeClr val="bg1"/>
-          </a:solidFill>
-        </p:spPr>
-        <p:style>
-          <a:lnRef idx="2">
-            <a:schemeClr val="accent1">
-              <a:shade val="50000"/>
-            </a:schemeClr>
-          </a:lnRef>
-          <a:fillRef idx="1">
-            <a:schemeClr val="accent1"/>
-          </a:fillRef>
-          <a:effectRef idx="0">
-            <a:schemeClr val="accent1"/>
-          </a:effectRef>
-          <a:fontRef idx="minor">
-            <a:schemeClr val="lt1"/>
-          </a:fontRef>
-        </p:style>
-        <p:txBody>
-          <a:bodyPr rtlCol="0" anchor="ctr"/>
-          <a:lstStyle/>
-          <a:p>
-            <a:pPr algn="ctr"/>
-            <a:endParaRPr lang="en-GB"/>
-          </a:p>
-        </p:txBody>
-      </p:sp>
-      <p:sp>
-        <p:nvSpPr>
-          <p:cNvPr id="66" name="TextBox 65"/>
-          <p:cNvSpPr txBox="1"/>
-          <p:nvPr/>
-        </p:nvSpPr>
-        <p:spPr>
-          <a:xfrm>
-            <a:off x="6491411" y="6070920"/>
-            <a:ext cx="1973404" cy="861774"/>
-          </a:xfrm>
-          <a:prstGeom prst="rect">
-            <a:avLst/>
-          </a:prstGeom>
-          <a:noFill/>
-        </p:spPr>
-        <p:txBody>
-          <a:bodyPr wrap="square" rtlCol="0">
-            <a:spAutoFit/>
-          </a:bodyPr>
-          <a:lstStyle/>
-          <a:p>
-            <a:r>
-              <a:rPr lang="en-GB" dirty="0"/>
-              <a:t>Proxy</a:t>
-            </a:r>
-          </a:p>
-          <a:p>
-            <a:r>
-              <a:rPr lang="en-GB" sz="1200" dirty="0"/>
-              <a:t>(C# Class Library)</a:t>
-            </a:r>
-          </a:p>
-          <a:p>
-            <a:endParaRPr lang="en-GB" dirty="0"/>
-          </a:p>
-        </p:txBody>
-      </p:sp>
-      <p:sp>
-        <p:nvSpPr>
-          <p:cNvPr id="78" name="TextBox 77"/>
-          <p:cNvSpPr txBox="1"/>
-          <p:nvPr/>
-        </p:nvSpPr>
-        <p:spPr>
-          <a:xfrm>
-            <a:off x="8810463" y="6028707"/>
-            <a:ext cx="1107049" cy="369332"/>
-          </a:xfrm>
-          <a:prstGeom prst="rect">
-            <a:avLst/>
-          </a:prstGeom>
-          <a:noFill/>
-        </p:spPr>
-        <p:txBody>
-          <a:bodyPr wrap="square" rtlCol="0">
-            <a:spAutoFit/>
-          </a:bodyPr>
-          <a:lstStyle/>
-          <a:p>
-            <a:r>
-              <a:rPr lang="en-GB" dirty="0"/>
-              <a:t>XML</a:t>
-            </a:r>
-          </a:p>
-        </p:txBody>
-      </p:sp>
-      <p:sp>
-        <p:nvSpPr>
-          <p:cNvPr id="79" name="TextBox 78"/>
-          <p:cNvSpPr txBox="1"/>
-          <p:nvPr/>
-        </p:nvSpPr>
-        <p:spPr>
-          <a:xfrm>
-            <a:off x="8613083" y="5029892"/>
-            <a:ext cx="1266304" cy="369332"/>
-          </a:xfrm>
-          <a:prstGeom prst="rect">
-            <a:avLst/>
-          </a:prstGeom>
-          <a:noFill/>
-        </p:spPr>
-        <p:txBody>
-          <a:bodyPr wrap="square" rtlCol="0">
-            <a:spAutoFit/>
-          </a:bodyPr>
-          <a:lstStyle/>
-          <a:p>
-            <a:r>
-              <a:rPr lang="en-GB" dirty="0"/>
-              <a:t>JSON</a:t>
-            </a:r>
-          </a:p>
-        </p:txBody>
-      </p:sp>
       <p:grpSp>
         <p:nvGrpSpPr>
           <p:cNvPr id="70" name="Group 69"/>
@@ -6479,7 +6242,7 @@
         </p:nvSpPr>
         <p:spPr>
           <a:xfrm>
-            <a:off x="689816" y="4756303"/>
+            <a:off x="574843" y="5455079"/>
             <a:ext cx="500395" cy="637809"/>
           </a:xfrm>
           <a:prstGeom prst="flowChartMagneticDisk">
@@ -6522,7 +6285,7 @@
         </p:nvSpPr>
         <p:spPr>
           <a:xfrm>
-            <a:off x="2428211" y="4528582"/>
+            <a:off x="2542007" y="4817270"/>
             <a:ext cx="500395" cy="637809"/>
           </a:xfrm>
           <a:prstGeom prst="flowChartMagneticDisk">
@@ -6565,7 +6328,7 @@
         </p:nvSpPr>
         <p:spPr>
           <a:xfrm>
-            <a:off x="3180206" y="4496602"/>
+            <a:off x="3250244" y="4875572"/>
             <a:ext cx="500395" cy="637809"/>
           </a:xfrm>
           <a:prstGeom prst="flowChartMagneticDisk">
@@ -6668,41 +6431,6 @@
           </a:fontRef>
         </p:style>
       </p:cxnSp>
-      <p:cxnSp>
-        <p:nvCxnSpPr>
-          <p:cNvPr id="133" name="Straight Arrow Connector 132"/>
-          <p:cNvCxnSpPr>
-            <a:endCxn id="66" idx="0"/>
-          </p:cNvCxnSpPr>
-          <p:nvPr/>
-        </p:nvCxnSpPr>
-        <p:spPr>
-          <a:xfrm flipH="1">
-            <a:off x="7478113" y="4512507"/>
-            <a:ext cx="364625" cy="1558413"/>
-          </a:xfrm>
-          <a:prstGeom prst="straightConnector1">
-            <a:avLst/>
-          </a:prstGeom>
-          <a:ln>
-            <a:tailEnd type="triangle"/>
-          </a:ln>
-        </p:spPr>
-        <p:style>
-          <a:lnRef idx="1">
-            <a:schemeClr val="accent1"/>
-          </a:lnRef>
-          <a:fillRef idx="0">
-            <a:schemeClr val="accent1"/>
-          </a:fillRef>
-          <a:effectRef idx="0">
-            <a:schemeClr val="accent1"/>
-          </a:effectRef>
-          <a:fontRef idx="minor">
-            <a:schemeClr val="tx1"/>
-          </a:fontRef>
-        </p:style>
-      </p:cxnSp>
       <p:sp>
         <p:nvSpPr>
           <p:cNvPr id="7" name="Rectangle 6"/>
@@ -6791,42 +6519,13 @@
       </p:cxnSp>
       <p:sp>
         <p:nvSpPr>
-          <p:cNvPr id="38" name="TextBox 37"/>
-          <p:cNvSpPr txBox="1"/>
-          <p:nvPr/>
-        </p:nvSpPr>
-        <p:spPr>
-          <a:xfrm>
-            <a:off x="1135209" y="5581056"/>
-            <a:ext cx="3936655" cy="369332"/>
-          </a:xfrm>
-          <a:prstGeom prst="rect">
-            <a:avLst/>
-          </a:prstGeom>
-          <a:noFill/>
-        </p:spPr>
-        <p:txBody>
-          <a:bodyPr wrap="none" rtlCol="0">
-            <a:spAutoFit/>
-          </a:bodyPr>
-          <a:lstStyle/>
-          <a:p>
-            <a:r>
-              <a:rPr lang="en-GB" dirty="0"/>
-              <a:t>Encryption or hashing of sensitive data</a:t>
-            </a:r>
-          </a:p>
-        </p:txBody>
-      </p:sp>
-      <p:sp>
-        <p:nvSpPr>
           <p:cNvPr id="34" name="Rectangle 33"/>
           <p:cNvSpPr/>
           <p:nvPr/>
         </p:nvSpPr>
         <p:spPr>
           <a:xfrm>
-            <a:off x="282044" y="5925843"/>
+            <a:off x="3207634" y="5684820"/>
             <a:ext cx="2256069" cy="756311"/>
           </a:xfrm>
           <a:prstGeom prst="rect">
@@ -6869,7 +6568,7 @@
         </p:nvSpPr>
         <p:spPr>
           <a:xfrm>
-            <a:off x="388107" y="5998023"/>
+            <a:off x="3189171" y="5714883"/>
             <a:ext cx="1977024" cy="646331"/>
           </a:xfrm>
           <a:prstGeom prst="rect">
@@ -6980,43 +6679,8 @@
         </p:nvCxnSpPr>
         <p:spPr>
           <a:xfrm flipH="1">
-            <a:off x="5206768" y="3822801"/>
-            <a:ext cx="646016" cy="37000"/>
-          </a:xfrm>
-          <a:prstGeom prst="straightConnector1">
-            <a:avLst/>
-          </a:prstGeom>
-          <a:ln>
-            <a:tailEnd type="triangle"/>
-          </a:ln>
-        </p:spPr>
-        <p:style>
-          <a:lnRef idx="1">
-            <a:schemeClr val="accent1"/>
-          </a:lnRef>
-          <a:fillRef idx="0">
-            <a:schemeClr val="accent1"/>
-          </a:fillRef>
-          <a:effectRef idx="0">
-            <a:schemeClr val="accent1"/>
-          </a:effectRef>
-          <a:fontRef idx="minor">
-            <a:schemeClr val="tx1"/>
-          </a:fontRef>
-        </p:style>
-      </p:cxnSp>
-      <p:cxnSp>
-        <p:nvCxnSpPr>
-          <p:cNvPr id="73" name="Straight Arrow Connector 72"/>
-          <p:cNvCxnSpPr>
-            <a:endCxn id="88" idx="3"/>
-          </p:cNvCxnSpPr>
-          <p:nvPr/>
-        </p:nvCxnSpPr>
-        <p:spPr>
-          <a:xfrm flipV="1">
-            <a:off x="817685" y="5394112"/>
-            <a:ext cx="122329" cy="531731"/>
+            <a:off x="5206768" y="3505955"/>
+            <a:ext cx="606395" cy="353846"/>
           </a:xfrm>
           <a:prstGeom prst="straightConnector1">
             <a:avLst/>
@@ -7050,8 +6714,8 @@
         </p:nvCxnSpPr>
         <p:spPr>
           <a:xfrm flipV="1">
-            <a:off x="940014" y="4370798"/>
-            <a:ext cx="579160" cy="385505"/>
+            <a:off x="825041" y="4370798"/>
+            <a:ext cx="632012" cy="1084281"/>
           </a:xfrm>
           <a:prstGeom prst="straightConnector1">
             <a:avLst/>
@@ -7081,13 +6745,14 @@
           <p:cNvPr id="80" name="Straight Arrow Connector 79"/>
           <p:cNvCxnSpPr>
             <a:cxnSpLocks/>
+            <a:stCxn id="89" idx="1"/>
           </p:cNvCxnSpPr>
           <p:nvPr/>
         </p:nvCxnSpPr>
         <p:spPr>
           <a:xfrm flipV="1">
-            <a:off x="2706403" y="4370798"/>
-            <a:ext cx="339267" cy="169880"/>
+            <a:off x="2792205" y="4370798"/>
+            <a:ext cx="253465" cy="446472"/>
           </a:xfrm>
           <a:prstGeom prst="straightConnector1">
             <a:avLst/>
@@ -7123,8 +6788,8 @@
         </p:nvCxnSpPr>
         <p:spPr>
           <a:xfrm flipH="1" flipV="1">
-            <a:off x="3026684" y="4370798"/>
-            <a:ext cx="403720" cy="125804"/>
+            <a:off x="3289478" y="4375621"/>
+            <a:ext cx="210964" cy="499951"/>
           </a:xfrm>
           <a:prstGeom prst="straightConnector1">
             <a:avLst/>
@@ -7265,7 +6930,7 @@
         </p:nvSpPr>
         <p:spPr>
           <a:xfrm>
-            <a:off x="3125066" y="4674001"/>
+            <a:off x="3160020" y="4981778"/>
             <a:ext cx="866487" cy="523220"/>
           </a:xfrm>
           <a:prstGeom prst="rect">
@@ -7300,7 +6965,7 @@
         </p:nvSpPr>
         <p:spPr>
           <a:xfrm>
-            <a:off x="2286380" y="4700128"/>
+            <a:off x="2419623" y="4937576"/>
             <a:ext cx="929553" cy="523220"/>
           </a:xfrm>
           <a:prstGeom prst="rect">
@@ -7329,7 +6994,7 @@
         </p:nvSpPr>
         <p:spPr>
           <a:xfrm>
-            <a:off x="-38556" y="4877525"/>
+            <a:off x="-11166" y="6046092"/>
             <a:ext cx="868872" cy="523220"/>
           </a:xfrm>
           <a:prstGeom prst="rect">
@@ -7350,18 +7015,864 @@
           </a:p>
         </p:txBody>
       </p:sp>
+      <p:sp>
+        <p:nvSpPr>
+          <p:cNvPr id="77" name="Flowchart: Magnetic Disk 76"/>
+          <p:cNvSpPr/>
+          <p:nvPr/>
+        </p:nvSpPr>
+        <p:spPr>
+          <a:xfrm>
+            <a:off x="1457053" y="5931503"/>
+            <a:ext cx="500395" cy="637809"/>
+          </a:xfrm>
+          <a:prstGeom prst="flowChartMagneticDisk">
+            <a:avLst/>
+          </a:prstGeom>
+          <a:solidFill>
+            <a:schemeClr val="bg1"/>
+          </a:solidFill>
+        </p:spPr>
+        <p:style>
+          <a:lnRef idx="2">
+            <a:schemeClr val="accent1">
+              <a:shade val="50000"/>
+            </a:schemeClr>
+          </a:lnRef>
+          <a:fillRef idx="1">
+            <a:schemeClr val="accent1"/>
+          </a:fillRef>
+          <a:effectRef idx="0">
+            <a:schemeClr val="accent1"/>
+          </a:effectRef>
+          <a:fontRef idx="minor">
+            <a:schemeClr val="lt1"/>
+          </a:fontRef>
+        </p:style>
+        <p:txBody>
+          <a:bodyPr rtlCol="0" anchor="ctr"/>
+          <a:lstStyle/>
+          <a:p>
+            <a:pPr algn="ctr"/>
+            <a:endParaRPr lang="en-GB"/>
+          </a:p>
+        </p:txBody>
+      </p:sp>
       <p:cxnSp>
         <p:nvCxnSpPr>
-          <p:cNvPr id="11" name="Straight Arrow Connector 10"/>
+          <p:cNvPr id="91" name="Straight Arrow Connector 90"/>
           <p:cNvCxnSpPr>
-            <a:stCxn id="34" idx="3"/>
+            <a:cxnSpLocks/>
+            <a:stCxn id="77" idx="2"/>
           </p:cNvCxnSpPr>
           <p:nvPr/>
         </p:nvCxnSpPr>
         <p:spPr>
-          <a:xfrm>
-            <a:off x="2538113" y="6303999"/>
-            <a:ext cx="3968469" cy="94040"/>
+          <a:xfrm flipH="1" flipV="1">
+            <a:off x="1028602" y="5984576"/>
+            <a:ext cx="428451" cy="265832"/>
+          </a:xfrm>
+          <a:prstGeom prst="straightConnector1">
+            <a:avLst/>
+          </a:prstGeom>
+          <a:ln>
+            <a:headEnd type="triangle"/>
+            <a:tailEnd type="triangle"/>
+          </a:ln>
+        </p:spPr>
+        <p:style>
+          <a:lnRef idx="1">
+            <a:schemeClr val="accent1"/>
+          </a:lnRef>
+          <a:fillRef idx="0">
+            <a:schemeClr val="accent1"/>
+          </a:fillRef>
+          <a:effectRef idx="0">
+            <a:schemeClr val="accent1"/>
+          </a:effectRef>
+          <a:fontRef idx="minor">
+            <a:schemeClr val="tx1"/>
+          </a:fontRef>
+        </p:style>
+      </p:cxnSp>
+      <p:sp>
+        <p:nvSpPr>
+          <p:cNvPr id="40" name="TextBox 39"/>
+          <p:cNvSpPr txBox="1"/>
+          <p:nvPr/>
+        </p:nvSpPr>
+        <p:spPr>
+          <a:xfrm>
+            <a:off x="1108903" y="6506754"/>
+            <a:ext cx="1472006" cy="307777"/>
+          </a:xfrm>
+          <a:prstGeom prst="rect">
+            <a:avLst/>
+          </a:prstGeom>
+          <a:noFill/>
+        </p:spPr>
+        <p:txBody>
+          <a:bodyPr wrap="none" rtlCol="0">
+            <a:spAutoFit/>
+          </a:bodyPr>
+          <a:lstStyle/>
+          <a:p>
+            <a:r>
+              <a:rPr lang="en-US" sz="1400" dirty="0"/>
+              <a:t>Wrappings - table</a:t>
+            </a:r>
+            <a:endParaRPr lang="en-GB" sz="1400" dirty="0"/>
+          </a:p>
+        </p:txBody>
+      </p:sp>
+      <p:sp>
+        <p:nvSpPr>
+          <p:cNvPr id="9" name="TextBox 8"/>
+          <p:cNvSpPr txBox="1"/>
+          <p:nvPr/>
+        </p:nvSpPr>
+        <p:spPr>
+          <a:xfrm>
+            <a:off x="3766982" y="4955518"/>
+            <a:ext cx="1749669" cy="307777"/>
+          </a:xfrm>
+          <a:prstGeom prst="rect">
+            <a:avLst/>
+          </a:prstGeom>
+          <a:noFill/>
+        </p:spPr>
+        <p:txBody>
+          <a:bodyPr wrap="square" rtlCol="0">
+            <a:spAutoFit/>
+          </a:bodyPr>
+          <a:lstStyle/>
+          <a:p>
+            <a:r>
+              <a:rPr lang="en-GB" sz="1400" dirty="0"/>
+              <a:t>SQL Server</a:t>
+            </a:r>
+            <a:endParaRPr lang="en-GB" dirty="0"/>
+          </a:p>
+        </p:txBody>
+      </p:sp>
+      <p:sp>
+        <p:nvSpPr>
+          <p:cNvPr id="12" name="TextBox 11"/>
+          <p:cNvSpPr txBox="1"/>
+          <p:nvPr/>
+        </p:nvSpPr>
+        <p:spPr>
+          <a:xfrm>
+            <a:off x="4920160" y="3321289"/>
+            <a:ext cx="843732" cy="369332"/>
+          </a:xfrm>
+          <a:prstGeom prst="rect">
+            <a:avLst/>
+          </a:prstGeom>
+          <a:noFill/>
+        </p:spPr>
+        <p:txBody>
+          <a:bodyPr wrap="square" rtlCol="0">
+            <a:spAutoFit/>
+          </a:bodyPr>
+          <a:lstStyle/>
+          <a:p>
+            <a:r>
+              <a:rPr lang="en-GB" dirty="0"/>
+              <a:t>HTTP</a:t>
+            </a:r>
+          </a:p>
+        </p:txBody>
+      </p:sp>
+      <p:sp>
+        <p:nvSpPr>
+          <p:cNvPr id="92" name="TextBox 91"/>
+          <p:cNvSpPr txBox="1"/>
+          <p:nvPr/>
+        </p:nvSpPr>
+        <p:spPr>
+          <a:xfrm>
+            <a:off x="3558309" y="2655245"/>
+            <a:ext cx="843732" cy="369332"/>
+          </a:xfrm>
+          <a:prstGeom prst="rect">
+            <a:avLst/>
+          </a:prstGeom>
+          <a:noFill/>
+        </p:spPr>
+        <p:txBody>
+          <a:bodyPr wrap="square" rtlCol="0">
+            <a:spAutoFit/>
+          </a:bodyPr>
+          <a:lstStyle/>
+          <a:p>
+            <a:r>
+              <a:rPr lang="en-GB" dirty="0"/>
+              <a:t>HTTP</a:t>
+            </a:r>
+          </a:p>
+        </p:txBody>
+      </p:sp>
+      <p:sp>
+        <p:nvSpPr>
+          <p:cNvPr id="94" name="TextBox 93"/>
+          <p:cNvSpPr txBox="1"/>
+          <p:nvPr/>
+        </p:nvSpPr>
+        <p:spPr>
+          <a:xfrm>
+            <a:off x="2522259" y="1875005"/>
+            <a:ext cx="843732" cy="369332"/>
+          </a:xfrm>
+          <a:prstGeom prst="rect">
+            <a:avLst/>
+          </a:prstGeom>
+          <a:noFill/>
+        </p:spPr>
+        <p:txBody>
+          <a:bodyPr wrap="square" rtlCol="0">
+            <a:spAutoFit/>
+          </a:bodyPr>
+          <a:lstStyle/>
+          <a:p>
+            <a:r>
+              <a:rPr lang="en-GB" dirty="0"/>
+              <a:t>HTTP</a:t>
+            </a:r>
+          </a:p>
+        </p:txBody>
+      </p:sp>
+      <p:sp>
+        <p:nvSpPr>
+          <p:cNvPr id="41" name="TextBox 40"/>
+          <p:cNvSpPr txBox="1"/>
+          <p:nvPr/>
+        </p:nvSpPr>
+        <p:spPr>
+          <a:xfrm>
+            <a:off x="181041" y="4460790"/>
+            <a:ext cx="1584688" cy="307777"/>
+          </a:xfrm>
+          <a:prstGeom prst="rect">
+            <a:avLst/>
+          </a:prstGeom>
+          <a:noFill/>
+        </p:spPr>
+        <p:txBody>
+          <a:bodyPr wrap="square" rtlCol="0">
+            <a:spAutoFit/>
+          </a:bodyPr>
+          <a:lstStyle/>
+          <a:p>
+            <a:r>
+              <a:rPr lang="en-GB" sz="1400" dirty="0"/>
+              <a:t>Entity Framework</a:t>
+            </a:r>
+          </a:p>
+        </p:txBody>
+      </p:sp>
+      <p:sp>
+        <p:nvSpPr>
+          <p:cNvPr id="96" name="TextBox 95"/>
+          <p:cNvSpPr txBox="1"/>
+          <p:nvPr/>
+        </p:nvSpPr>
+        <p:spPr>
+          <a:xfrm>
+            <a:off x="2415290" y="4463659"/>
+            <a:ext cx="1584688" cy="307777"/>
+          </a:xfrm>
+          <a:prstGeom prst="rect">
+            <a:avLst/>
+          </a:prstGeom>
+          <a:noFill/>
+        </p:spPr>
+        <p:txBody>
+          <a:bodyPr wrap="square" rtlCol="0">
+            <a:spAutoFit/>
+          </a:bodyPr>
+          <a:lstStyle/>
+          <a:p>
+            <a:r>
+              <a:rPr lang="en-GB" sz="1400" dirty="0"/>
+              <a:t>Entity Framework</a:t>
+            </a:r>
+          </a:p>
+        </p:txBody>
+      </p:sp>
+      <p:sp>
+        <p:nvSpPr>
+          <p:cNvPr id="102" name="TextBox 101"/>
+          <p:cNvSpPr txBox="1"/>
+          <p:nvPr/>
+        </p:nvSpPr>
+        <p:spPr>
+          <a:xfrm>
+            <a:off x="834607" y="3186349"/>
+            <a:ext cx="569581" cy="338554"/>
+          </a:xfrm>
+          <a:prstGeom prst="rect">
+            <a:avLst/>
+          </a:prstGeom>
+          <a:noFill/>
+        </p:spPr>
+        <p:txBody>
+          <a:bodyPr wrap="square" rtlCol="0">
+            <a:spAutoFit/>
+          </a:bodyPr>
+          <a:lstStyle/>
+          <a:p>
+            <a:r>
+              <a:rPr lang="en-GB" sz="1600" dirty="0" err="1"/>
+              <a:t>dll</a:t>
+            </a:r>
+            <a:endParaRPr lang="en-GB" sz="1200" dirty="0"/>
+          </a:p>
+        </p:txBody>
+      </p:sp>
+      <p:sp>
+        <p:nvSpPr>
+          <p:cNvPr id="103" name="TextBox 102"/>
+          <p:cNvSpPr txBox="1"/>
+          <p:nvPr/>
+        </p:nvSpPr>
+        <p:spPr>
+          <a:xfrm>
+            <a:off x="2011328" y="3429606"/>
+            <a:ext cx="569581" cy="338554"/>
+          </a:xfrm>
+          <a:prstGeom prst="rect">
+            <a:avLst/>
+          </a:prstGeom>
+          <a:noFill/>
+        </p:spPr>
+        <p:txBody>
+          <a:bodyPr wrap="square" rtlCol="0">
+            <a:spAutoFit/>
+          </a:bodyPr>
+          <a:lstStyle/>
+          <a:p>
+            <a:r>
+              <a:rPr lang="en-GB" sz="1600" dirty="0" err="1"/>
+              <a:t>dll</a:t>
+            </a:r>
+            <a:endParaRPr lang="en-GB" sz="1200" dirty="0"/>
+          </a:p>
+        </p:txBody>
+      </p:sp>
+      <p:sp>
+        <p:nvSpPr>
+          <p:cNvPr id="104" name="TextBox 103"/>
+          <p:cNvSpPr txBox="1"/>
+          <p:nvPr/>
+        </p:nvSpPr>
+        <p:spPr>
+          <a:xfrm>
+            <a:off x="3241518" y="3535459"/>
+            <a:ext cx="569581" cy="338554"/>
+          </a:xfrm>
+          <a:prstGeom prst="rect">
+            <a:avLst/>
+          </a:prstGeom>
+          <a:noFill/>
+        </p:spPr>
+        <p:txBody>
+          <a:bodyPr wrap="square" rtlCol="0">
+            <a:spAutoFit/>
+          </a:bodyPr>
+          <a:lstStyle/>
+          <a:p>
+            <a:r>
+              <a:rPr lang="en-GB" sz="1600" dirty="0" err="1"/>
+              <a:t>dll</a:t>
+            </a:r>
+            <a:endParaRPr lang="en-GB" sz="1200" dirty="0"/>
+          </a:p>
+        </p:txBody>
+      </p:sp>
+      <p:cxnSp>
+        <p:nvCxnSpPr>
+          <p:cNvPr id="54" name="Straight Arrow Connector 53"/>
+          <p:cNvCxnSpPr>
+            <a:stCxn id="35" idx="1"/>
+            <a:endCxn id="88" idx="4"/>
+          </p:cNvCxnSpPr>
+          <p:nvPr/>
+        </p:nvCxnSpPr>
+        <p:spPr>
+          <a:xfrm flipH="1" flipV="1">
+            <a:off x="1075238" y="5773984"/>
+            <a:ext cx="2113933" cy="264065"/>
+          </a:xfrm>
+          <a:prstGeom prst="straightConnector1">
+            <a:avLst/>
+          </a:prstGeom>
+          <a:ln>
+            <a:tailEnd type="triangle"/>
+          </a:ln>
+        </p:spPr>
+        <p:style>
+          <a:lnRef idx="1">
+            <a:schemeClr val="accent1"/>
+          </a:lnRef>
+          <a:fillRef idx="0">
+            <a:schemeClr val="accent1"/>
+          </a:fillRef>
+          <a:effectRef idx="0">
+            <a:schemeClr val="accent1"/>
+          </a:effectRef>
+          <a:fontRef idx="minor">
+            <a:schemeClr val="tx1"/>
+          </a:fontRef>
+        </p:style>
+      </p:cxnSp>
+      <p:grpSp>
+        <p:nvGrpSpPr>
+          <p:cNvPr id="71" name="Group 70"/>
+          <p:cNvGrpSpPr/>
+          <p:nvPr/>
+        </p:nvGrpSpPr>
+        <p:grpSpPr>
+          <a:xfrm>
+            <a:off x="6215852" y="3940700"/>
+            <a:ext cx="2233246" cy="640338"/>
+            <a:chOff x="6075485" y="3943807"/>
+            <a:chExt cx="2233246" cy="640338"/>
+          </a:xfrm>
+        </p:grpSpPr>
+        <p:sp>
+          <p:nvSpPr>
+            <p:cNvPr id="57" name="Rectangle 56"/>
+            <p:cNvSpPr/>
+            <p:nvPr/>
+          </p:nvSpPr>
+          <p:spPr>
+            <a:xfrm>
+              <a:off x="6075485" y="3943807"/>
+              <a:ext cx="2233246" cy="640338"/>
+            </a:xfrm>
+            <a:prstGeom prst="rect">
+              <a:avLst/>
+            </a:prstGeom>
+            <a:solidFill>
+              <a:schemeClr val="bg1"/>
+            </a:solidFill>
+          </p:spPr>
+          <p:style>
+            <a:lnRef idx="2">
+              <a:schemeClr val="accent1">
+                <a:shade val="50000"/>
+              </a:schemeClr>
+            </a:lnRef>
+            <a:fillRef idx="1">
+              <a:schemeClr val="accent1"/>
+            </a:fillRef>
+            <a:effectRef idx="0">
+              <a:schemeClr val="accent1"/>
+            </a:effectRef>
+            <a:fontRef idx="minor">
+              <a:schemeClr val="lt1"/>
+            </a:fontRef>
+          </p:style>
+          <p:txBody>
+            <a:bodyPr rtlCol="0" anchor="ctr"/>
+            <a:lstStyle/>
+            <a:p>
+              <a:pPr algn="ctr"/>
+              <a:endParaRPr lang="en-GB"/>
+            </a:p>
+          </p:txBody>
+        </p:sp>
+        <p:sp>
+          <p:nvSpPr>
+            <p:cNvPr id="59" name="TextBox 58"/>
+            <p:cNvSpPr txBox="1"/>
+            <p:nvPr/>
+          </p:nvSpPr>
+          <p:spPr>
+            <a:xfrm>
+              <a:off x="6083481" y="3968980"/>
+              <a:ext cx="1735444" cy="584775"/>
+            </a:xfrm>
+            <a:prstGeom prst="rect">
+              <a:avLst/>
+            </a:prstGeom>
+            <a:noFill/>
+          </p:spPr>
+          <p:txBody>
+            <a:bodyPr wrap="square" rtlCol="0">
+              <a:spAutoFit/>
+            </a:bodyPr>
+            <a:lstStyle/>
+            <a:p>
+              <a:r>
+                <a:rPr lang="en-GB" sz="1600" dirty="0"/>
+                <a:t>Proxy</a:t>
+              </a:r>
+            </a:p>
+            <a:p>
+              <a:r>
+                <a:rPr lang="en-GB" sz="1600" dirty="0"/>
+                <a:t>(</a:t>
+              </a:r>
+              <a:r>
+                <a:rPr lang="en-GB" sz="1600" dirty="0" err="1"/>
+                <a:t>c#</a:t>
+              </a:r>
+              <a:r>
+                <a:rPr lang="en-GB" sz="1600" dirty="0"/>
+                <a:t> class library)</a:t>
+              </a:r>
+            </a:p>
+          </p:txBody>
+        </p:sp>
+      </p:grpSp>
+      <p:cxnSp>
+        <p:nvCxnSpPr>
+          <p:cNvPr id="63" name="Straight Arrow Connector 62"/>
+          <p:cNvCxnSpPr/>
+          <p:nvPr/>
+        </p:nvCxnSpPr>
+        <p:spPr>
+          <a:xfrm flipV="1">
+            <a:off x="5166195" y="4405228"/>
+            <a:ext cx="1045499" cy="1279592"/>
+          </a:xfrm>
+          <a:prstGeom prst="straightConnector1">
+            <a:avLst/>
+          </a:prstGeom>
+          <a:ln>
+            <a:tailEnd type="triangle"/>
+          </a:ln>
+        </p:spPr>
+        <p:style>
+          <a:lnRef idx="1">
+            <a:schemeClr val="accent1"/>
+          </a:lnRef>
+          <a:fillRef idx="0">
+            <a:schemeClr val="accent1"/>
+          </a:fillRef>
+          <a:effectRef idx="0">
+            <a:schemeClr val="accent1"/>
+          </a:effectRef>
+          <a:fontRef idx="minor">
+            <a:schemeClr val="tx1"/>
+          </a:fontRef>
+        </p:style>
+      </p:cxnSp>
+      <p:grpSp>
+        <p:nvGrpSpPr>
+          <p:cNvPr id="109" name="Group 108"/>
+          <p:cNvGrpSpPr/>
+          <p:nvPr/>
+        </p:nvGrpSpPr>
+        <p:grpSpPr>
+          <a:xfrm>
+            <a:off x="6238223" y="4698178"/>
+            <a:ext cx="2233246" cy="640338"/>
+            <a:chOff x="6075485" y="3943807"/>
+            <a:chExt cx="2233246" cy="640338"/>
+          </a:xfrm>
+        </p:grpSpPr>
+        <p:sp>
+          <p:nvSpPr>
+            <p:cNvPr id="110" name="Rectangle 109"/>
+            <p:cNvSpPr/>
+            <p:nvPr/>
+          </p:nvSpPr>
+          <p:spPr>
+            <a:xfrm>
+              <a:off x="6075485" y="3943807"/>
+              <a:ext cx="2233246" cy="640338"/>
+            </a:xfrm>
+            <a:prstGeom prst="rect">
+              <a:avLst/>
+            </a:prstGeom>
+            <a:solidFill>
+              <a:schemeClr val="bg1"/>
+            </a:solidFill>
+          </p:spPr>
+          <p:style>
+            <a:lnRef idx="2">
+              <a:schemeClr val="accent1">
+                <a:shade val="50000"/>
+              </a:schemeClr>
+            </a:lnRef>
+            <a:fillRef idx="1">
+              <a:schemeClr val="accent1"/>
+            </a:fillRef>
+            <a:effectRef idx="0">
+              <a:schemeClr val="accent1"/>
+            </a:effectRef>
+            <a:fontRef idx="minor">
+              <a:schemeClr val="lt1"/>
+            </a:fontRef>
+          </p:style>
+          <p:txBody>
+            <a:bodyPr rtlCol="0" anchor="ctr"/>
+            <a:lstStyle/>
+            <a:p>
+              <a:pPr algn="ctr"/>
+              <a:endParaRPr lang="en-GB"/>
+            </a:p>
+          </p:txBody>
+        </p:sp>
+        <p:sp>
+          <p:nvSpPr>
+            <p:cNvPr id="111" name="TextBox 110"/>
+            <p:cNvSpPr txBox="1"/>
+            <p:nvPr/>
+          </p:nvSpPr>
+          <p:spPr>
+            <a:xfrm>
+              <a:off x="6083481" y="3968980"/>
+              <a:ext cx="1735444" cy="584775"/>
+            </a:xfrm>
+            <a:prstGeom prst="rect">
+              <a:avLst/>
+            </a:prstGeom>
+            <a:noFill/>
+          </p:spPr>
+          <p:txBody>
+            <a:bodyPr wrap="square" rtlCol="0">
+              <a:spAutoFit/>
+            </a:bodyPr>
+            <a:lstStyle/>
+            <a:p>
+              <a:r>
+                <a:rPr lang="en-GB" sz="1600" dirty="0"/>
+                <a:t>Proxy</a:t>
+              </a:r>
+            </a:p>
+            <a:p>
+              <a:r>
+                <a:rPr lang="en-GB" sz="1600" dirty="0"/>
+                <a:t>(</a:t>
+              </a:r>
+              <a:r>
+                <a:rPr lang="en-GB" sz="1600" dirty="0" err="1"/>
+                <a:t>c#</a:t>
+              </a:r>
+              <a:r>
+                <a:rPr lang="en-GB" sz="1600" dirty="0"/>
+                <a:t> class library)</a:t>
+              </a:r>
+            </a:p>
+          </p:txBody>
+        </p:sp>
+      </p:grpSp>
+      <p:grpSp>
+        <p:nvGrpSpPr>
+          <p:cNvPr id="112" name="Group 111"/>
+          <p:cNvGrpSpPr/>
+          <p:nvPr/>
+        </p:nvGrpSpPr>
+        <p:grpSpPr>
+          <a:xfrm>
+            <a:off x="6252075" y="5452550"/>
+            <a:ext cx="2233246" cy="640338"/>
+            <a:chOff x="6075485" y="3943807"/>
+            <a:chExt cx="2233246" cy="640338"/>
+          </a:xfrm>
+        </p:grpSpPr>
+        <p:sp>
+          <p:nvSpPr>
+            <p:cNvPr id="113" name="Rectangle 112"/>
+            <p:cNvSpPr/>
+            <p:nvPr/>
+          </p:nvSpPr>
+          <p:spPr>
+            <a:xfrm>
+              <a:off x="6075485" y="3943807"/>
+              <a:ext cx="2233246" cy="640338"/>
+            </a:xfrm>
+            <a:prstGeom prst="rect">
+              <a:avLst/>
+            </a:prstGeom>
+            <a:solidFill>
+              <a:schemeClr val="bg1"/>
+            </a:solidFill>
+          </p:spPr>
+          <p:style>
+            <a:lnRef idx="2">
+              <a:schemeClr val="accent1">
+                <a:shade val="50000"/>
+              </a:schemeClr>
+            </a:lnRef>
+            <a:fillRef idx="1">
+              <a:schemeClr val="accent1"/>
+            </a:fillRef>
+            <a:effectRef idx="0">
+              <a:schemeClr val="accent1"/>
+            </a:effectRef>
+            <a:fontRef idx="minor">
+              <a:schemeClr val="lt1"/>
+            </a:fontRef>
+          </p:style>
+          <p:txBody>
+            <a:bodyPr rtlCol="0" anchor="ctr"/>
+            <a:lstStyle/>
+            <a:p>
+              <a:pPr algn="ctr"/>
+              <a:endParaRPr lang="en-GB"/>
+            </a:p>
+          </p:txBody>
+        </p:sp>
+        <p:sp>
+          <p:nvSpPr>
+            <p:cNvPr id="114" name="TextBox 113"/>
+            <p:cNvSpPr txBox="1"/>
+            <p:nvPr/>
+          </p:nvSpPr>
+          <p:spPr>
+            <a:xfrm>
+              <a:off x="6083481" y="3968980"/>
+              <a:ext cx="1735444" cy="584775"/>
+            </a:xfrm>
+            <a:prstGeom prst="rect">
+              <a:avLst/>
+            </a:prstGeom>
+            <a:noFill/>
+          </p:spPr>
+          <p:txBody>
+            <a:bodyPr wrap="square" rtlCol="0">
+              <a:spAutoFit/>
+            </a:bodyPr>
+            <a:lstStyle/>
+            <a:p>
+              <a:r>
+                <a:rPr lang="en-GB" sz="1600" dirty="0"/>
+                <a:t>Proxy</a:t>
+              </a:r>
+            </a:p>
+            <a:p>
+              <a:r>
+                <a:rPr lang="en-GB" sz="1600" dirty="0"/>
+                <a:t>(</a:t>
+              </a:r>
+              <a:r>
+                <a:rPr lang="en-GB" sz="1600" dirty="0" err="1"/>
+                <a:t>c#</a:t>
+              </a:r>
+              <a:r>
+                <a:rPr lang="en-GB" sz="1600" dirty="0"/>
+                <a:t> class library)</a:t>
+              </a:r>
+            </a:p>
+          </p:txBody>
+        </p:sp>
+      </p:grpSp>
+      <p:grpSp>
+        <p:nvGrpSpPr>
+          <p:cNvPr id="115" name="Group 114"/>
+          <p:cNvGrpSpPr/>
+          <p:nvPr/>
+        </p:nvGrpSpPr>
+        <p:grpSpPr>
+          <a:xfrm>
+            <a:off x="6259639" y="6168875"/>
+            <a:ext cx="2233246" cy="640338"/>
+            <a:chOff x="6075485" y="3943807"/>
+            <a:chExt cx="2233246" cy="640338"/>
+          </a:xfrm>
+        </p:grpSpPr>
+        <p:sp>
+          <p:nvSpPr>
+            <p:cNvPr id="116" name="Rectangle 115"/>
+            <p:cNvSpPr/>
+            <p:nvPr/>
+          </p:nvSpPr>
+          <p:spPr>
+            <a:xfrm>
+              <a:off x="6075485" y="3943807"/>
+              <a:ext cx="2233246" cy="640338"/>
+            </a:xfrm>
+            <a:prstGeom prst="rect">
+              <a:avLst/>
+            </a:prstGeom>
+            <a:solidFill>
+              <a:schemeClr val="bg1"/>
+            </a:solidFill>
+          </p:spPr>
+          <p:style>
+            <a:lnRef idx="2">
+              <a:schemeClr val="accent1">
+                <a:shade val="50000"/>
+              </a:schemeClr>
+            </a:lnRef>
+            <a:fillRef idx="1">
+              <a:schemeClr val="accent1"/>
+            </a:fillRef>
+            <a:effectRef idx="0">
+              <a:schemeClr val="accent1"/>
+            </a:effectRef>
+            <a:fontRef idx="minor">
+              <a:schemeClr val="lt1"/>
+            </a:fontRef>
+          </p:style>
+          <p:txBody>
+            <a:bodyPr rtlCol="0" anchor="ctr"/>
+            <a:lstStyle/>
+            <a:p>
+              <a:pPr algn="ctr"/>
+              <a:endParaRPr lang="en-GB"/>
+            </a:p>
+          </p:txBody>
+        </p:sp>
+        <p:sp>
+          <p:nvSpPr>
+            <p:cNvPr id="117" name="TextBox 116"/>
+            <p:cNvSpPr txBox="1"/>
+            <p:nvPr/>
+          </p:nvSpPr>
+          <p:spPr>
+            <a:xfrm>
+              <a:off x="6083481" y="3968980"/>
+              <a:ext cx="1735444" cy="584775"/>
+            </a:xfrm>
+            <a:prstGeom prst="rect">
+              <a:avLst/>
+            </a:prstGeom>
+            <a:noFill/>
+          </p:spPr>
+          <p:txBody>
+            <a:bodyPr wrap="square" rtlCol="0">
+              <a:spAutoFit/>
+            </a:bodyPr>
+            <a:lstStyle/>
+            <a:p>
+              <a:r>
+                <a:rPr lang="en-GB" sz="1600" dirty="0"/>
+                <a:t>Proxy</a:t>
+              </a:r>
+            </a:p>
+            <a:p>
+              <a:r>
+                <a:rPr lang="en-GB" sz="1600" dirty="0"/>
+                <a:t>(</a:t>
+              </a:r>
+              <a:r>
+                <a:rPr lang="en-GB" sz="1600" dirty="0" err="1"/>
+                <a:t>c#</a:t>
+              </a:r>
+              <a:r>
+                <a:rPr lang="en-GB" sz="1600" dirty="0"/>
+                <a:t> class library)</a:t>
+              </a:r>
+            </a:p>
+          </p:txBody>
+        </p:sp>
+      </p:grpSp>
+      <p:cxnSp>
+        <p:nvCxnSpPr>
+          <p:cNvPr id="119" name="Straight Arrow Connector 118"/>
+          <p:cNvCxnSpPr/>
+          <p:nvPr/>
+        </p:nvCxnSpPr>
+        <p:spPr>
+          <a:xfrm flipV="1">
+            <a:off x="5463703" y="5136174"/>
+            <a:ext cx="803932" cy="578709"/>
           </a:xfrm>
           <a:prstGeom prst="straightConnector1">
             <a:avLst/>
@@ -7387,14 +7898,17 @@
       </p:cxnSp>
       <p:cxnSp>
         <p:nvCxnSpPr>
-          <p:cNvPr id="14" name="Straight Arrow Connector 13"/>
-          <p:cNvCxnSpPr/>
+          <p:cNvPr id="121" name="Straight Arrow Connector 120"/>
+          <p:cNvCxnSpPr>
+            <a:stCxn id="34" idx="3"/>
+            <a:endCxn id="114" idx="1"/>
+          </p:cNvCxnSpPr>
           <p:nvPr/>
         </p:nvCxnSpPr>
         <p:spPr>
           <a:xfrm flipV="1">
-            <a:off x="8496130" y="5464688"/>
-            <a:ext cx="1151526" cy="586301"/>
+            <a:off x="5463703" y="5770111"/>
+            <a:ext cx="796368" cy="292865"/>
           </a:xfrm>
           <a:prstGeom prst="straightConnector1">
             <a:avLst/>
@@ -7420,14 +7934,16 @@
       </p:cxnSp>
       <p:cxnSp>
         <p:nvCxnSpPr>
-          <p:cNvPr id="87" name="Straight Arrow Connector 86"/>
-          <p:cNvCxnSpPr/>
+          <p:cNvPr id="123" name="Straight Arrow Connector 122"/>
+          <p:cNvCxnSpPr>
+            <a:endCxn id="117" idx="1"/>
+          </p:cNvCxnSpPr>
           <p:nvPr/>
         </p:nvCxnSpPr>
         <p:spPr>
-          <a:xfrm flipV="1">
-            <a:off x="8445480" y="6631314"/>
-            <a:ext cx="1202176" cy="74415"/>
+          <a:xfrm>
+            <a:off x="5459705" y="6361214"/>
+            <a:ext cx="807930" cy="125222"/>
           </a:xfrm>
           <a:prstGeom prst="straightConnector1">
             <a:avLst/>
@@ -7453,66 +7969,139 @@
       </p:cxnSp>
       <p:sp>
         <p:nvSpPr>
-          <p:cNvPr id="77" name="Flowchart: Magnetic Disk 76"/>
-          <p:cNvSpPr/>
-          <p:nvPr/>
-        </p:nvSpPr>
-        <p:spPr>
-          <a:xfrm>
-            <a:off x="1390552" y="4762936"/>
-            <a:ext cx="500395" cy="637809"/>
-          </a:xfrm>
-          <a:prstGeom prst="flowChartMagneticDisk">
-            <a:avLst/>
-          </a:prstGeom>
-          <a:solidFill>
-            <a:schemeClr val="bg1"/>
-          </a:solidFill>
-        </p:spPr>
-        <p:style>
-          <a:lnRef idx="2">
-            <a:schemeClr val="accent1">
-              <a:shade val="50000"/>
-            </a:schemeClr>
-          </a:lnRef>
-          <a:fillRef idx="1">
-            <a:schemeClr val="accent1"/>
-          </a:fillRef>
-          <a:effectRef idx="0">
-            <a:schemeClr val="accent1"/>
-          </a:effectRef>
-          <a:fontRef idx="minor">
-            <a:schemeClr val="lt1"/>
-          </a:fontRef>
-        </p:style>
-        <p:txBody>
-          <a:bodyPr rtlCol="0" anchor="ctr"/>
-          <a:lstStyle/>
-          <a:p>
-            <a:pPr algn="ctr"/>
-            <a:endParaRPr lang="en-GB"/>
+          <p:cNvPr id="125" name="TextBox 124"/>
+          <p:cNvSpPr txBox="1"/>
+          <p:nvPr/>
+        </p:nvSpPr>
+        <p:spPr>
+          <a:xfrm>
+            <a:off x="5225174" y="4865187"/>
+            <a:ext cx="569581" cy="338554"/>
+          </a:xfrm>
+          <a:prstGeom prst="rect">
+            <a:avLst/>
+          </a:prstGeom>
+          <a:noFill/>
+        </p:spPr>
+        <p:txBody>
+          <a:bodyPr wrap="square" rtlCol="0">
+            <a:spAutoFit/>
+          </a:bodyPr>
+          <a:lstStyle/>
+          <a:p>
+            <a:r>
+              <a:rPr lang="en-GB" sz="1600" dirty="0" err="1"/>
+              <a:t>dll</a:t>
+            </a:r>
+            <a:endParaRPr lang="en-GB" sz="1200" dirty="0"/>
+          </a:p>
+        </p:txBody>
+      </p:sp>
+      <p:sp>
+        <p:nvSpPr>
+          <p:cNvPr id="126" name="TextBox 125"/>
+          <p:cNvSpPr txBox="1"/>
+          <p:nvPr/>
+        </p:nvSpPr>
+        <p:spPr>
+          <a:xfrm>
+            <a:off x="5700631" y="5414503"/>
+            <a:ext cx="569581" cy="338554"/>
+          </a:xfrm>
+          <a:prstGeom prst="rect">
+            <a:avLst/>
+          </a:prstGeom>
+          <a:noFill/>
+        </p:spPr>
+        <p:txBody>
+          <a:bodyPr wrap="square" rtlCol="0">
+            <a:spAutoFit/>
+          </a:bodyPr>
+          <a:lstStyle/>
+          <a:p>
+            <a:r>
+              <a:rPr lang="en-GB" sz="1600" dirty="0" err="1"/>
+              <a:t>dll</a:t>
+            </a:r>
+            <a:endParaRPr lang="en-GB" sz="1200" dirty="0"/>
+          </a:p>
+        </p:txBody>
+      </p:sp>
+      <p:sp>
+        <p:nvSpPr>
+          <p:cNvPr id="127" name="TextBox 126"/>
+          <p:cNvSpPr txBox="1"/>
+          <p:nvPr/>
+        </p:nvSpPr>
+        <p:spPr>
+          <a:xfrm>
+            <a:off x="5686060" y="5953146"/>
+            <a:ext cx="569581" cy="338554"/>
+          </a:xfrm>
+          <a:prstGeom prst="rect">
+            <a:avLst/>
+          </a:prstGeom>
+          <a:noFill/>
+        </p:spPr>
+        <p:txBody>
+          <a:bodyPr wrap="square" rtlCol="0">
+            <a:spAutoFit/>
+          </a:bodyPr>
+          <a:lstStyle/>
+          <a:p>
+            <a:r>
+              <a:rPr lang="en-GB" sz="1600" dirty="0" err="1"/>
+              <a:t>dll</a:t>
+            </a:r>
+            <a:endParaRPr lang="en-GB" sz="1200" dirty="0"/>
+          </a:p>
+        </p:txBody>
+      </p:sp>
+      <p:sp>
+        <p:nvSpPr>
+          <p:cNvPr id="128" name="TextBox 127"/>
+          <p:cNvSpPr txBox="1"/>
+          <p:nvPr/>
+        </p:nvSpPr>
+        <p:spPr>
+          <a:xfrm>
+            <a:off x="5611953" y="6441131"/>
+            <a:ext cx="569581" cy="338554"/>
+          </a:xfrm>
+          <a:prstGeom prst="rect">
+            <a:avLst/>
+          </a:prstGeom>
+          <a:noFill/>
+        </p:spPr>
+        <p:txBody>
+          <a:bodyPr wrap="square" rtlCol="0">
+            <a:spAutoFit/>
+          </a:bodyPr>
+          <a:lstStyle/>
+          <a:p>
+            <a:r>
+              <a:rPr lang="en-GB" sz="1600" dirty="0" err="1"/>
+              <a:t>dll</a:t>
+            </a:r>
+            <a:endParaRPr lang="en-GB" sz="1200" dirty="0"/>
           </a:p>
         </p:txBody>
       </p:sp>
       <p:cxnSp>
         <p:nvCxnSpPr>
-          <p:cNvPr id="91" name="Straight Arrow Connector 90"/>
-          <p:cNvCxnSpPr>
-            <a:cxnSpLocks/>
-            <a:stCxn id="77" idx="2"/>
-          </p:cNvCxnSpPr>
+          <p:cNvPr id="129" name="Straight Arrow Connector 128"/>
+          <p:cNvCxnSpPr/>
           <p:nvPr/>
         </p:nvCxnSpPr>
         <p:spPr>
-          <a:xfrm flipH="1" flipV="1">
-            <a:off x="1170530" y="5038167"/>
-            <a:ext cx="220022" cy="43674"/>
+          <a:xfrm>
+            <a:off x="6611815" y="3505955"/>
+            <a:ext cx="17585" cy="414849"/>
           </a:xfrm>
           <a:prstGeom prst="straightConnector1">
             <a:avLst/>
           </a:prstGeom>
           <a:ln>
-            <a:headEnd type="triangle"/>
             <a:tailEnd type="triangle"/>
           </a:ln>
         </p:spPr>
@@ -7533,14 +8122,14 @@
       </p:cxnSp>
       <p:sp>
         <p:nvSpPr>
-          <p:cNvPr id="40" name="TextBox 39"/>
+          <p:cNvPr id="131" name="TextBox 130"/>
           <p:cNvSpPr txBox="1"/>
           <p:nvPr/>
         </p:nvSpPr>
         <p:spPr>
           <a:xfrm>
-            <a:off x="1247891" y="5321550"/>
-            <a:ext cx="1472006" cy="307777"/>
+            <a:off x="6165403" y="3567389"/>
+            <a:ext cx="569581" cy="338554"/>
           </a:xfrm>
           <a:prstGeom prst="rect">
             <a:avLst/>
@@ -7548,16 +8137,909 @@
           <a:noFill/>
         </p:spPr>
         <p:txBody>
-          <a:bodyPr wrap="none" rtlCol="0">
+          <a:bodyPr wrap="square" rtlCol="0">
             <a:spAutoFit/>
           </a:bodyPr>
           <a:lstStyle/>
           <a:p>
             <a:r>
-              <a:rPr lang="en-US" sz="1400" dirty="0"/>
-              <a:t>Wrappings - table</a:t>
-            </a:r>
-            <a:endParaRPr lang="en-GB" sz="1400" dirty="0"/>
+              <a:rPr lang="en-GB" sz="1600" dirty="0" err="1"/>
+              <a:t>dll</a:t>
+            </a:r>
+            <a:endParaRPr lang="en-GB" sz="1200" dirty="0"/>
+          </a:p>
+        </p:txBody>
+      </p:sp>
+      <p:cxnSp>
+        <p:nvCxnSpPr>
+          <p:cNvPr id="135" name="Elbow Connector 134"/>
+          <p:cNvCxnSpPr>
+            <a:endCxn id="110" idx="3"/>
+          </p:cNvCxnSpPr>
+          <p:nvPr/>
+        </p:nvCxnSpPr>
+        <p:spPr>
+          <a:xfrm rot="5400000">
+            <a:off x="7824181" y="4208481"/>
+            <a:ext cx="1457155" cy="162577"/>
+          </a:xfrm>
+          <a:prstGeom prst="bentConnector2">
+            <a:avLst/>
+          </a:prstGeom>
+          <a:ln>
+            <a:tailEnd type="triangle"/>
+          </a:ln>
+        </p:spPr>
+        <p:style>
+          <a:lnRef idx="1">
+            <a:schemeClr val="accent1"/>
+          </a:lnRef>
+          <a:fillRef idx="0">
+            <a:schemeClr val="accent1"/>
+          </a:fillRef>
+          <a:effectRef idx="0">
+            <a:schemeClr val="accent1"/>
+          </a:effectRef>
+          <a:fontRef idx="minor">
+            <a:schemeClr val="tx1"/>
+          </a:fontRef>
+        </p:style>
+      </p:cxnSp>
+      <p:cxnSp>
+        <p:nvCxnSpPr>
+          <p:cNvPr id="137" name="Elbow Connector 136"/>
+          <p:cNvCxnSpPr>
+            <a:endCxn id="113" idx="3"/>
+          </p:cNvCxnSpPr>
+          <p:nvPr/>
+        </p:nvCxnSpPr>
+        <p:spPr>
+          <a:xfrm rot="5400000">
+            <a:off x="7512501" y="4497723"/>
+            <a:ext cx="2247816" cy="302176"/>
+          </a:xfrm>
+          <a:prstGeom prst="bentConnector2">
+            <a:avLst/>
+          </a:prstGeom>
+          <a:ln>
+            <a:tailEnd type="triangle"/>
+          </a:ln>
+        </p:spPr>
+        <p:style>
+          <a:lnRef idx="1">
+            <a:schemeClr val="accent1"/>
+          </a:lnRef>
+          <a:fillRef idx="0">
+            <a:schemeClr val="accent1"/>
+          </a:fillRef>
+          <a:effectRef idx="0">
+            <a:schemeClr val="accent1"/>
+          </a:effectRef>
+          <a:fontRef idx="minor">
+            <a:schemeClr val="tx1"/>
+          </a:fontRef>
+        </p:style>
+      </p:cxnSp>
+      <p:cxnSp>
+        <p:nvCxnSpPr>
+          <p:cNvPr id="139" name="Elbow Connector 138"/>
+          <p:cNvCxnSpPr>
+            <a:endCxn id="116" idx="3"/>
+          </p:cNvCxnSpPr>
+          <p:nvPr/>
+        </p:nvCxnSpPr>
+        <p:spPr>
+          <a:xfrm rot="5400000">
+            <a:off x="7293293" y="4735051"/>
+            <a:ext cx="2953585" cy="554400"/>
+          </a:xfrm>
+          <a:prstGeom prst="bentConnector2">
+            <a:avLst/>
+          </a:prstGeom>
+          <a:ln>
+            <a:tailEnd type="triangle"/>
+          </a:ln>
+        </p:spPr>
+        <p:style>
+          <a:lnRef idx="1">
+            <a:schemeClr val="accent1"/>
+          </a:lnRef>
+          <a:fillRef idx="0">
+            <a:schemeClr val="accent1"/>
+          </a:fillRef>
+          <a:effectRef idx="0">
+            <a:schemeClr val="accent1"/>
+          </a:effectRef>
+          <a:fontRef idx="minor">
+            <a:schemeClr val="tx1"/>
+          </a:fontRef>
+        </p:style>
+      </p:cxnSp>
+      <p:sp>
+        <p:nvSpPr>
+          <p:cNvPr id="140" name="TextBox 139"/>
+          <p:cNvSpPr txBox="1"/>
+          <p:nvPr/>
+        </p:nvSpPr>
+        <p:spPr>
+          <a:xfrm>
+            <a:off x="8391694" y="5160047"/>
+            <a:ext cx="569581" cy="338554"/>
+          </a:xfrm>
+          <a:prstGeom prst="rect">
+            <a:avLst/>
+          </a:prstGeom>
+          <a:noFill/>
+        </p:spPr>
+        <p:txBody>
+          <a:bodyPr wrap="square" rtlCol="0">
+            <a:spAutoFit/>
+          </a:bodyPr>
+          <a:lstStyle/>
+          <a:p>
+            <a:r>
+              <a:rPr lang="en-GB" sz="1600" dirty="0" err="1"/>
+              <a:t>dll</a:t>
+            </a:r>
+            <a:endParaRPr lang="en-GB" sz="1200" dirty="0"/>
+          </a:p>
+        </p:txBody>
+      </p:sp>
+      <p:sp>
+        <p:nvSpPr>
+          <p:cNvPr id="141" name="TextBox 140"/>
+          <p:cNvSpPr txBox="1"/>
+          <p:nvPr/>
+        </p:nvSpPr>
+        <p:spPr>
+          <a:xfrm>
+            <a:off x="8297216" y="3570563"/>
+            <a:ext cx="569581" cy="338554"/>
+          </a:xfrm>
+          <a:prstGeom prst="rect">
+            <a:avLst/>
+          </a:prstGeom>
+          <a:noFill/>
+        </p:spPr>
+        <p:txBody>
+          <a:bodyPr wrap="square" rtlCol="0">
+            <a:spAutoFit/>
+          </a:bodyPr>
+          <a:lstStyle/>
+          <a:p>
+            <a:r>
+              <a:rPr lang="en-GB" sz="1600" dirty="0" err="1"/>
+              <a:t>dll</a:t>
+            </a:r>
+            <a:endParaRPr lang="en-GB" sz="1200" dirty="0"/>
+          </a:p>
+        </p:txBody>
+      </p:sp>
+      <p:sp>
+        <p:nvSpPr>
+          <p:cNvPr id="142" name="TextBox 141"/>
+          <p:cNvSpPr txBox="1"/>
+          <p:nvPr/>
+        </p:nvSpPr>
+        <p:spPr>
+          <a:xfrm>
+            <a:off x="8673316" y="6117492"/>
+            <a:ext cx="569581" cy="338554"/>
+          </a:xfrm>
+          <a:prstGeom prst="rect">
+            <a:avLst/>
+          </a:prstGeom>
+          <a:noFill/>
+        </p:spPr>
+        <p:txBody>
+          <a:bodyPr wrap="square" rtlCol="0">
+            <a:spAutoFit/>
+          </a:bodyPr>
+          <a:lstStyle/>
+          <a:p>
+            <a:r>
+              <a:rPr lang="en-GB" sz="1600" dirty="0" err="1"/>
+              <a:t>dll</a:t>
+            </a:r>
+            <a:endParaRPr lang="en-GB" sz="1200" dirty="0"/>
+          </a:p>
+        </p:txBody>
+      </p:sp>
+      <p:grpSp>
+        <p:nvGrpSpPr>
+          <p:cNvPr id="14" name="Group 13"/>
+          <p:cNvGrpSpPr/>
+          <p:nvPr/>
+        </p:nvGrpSpPr>
+        <p:grpSpPr>
+          <a:xfrm>
+            <a:off x="9664845" y="3590481"/>
+            <a:ext cx="2152017" cy="814748"/>
+            <a:chOff x="9664845" y="3590480"/>
+            <a:chExt cx="2432393" cy="1075151"/>
+          </a:xfrm>
+        </p:grpSpPr>
+        <p:grpSp>
+          <p:nvGrpSpPr>
+            <p:cNvPr id="105" name="Group 104"/>
+            <p:cNvGrpSpPr/>
+            <p:nvPr/>
+          </p:nvGrpSpPr>
+          <p:grpSpPr>
+            <a:xfrm>
+              <a:off x="9664845" y="3590480"/>
+              <a:ext cx="2432393" cy="1075151"/>
+              <a:chOff x="3165224" y="5222623"/>
+              <a:chExt cx="2432393" cy="1075151"/>
+            </a:xfrm>
+          </p:grpSpPr>
+          <p:sp>
+            <p:nvSpPr>
+              <p:cNvPr id="107" name="Cloud 106"/>
+              <p:cNvSpPr/>
+              <p:nvPr/>
+            </p:nvSpPr>
+            <p:spPr>
+              <a:xfrm>
+                <a:off x="3165224" y="5222623"/>
+                <a:ext cx="2432393" cy="897622"/>
+              </a:xfrm>
+              <a:prstGeom prst="cloud">
+                <a:avLst/>
+              </a:prstGeom>
+              <a:solidFill>
+                <a:schemeClr val="bg1"/>
+              </a:solidFill>
+            </p:spPr>
+            <p:style>
+              <a:lnRef idx="2">
+                <a:schemeClr val="accent1">
+                  <a:shade val="50000"/>
+                </a:schemeClr>
+              </a:lnRef>
+              <a:fillRef idx="1">
+                <a:schemeClr val="accent1"/>
+              </a:fillRef>
+              <a:effectRef idx="0">
+                <a:schemeClr val="accent1"/>
+              </a:effectRef>
+              <a:fontRef idx="minor">
+                <a:schemeClr val="lt1"/>
+              </a:fontRef>
+            </p:style>
+            <p:txBody>
+              <a:bodyPr rtlCol="0" anchor="ctr"/>
+              <a:lstStyle/>
+              <a:p>
+                <a:pPr algn="ctr"/>
+                <a:endParaRPr lang="en-GB" dirty="0"/>
+              </a:p>
+            </p:txBody>
+          </p:sp>
+          <p:sp>
+            <p:nvSpPr>
+              <p:cNvPr id="108" name="TextBox 107"/>
+              <p:cNvSpPr txBox="1"/>
+              <p:nvPr/>
+            </p:nvSpPr>
+            <p:spPr>
+              <a:xfrm>
+                <a:off x="3247646" y="5436000"/>
+                <a:ext cx="1833162" cy="861774"/>
+              </a:xfrm>
+              <a:prstGeom prst="rect">
+                <a:avLst/>
+              </a:prstGeom>
+              <a:noFill/>
+            </p:spPr>
+            <p:txBody>
+              <a:bodyPr wrap="square" rtlCol="0">
+                <a:spAutoFit/>
+              </a:bodyPr>
+              <a:lstStyle/>
+              <a:p>
+                <a:r>
+                  <a:rPr lang="en-GB" dirty="0" err="1"/>
+                  <a:t>Bazza’s</a:t>
+                </a:r>
+                <a:r>
+                  <a:rPr lang="en-GB" dirty="0"/>
+                  <a:t> Bazaar</a:t>
+                </a:r>
+              </a:p>
+              <a:p>
+                <a:r>
+                  <a:rPr lang="en-GB" sz="1400" dirty="0"/>
+                  <a:t>    </a:t>
+                </a:r>
+              </a:p>
+              <a:p>
+                <a:endParaRPr lang="en-GB" dirty="0"/>
+              </a:p>
+            </p:txBody>
+          </p:sp>
+        </p:grpSp>
+        <p:sp>
+          <p:nvSpPr>
+            <p:cNvPr id="11" name="TextBox 10"/>
+            <p:cNvSpPr txBox="1"/>
+            <p:nvPr/>
+          </p:nvSpPr>
+          <p:spPr>
+            <a:xfrm>
+              <a:off x="11034346" y="3590480"/>
+              <a:ext cx="705353" cy="487375"/>
+            </a:xfrm>
+            <a:prstGeom prst="rect">
+              <a:avLst/>
+            </a:prstGeom>
+            <a:noFill/>
+          </p:spPr>
+          <p:txBody>
+            <a:bodyPr wrap="square" rtlCol="0">
+              <a:spAutoFit/>
+            </a:bodyPr>
+            <a:lstStyle/>
+            <a:p>
+              <a:r>
+                <a:rPr lang="en-GB" dirty="0"/>
+                <a:t>XML</a:t>
+              </a:r>
+            </a:p>
+          </p:txBody>
+        </p:sp>
+      </p:grpSp>
+      <p:grpSp>
+        <p:nvGrpSpPr>
+          <p:cNvPr id="36" name="Group 35"/>
+          <p:cNvGrpSpPr/>
+          <p:nvPr/>
+        </p:nvGrpSpPr>
+        <p:grpSpPr>
+          <a:xfrm>
+            <a:off x="9546355" y="4307154"/>
+            <a:ext cx="2560653" cy="812975"/>
+            <a:chOff x="9546355" y="4307154"/>
+            <a:chExt cx="2579929" cy="897622"/>
+          </a:xfrm>
+        </p:grpSpPr>
+        <p:grpSp>
+          <p:nvGrpSpPr>
+            <p:cNvPr id="118" name="Group 117"/>
+            <p:cNvGrpSpPr/>
+            <p:nvPr/>
+          </p:nvGrpSpPr>
+          <p:grpSpPr>
+            <a:xfrm>
+              <a:off x="9546355" y="4307154"/>
+              <a:ext cx="2432393" cy="897622"/>
+              <a:chOff x="2887465" y="5222970"/>
+              <a:chExt cx="2432393" cy="897622"/>
+            </a:xfrm>
+          </p:grpSpPr>
+          <p:sp>
+            <p:nvSpPr>
+              <p:cNvPr id="120" name="Cloud 119"/>
+              <p:cNvSpPr/>
+              <p:nvPr/>
+            </p:nvSpPr>
+            <p:spPr>
+              <a:xfrm>
+                <a:off x="2887465" y="5222970"/>
+                <a:ext cx="2432393" cy="897622"/>
+              </a:xfrm>
+              <a:prstGeom prst="cloud">
+                <a:avLst/>
+              </a:prstGeom>
+              <a:solidFill>
+                <a:schemeClr val="bg1"/>
+              </a:solidFill>
+            </p:spPr>
+            <p:style>
+              <a:lnRef idx="2">
+                <a:schemeClr val="accent1">
+                  <a:shade val="50000"/>
+                </a:schemeClr>
+              </a:lnRef>
+              <a:fillRef idx="1">
+                <a:schemeClr val="accent1"/>
+              </a:fillRef>
+              <a:effectRef idx="0">
+                <a:schemeClr val="accent1"/>
+              </a:effectRef>
+              <a:fontRef idx="minor">
+                <a:schemeClr val="lt1"/>
+              </a:fontRef>
+            </p:style>
+            <p:txBody>
+              <a:bodyPr rtlCol="0" anchor="ctr"/>
+              <a:lstStyle/>
+              <a:p>
+                <a:pPr algn="ctr"/>
+                <a:endParaRPr lang="en-GB" dirty="0"/>
+              </a:p>
+            </p:txBody>
+          </p:sp>
+          <p:sp>
+            <p:nvSpPr>
+              <p:cNvPr id="122" name="TextBox 121"/>
+              <p:cNvSpPr txBox="1"/>
+              <p:nvPr/>
+            </p:nvSpPr>
+            <p:spPr>
+              <a:xfrm>
+                <a:off x="3073110" y="5564627"/>
+                <a:ext cx="1833162" cy="369332"/>
+              </a:xfrm>
+              <a:prstGeom prst="rect">
+                <a:avLst/>
+              </a:prstGeom>
+              <a:noFill/>
+            </p:spPr>
+            <p:txBody>
+              <a:bodyPr wrap="square" rtlCol="0">
+                <a:spAutoFit/>
+              </a:bodyPr>
+              <a:lstStyle/>
+              <a:p>
+                <a:r>
+                  <a:rPr lang="en-GB" dirty="0"/>
+                  <a:t>Khan’s </a:t>
+                </a:r>
+                <a:r>
+                  <a:rPr lang="en-GB" dirty="0" err="1"/>
+                  <a:t>Kwikimart</a:t>
+                </a:r>
+                <a:endParaRPr lang="en-GB" dirty="0"/>
+              </a:p>
+            </p:txBody>
+          </p:sp>
+        </p:grpSp>
+        <p:sp>
+          <p:nvSpPr>
+            <p:cNvPr id="15" name="TextBox 14"/>
+            <p:cNvSpPr txBox="1"/>
+            <p:nvPr/>
+          </p:nvSpPr>
+          <p:spPr>
+            <a:xfrm>
+              <a:off x="11050203" y="4386633"/>
+              <a:ext cx="1076081" cy="369332"/>
+            </a:xfrm>
+            <a:prstGeom prst="rect">
+              <a:avLst/>
+            </a:prstGeom>
+            <a:noFill/>
+          </p:spPr>
+          <p:txBody>
+            <a:bodyPr wrap="square" rtlCol="0">
+              <a:spAutoFit/>
+            </a:bodyPr>
+            <a:lstStyle/>
+            <a:p>
+              <a:r>
+                <a:rPr lang="en-GB" dirty="0"/>
+                <a:t>JSON</a:t>
+              </a:r>
+            </a:p>
+          </p:txBody>
+        </p:sp>
+      </p:grpSp>
+      <p:sp>
+        <p:nvSpPr>
+          <p:cNvPr id="38" name="TextBox 37"/>
+          <p:cNvSpPr txBox="1"/>
+          <p:nvPr/>
+        </p:nvSpPr>
+        <p:spPr>
+          <a:xfrm>
+            <a:off x="11038967" y="5188549"/>
+            <a:ext cx="909732" cy="369332"/>
+          </a:xfrm>
+          <a:prstGeom prst="rect">
+            <a:avLst/>
+          </a:prstGeom>
+          <a:noFill/>
+        </p:spPr>
+        <p:txBody>
+          <a:bodyPr wrap="square" rtlCol="0">
+            <a:spAutoFit/>
+          </a:bodyPr>
+          <a:lstStyle/>
+          <a:p>
+            <a:r>
+              <a:rPr lang="en-GB" dirty="0"/>
+              <a:t>JSON</a:t>
+            </a:r>
+          </a:p>
+        </p:txBody>
+      </p:sp>
+      <p:grpSp>
+        <p:nvGrpSpPr>
+          <p:cNvPr id="124" name="Group 123"/>
+          <p:cNvGrpSpPr/>
+          <p:nvPr/>
+        </p:nvGrpSpPr>
+        <p:grpSpPr>
+          <a:xfrm>
+            <a:off x="9572500" y="6001329"/>
+            <a:ext cx="2560653" cy="812975"/>
+            <a:chOff x="9546355" y="4307154"/>
+            <a:chExt cx="2579929" cy="897622"/>
+          </a:xfrm>
+        </p:grpSpPr>
+        <p:grpSp>
+          <p:nvGrpSpPr>
+            <p:cNvPr id="130" name="Group 129"/>
+            <p:cNvGrpSpPr/>
+            <p:nvPr/>
+          </p:nvGrpSpPr>
+          <p:grpSpPr>
+            <a:xfrm>
+              <a:off x="9546355" y="4307154"/>
+              <a:ext cx="2432393" cy="897622"/>
+              <a:chOff x="2887465" y="5222970"/>
+              <a:chExt cx="2432393" cy="897622"/>
+            </a:xfrm>
+          </p:grpSpPr>
+          <p:sp>
+            <p:nvSpPr>
+              <p:cNvPr id="133" name="Cloud 132"/>
+              <p:cNvSpPr/>
+              <p:nvPr/>
+            </p:nvSpPr>
+            <p:spPr>
+              <a:xfrm>
+                <a:off x="2887465" y="5222970"/>
+                <a:ext cx="2432393" cy="897622"/>
+              </a:xfrm>
+              <a:prstGeom prst="cloud">
+                <a:avLst/>
+              </a:prstGeom>
+              <a:solidFill>
+                <a:schemeClr val="bg1"/>
+              </a:solidFill>
+            </p:spPr>
+            <p:style>
+              <a:lnRef idx="2">
+                <a:schemeClr val="accent1">
+                  <a:shade val="50000"/>
+                </a:schemeClr>
+              </a:lnRef>
+              <a:fillRef idx="1">
+                <a:schemeClr val="accent1"/>
+              </a:fillRef>
+              <a:effectRef idx="0">
+                <a:schemeClr val="accent1"/>
+              </a:effectRef>
+              <a:fontRef idx="minor">
+                <a:schemeClr val="lt1"/>
+              </a:fontRef>
+            </p:style>
+            <p:txBody>
+              <a:bodyPr rtlCol="0" anchor="ctr"/>
+              <a:lstStyle/>
+              <a:p>
+                <a:pPr algn="ctr"/>
+                <a:endParaRPr lang="en-GB" dirty="0"/>
+              </a:p>
+            </p:txBody>
+          </p:sp>
+          <p:sp>
+            <p:nvSpPr>
+              <p:cNvPr id="134" name="TextBox 133"/>
+              <p:cNvSpPr txBox="1"/>
+              <p:nvPr/>
+            </p:nvSpPr>
+            <p:spPr>
+              <a:xfrm>
+                <a:off x="3073110" y="5564627"/>
+                <a:ext cx="1833162" cy="407787"/>
+              </a:xfrm>
+              <a:prstGeom prst="rect">
+                <a:avLst/>
+              </a:prstGeom>
+              <a:noFill/>
+            </p:spPr>
+            <p:txBody>
+              <a:bodyPr wrap="square" rtlCol="0">
+                <a:spAutoFit/>
+              </a:bodyPr>
+              <a:lstStyle/>
+              <a:p>
+                <a:r>
+                  <a:rPr lang="en-GB" dirty="0" err="1"/>
+                  <a:t>Undercutters</a:t>
+                </a:r>
+                <a:endParaRPr lang="en-GB" dirty="0"/>
+              </a:p>
+            </p:txBody>
+          </p:sp>
+        </p:grpSp>
+        <p:sp>
+          <p:nvSpPr>
+            <p:cNvPr id="132" name="TextBox 131"/>
+            <p:cNvSpPr txBox="1"/>
+            <p:nvPr/>
+          </p:nvSpPr>
+          <p:spPr>
+            <a:xfrm>
+              <a:off x="11050203" y="4386633"/>
+              <a:ext cx="1076081" cy="369332"/>
+            </a:xfrm>
+            <a:prstGeom prst="rect">
+              <a:avLst/>
+            </a:prstGeom>
+            <a:noFill/>
+          </p:spPr>
+          <p:txBody>
+            <a:bodyPr wrap="square" rtlCol="0">
+              <a:spAutoFit/>
+            </a:bodyPr>
+            <a:lstStyle/>
+            <a:p>
+              <a:r>
+                <a:rPr lang="en-GB" dirty="0"/>
+                <a:t>JSON</a:t>
+              </a:r>
+            </a:p>
+          </p:txBody>
+        </p:sp>
+      </p:grpSp>
+      <p:cxnSp>
+        <p:nvCxnSpPr>
+          <p:cNvPr id="43" name="Straight Arrow Connector 42"/>
+          <p:cNvCxnSpPr/>
+          <p:nvPr/>
+        </p:nvCxnSpPr>
+        <p:spPr>
+          <a:xfrm flipV="1">
+            <a:off x="8511959" y="6506754"/>
+            <a:ext cx="1135697" cy="153888"/>
+          </a:xfrm>
+          <a:prstGeom prst="straightConnector1">
+            <a:avLst/>
+          </a:prstGeom>
+          <a:ln>
+            <a:tailEnd type="triangle"/>
+          </a:ln>
+        </p:spPr>
+        <p:style>
+          <a:lnRef idx="1">
+            <a:schemeClr val="accent1"/>
+          </a:lnRef>
+          <a:fillRef idx="0">
+            <a:schemeClr val="accent1"/>
+          </a:fillRef>
+          <a:effectRef idx="0">
+            <a:schemeClr val="accent1"/>
+          </a:effectRef>
+          <a:fontRef idx="minor">
+            <a:schemeClr val="tx1"/>
+          </a:fontRef>
+        </p:style>
+      </p:cxnSp>
+      <p:cxnSp>
+        <p:nvCxnSpPr>
+          <p:cNvPr id="45" name="Straight Arrow Connector 44"/>
+          <p:cNvCxnSpPr/>
+          <p:nvPr/>
+        </p:nvCxnSpPr>
+        <p:spPr>
+          <a:xfrm flipV="1">
+            <a:off x="8492885" y="5652274"/>
+            <a:ext cx="1053470" cy="332302"/>
+          </a:xfrm>
+          <a:prstGeom prst="straightConnector1">
+            <a:avLst/>
+          </a:prstGeom>
+          <a:ln>
+            <a:tailEnd type="triangle"/>
+          </a:ln>
+        </p:spPr>
+        <p:style>
+          <a:lnRef idx="1">
+            <a:schemeClr val="accent1"/>
+          </a:lnRef>
+          <a:fillRef idx="0">
+            <a:schemeClr val="accent1"/>
+          </a:fillRef>
+          <a:effectRef idx="0">
+            <a:schemeClr val="accent1"/>
+          </a:effectRef>
+          <a:fontRef idx="minor">
+            <a:schemeClr val="tx1"/>
+          </a:fontRef>
+        </p:style>
+      </p:cxnSp>
+      <p:cxnSp>
+        <p:nvCxnSpPr>
+          <p:cNvPr id="48" name="Straight Arrow Connector 47"/>
+          <p:cNvCxnSpPr>
+            <a:endCxn id="120" idx="2"/>
+          </p:cNvCxnSpPr>
+          <p:nvPr/>
+        </p:nvCxnSpPr>
+        <p:spPr>
+          <a:xfrm flipV="1">
+            <a:off x="8476410" y="4713642"/>
+            <a:ext cx="1077434" cy="95239"/>
+          </a:xfrm>
+          <a:prstGeom prst="straightConnector1">
+            <a:avLst/>
+          </a:prstGeom>
+          <a:ln>
+            <a:tailEnd type="triangle"/>
+          </a:ln>
+        </p:spPr>
+        <p:style>
+          <a:lnRef idx="1">
+            <a:schemeClr val="accent1"/>
+          </a:lnRef>
+          <a:fillRef idx="0">
+            <a:schemeClr val="accent1"/>
+          </a:fillRef>
+          <a:effectRef idx="0">
+            <a:schemeClr val="accent1"/>
+          </a:effectRef>
+          <a:fontRef idx="minor">
+            <a:schemeClr val="tx1"/>
+          </a:fontRef>
+        </p:style>
+      </p:cxnSp>
+      <p:cxnSp>
+        <p:nvCxnSpPr>
+          <p:cNvPr id="52" name="Straight Arrow Connector 51"/>
+          <p:cNvCxnSpPr>
+            <a:stCxn id="57" idx="3"/>
+            <a:endCxn id="108" idx="1"/>
+          </p:cNvCxnSpPr>
+          <p:nvPr/>
+        </p:nvCxnSpPr>
+        <p:spPr>
+          <a:xfrm flipV="1">
+            <a:off x="8449098" y="4078704"/>
+            <a:ext cx="1288668" cy="182165"/>
+          </a:xfrm>
+          <a:prstGeom prst="straightConnector1">
+            <a:avLst/>
+          </a:prstGeom>
+          <a:ln>
+            <a:tailEnd type="triangle"/>
+          </a:ln>
+        </p:spPr>
+        <p:style>
+          <a:lnRef idx="1">
+            <a:schemeClr val="accent1"/>
+          </a:lnRef>
+          <a:fillRef idx="0">
+            <a:schemeClr val="accent1"/>
+          </a:fillRef>
+          <a:effectRef idx="0">
+            <a:schemeClr val="accent1"/>
+          </a:effectRef>
+          <a:fontRef idx="minor">
+            <a:schemeClr val="tx1"/>
+          </a:fontRef>
+        </p:style>
+      </p:cxnSp>
+      <p:sp>
+        <p:nvSpPr>
+          <p:cNvPr id="55" name="TextBox 54"/>
+          <p:cNvSpPr txBox="1"/>
+          <p:nvPr/>
+        </p:nvSpPr>
+        <p:spPr>
+          <a:xfrm>
+            <a:off x="8854333" y="6550223"/>
+            <a:ext cx="1073102" cy="307777"/>
+          </a:xfrm>
+          <a:prstGeom prst="rect">
+            <a:avLst/>
+          </a:prstGeom>
+          <a:noFill/>
+        </p:spPr>
+        <p:txBody>
+          <a:bodyPr wrap="square" rtlCol="0">
+            <a:spAutoFit/>
+          </a:bodyPr>
+          <a:lstStyle/>
+          <a:p>
+            <a:r>
+              <a:rPr lang="en-GB" sz="1400" dirty="0"/>
+              <a:t>HTTP</a:t>
+            </a:r>
+            <a:endParaRPr lang="en-GB" dirty="0"/>
+          </a:p>
+        </p:txBody>
+      </p:sp>
+      <p:sp>
+        <p:nvSpPr>
+          <p:cNvPr id="146" name="TextBox 145"/>
+          <p:cNvSpPr txBox="1"/>
+          <p:nvPr/>
+        </p:nvSpPr>
+        <p:spPr>
+          <a:xfrm>
+            <a:off x="8969393" y="5778284"/>
+            <a:ext cx="1073102" cy="307777"/>
+          </a:xfrm>
+          <a:prstGeom prst="rect">
+            <a:avLst/>
+          </a:prstGeom>
+          <a:noFill/>
+        </p:spPr>
+        <p:txBody>
+          <a:bodyPr wrap="square" rtlCol="0">
+            <a:spAutoFit/>
+          </a:bodyPr>
+          <a:lstStyle/>
+          <a:p>
+            <a:r>
+              <a:rPr lang="en-GB" sz="1400" dirty="0"/>
+              <a:t>HTTP</a:t>
+            </a:r>
+            <a:endParaRPr lang="en-GB" dirty="0"/>
+          </a:p>
+        </p:txBody>
+      </p:sp>
+      <p:sp>
+        <p:nvSpPr>
+          <p:cNvPr id="147" name="TextBox 146"/>
+          <p:cNvSpPr txBox="1"/>
+          <p:nvPr/>
+        </p:nvSpPr>
+        <p:spPr>
+          <a:xfrm>
+            <a:off x="9015127" y="4741771"/>
+            <a:ext cx="1073102" cy="307777"/>
+          </a:xfrm>
+          <a:prstGeom prst="rect">
+            <a:avLst/>
+          </a:prstGeom>
+          <a:noFill/>
+        </p:spPr>
+        <p:txBody>
+          <a:bodyPr wrap="square" rtlCol="0">
+            <a:spAutoFit/>
+          </a:bodyPr>
+          <a:lstStyle/>
+          <a:p>
+            <a:r>
+              <a:rPr lang="en-GB" sz="1400" dirty="0"/>
+              <a:t>HTTP</a:t>
+            </a:r>
+            <a:endParaRPr lang="en-GB" dirty="0"/>
+          </a:p>
+        </p:txBody>
+      </p:sp>
+      <p:sp>
+        <p:nvSpPr>
+          <p:cNvPr id="148" name="TextBox 147"/>
+          <p:cNvSpPr txBox="1"/>
+          <p:nvPr/>
+        </p:nvSpPr>
+        <p:spPr>
+          <a:xfrm>
+            <a:off x="9008340" y="4161341"/>
+            <a:ext cx="1073102" cy="307777"/>
+          </a:xfrm>
+          <a:prstGeom prst="rect">
+            <a:avLst/>
+          </a:prstGeom>
+          <a:noFill/>
+        </p:spPr>
+        <p:txBody>
+          <a:bodyPr wrap="square" rtlCol="0">
+            <a:spAutoFit/>
+          </a:bodyPr>
+          <a:lstStyle/>
+          <a:p>
+            <a:r>
+              <a:rPr lang="en-GB" sz="1400" dirty="0"/>
+              <a:t>WCF</a:t>
+            </a:r>
+            <a:endParaRPr lang="en-GB" dirty="0"/>
           </a:p>
         </p:txBody>
       </p:sp>

--- a/Documentation/Software Architecture Design.pptx
+++ b/Documentation/Software Architecture Design.pptx
@@ -280,7 +280,7 @@
           <a:p>
             <a:fld id="{973A11F0-0C4B-45D6-9FBD-58D4072DB13C}" type="datetimeFigureOut">
               <a:rPr lang="en-GB" smtClean="0"/>
-              <a:t>13/01/2017</a:t>
+              <a:t>14/01/2017</a:t>
             </a:fld>
             <a:endParaRPr lang="en-GB"/>
           </a:p>
@@ -450,7 +450,7 @@
           <a:p>
             <a:fld id="{973A11F0-0C4B-45D6-9FBD-58D4072DB13C}" type="datetimeFigureOut">
               <a:rPr lang="en-GB" smtClean="0"/>
-              <a:t>13/01/2017</a:t>
+              <a:t>14/01/2017</a:t>
             </a:fld>
             <a:endParaRPr lang="en-GB"/>
           </a:p>
@@ -630,7 +630,7 @@
           <a:p>
             <a:fld id="{973A11F0-0C4B-45D6-9FBD-58D4072DB13C}" type="datetimeFigureOut">
               <a:rPr lang="en-GB" smtClean="0"/>
-              <a:t>13/01/2017</a:t>
+              <a:t>14/01/2017</a:t>
             </a:fld>
             <a:endParaRPr lang="en-GB"/>
           </a:p>
@@ -800,7 +800,7 @@
           <a:p>
             <a:fld id="{973A11F0-0C4B-45D6-9FBD-58D4072DB13C}" type="datetimeFigureOut">
               <a:rPr lang="en-GB" smtClean="0"/>
-              <a:t>13/01/2017</a:t>
+              <a:t>14/01/2017</a:t>
             </a:fld>
             <a:endParaRPr lang="en-GB"/>
           </a:p>
@@ -1046,7 +1046,7 @@
           <a:p>
             <a:fld id="{973A11F0-0C4B-45D6-9FBD-58D4072DB13C}" type="datetimeFigureOut">
               <a:rPr lang="en-GB" smtClean="0"/>
-              <a:t>13/01/2017</a:t>
+              <a:t>14/01/2017</a:t>
             </a:fld>
             <a:endParaRPr lang="en-GB"/>
           </a:p>
@@ -1278,7 +1278,7 @@
           <a:p>
             <a:fld id="{973A11F0-0C4B-45D6-9FBD-58D4072DB13C}" type="datetimeFigureOut">
               <a:rPr lang="en-GB" smtClean="0"/>
-              <a:t>13/01/2017</a:t>
+              <a:t>14/01/2017</a:t>
             </a:fld>
             <a:endParaRPr lang="en-GB"/>
           </a:p>
@@ -1645,7 +1645,7 @@
           <a:p>
             <a:fld id="{973A11F0-0C4B-45D6-9FBD-58D4072DB13C}" type="datetimeFigureOut">
               <a:rPr lang="en-GB" smtClean="0"/>
-              <a:t>13/01/2017</a:t>
+              <a:t>14/01/2017</a:t>
             </a:fld>
             <a:endParaRPr lang="en-GB"/>
           </a:p>
@@ -1763,7 +1763,7 @@
           <a:p>
             <a:fld id="{973A11F0-0C4B-45D6-9FBD-58D4072DB13C}" type="datetimeFigureOut">
               <a:rPr lang="en-GB" smtClean="0"/>
-              <a:t>13/01/2017</a:t>
+              <a:t>14/01/2017</a:t>
             </a:fld>
             <a:endParaRPr lang="en-GB"/>
           </a:p>
@@ -1858,7 +1858,7 @@
           <a:p>
             <a:fld id="{973A11F0-0C4B-45D6-9FBD-58D4072DB13C}" type="datetimeFigureOut">
               <a:rPr lang="en-GB" smtClean="0"/>
-              <a:t>13/01/2017</a:t>
+              <a:t>14/01/2017</a:t>
             </a:fld>
             <a:endParaRPr lang="en-GB"/>
           </a:p>
@@ -2135,7 +2135,7 @@
           <a:p>
             <a:fld id="{973A11F0-0C4B-45D6-9FBD-58D4072DB13C}" type="datetimeFigureOut">
               <a:rPr lang="en-GB" smtClean="0"/>
-              <a:t>13/01/2017</a:t>
+              <a:t>14/01/2017</a:t>
             </a:fld>
             <a:endParaRPr lang="en-GB"/>
           </a:p>
@@ -2388,7 +2388,7 @@
           <a:p>
             <a:fld id="{973A11F0-0C4B-45D6-9FBD-58D4072DB13C}" type="datetimeFigureOut">
               <a:rPr lang="en-GB" smtClean="0"/>
-              <a:t>13/01/2017</a:t>
+              <a:t>14/01/2017</a:t>
             </a:fld>
             <a:endParaRPr lang="en-GB"/>
           </a:p>
@@ -2601,7 +2601,7 @@
           <a:p>
             <a:fld id="{973A11F0-0C4B-45D6-9FBD-58D4072DB13C}" type="datetimeFigureOut">
               <a:rPr lang="en-GB" smtClean="0"/>
-              <a:t>13/01/2017</a:t>
+              <a:t>14/01/2017</a:t>
             </a:fld>
             <a:endParaRPr lang="en-GB"/>
           </a:p>
@@ -9820,6 +9820,64 @@
           </a:fontRef>
         </p:style>
       </p:cxnSp>
+      <p:sp>
+        <p:nvSpPr>
+          <p:cNvPr id="19" name="TextBox 18"/>
+          <p:cNvSpPr txBox="1"/>
+          <p:nvPr/>
+        </p:nvSpPr>
+        <p:spPr>
+          <a:xfrm>
+            <a:off x="9882554" y="1732085"/>
+            <a:ext cx="1055077" cy="369332"/>
+          </a:xfrm>
+          <a:prstGeom prst="rect">
+            <a:avLst/>
+          </a:prstGeom>
+          <a:noFill/>
+        </p:spPr>
+        <p:txBody>
+          <a:bodyPr wrap="square" rtlCol="0">
+            <a:spAutoFit/>
+          </a:bodyPr>
+          <a:lstStyle/>
+          <a:p>
+            <a:r>
+              <a:rPr lang="en-GB" dirty="0"/>
+              <a:t>HTTP</a:t>
+            </a:r>
+          </a:p>
+        </p:txBody>
+      </p:sp>
+      <p:sp>
+        <p:nvSpPr>
+          <p:cNvPr id="27" name="TextBox 26"/>
+          <p:cNvSpPr txBox="1"/>
+          <p:nvPr/>
+        </p:nvSpPr>
+        <p:spPr>
+          <a:xfrm>
+            <a:off x="10742002" y="4024033"/>
+            <a:ext cx="1055077" cy="369332"/>
+          </a:xfrm>
+          <a:prstGeom prst="rect">
+            <a:avLst/>
+          </a:prstGeom>
+          <a:noFill/>
+        </p:spPr>
+        <p:txBody>
+          <a:bodyPr wrap="square" rtlCol="0">
+            <a:spAutoFit/>
+          </a:bodyPr>
+          <a:lstStyle/>
+          <a:p>
+            <a:r>
+              <a:rPr lang="en-GB" dirty="0"/>
+              <a:t>HTTP</a:t>
+            </a:r>
+          </a:p>
+        </p:txBody>
+      </p:sp>
     </p:spTree>
     <p:extLst>
       <p:ext uri="{BB962C8B-B14F-4D97-AF65-F5344CB8AC3E}">

--- a/Documentation/Software Architecture Design.pptx
+++ b/Documentation/Software Architecture Design.pptx
@@ -280,7 +280,7 @@
           <a:p>
             <a:fld id="{973A11F0-0C4B-45D6-9FBD-58D4072DB13C}" type="datetimeFigureOut">
               <a:rPr lang="en-GB" smtClean="0"/>
-              <a:t>14/01/2017</a:t>
+              <a:t>16/01/2017</a:t>
             </a:fld>
             <a:endParaRPr lang="en-GB"/>
           </a:p>
@@ -450,7 +450,7 @@
           <a:p>
             <a:fld id="{973A11F0-0C4B-45D6-9FBD-58D4072DB13C}" type="datetimeFigureOut">
               <a:rPr lang="en-GB" smtClean="0"/>
-              <a:t>14/01/2017</a:t>
+              <a:t>16/01/2017</a:t>
             </a:fld>
             <a:endParaRPr lang="en-GB"/>
           </a:p>
@@ -630,7 +630,7 @@
           <a:p>
             <a:fld id="{973A11F0-0C4B-45D6-9FBD-58D4072DB13C}" type="datetimeFigureOut">
               <a:rPr lang="en-GB" smtClean="0"/>
-              <a:t>14/01/2017</a:t>
+              <a:t>16/01/2017</a:t>
             </a:fld>
             <a:endParaRPr lang="en-GB"/>
           </a:p>
@@ -800,7 +800,7 @@
           <a:p>
             <a:fld id="{973A11F0-0C4B-45D6-9FBD-58D4072DB13C}" type="datetimeFigureOut">
               <a:rPr lang="en-GB" smtClean="0"/>
-              <a:t>14/01/2017</a:t>
+              <a:t>16/01/2017</a:t>
             </a:fld>
             <a:endParaRPr lang="en-GB"/>
           </a:p>
@@ -1046,7 +1046,7 @@
           <a:p>
             <a:fld id="{973A11F0-0C4B-45D6-9FBD-58D4072DB13C}" type="datetimeFigureOut">
               <a:rPr lang="en-GB" smtClean="0"/>
-              <a:t>14/01/2017</a:t>
+              <a:t>16/01/2017</a:t>
             </a:fld>
             <a:endParaRPr lang="en-GB"/>
           </a:p>
@@ -1278,7 +1278,7 @@
           <a:p>
             <a:fld id="{973A11F0-0C4B-45D6-9FBD-58D4072DB13C}" type="datetimeFigureOut">
               <a:rPr lang="en-GB" smtClean="0"/>
-              <a:t>14/01/2017</a:t>
+              <a:t>16/01/2017</a:t>
             </a:fld>
             <a:endParaRPr lang="en-GB"/>
           </a:p>
@@ -1645,7 +1645,7 @@
           <a:p>
             <a:fld id="{973A11F0-0C4B-45D6-9FBD-58D4072DB13C}" type="datetimeFigureOut">
               <a:rPr lang="en-GB" smtClean="0"/>
-              <a:t>14/01/2017</a:t>
+              <a:t>16/01/2017</a:t>
             </a:fld>
             <a:endParaRPr lang="en-GB"/>
           </a:p>
@@ -1763,7 +1763,7 @@
           <a:p>
             <a:fld id="{973A11F0-0C4B-45D6-9FBD-58D4072DB13C}" type="datetimeFigureOut">
               <a:rPr lang="en-GB" smtClean="0"/>
-              <a:t>14/01/2017</a:t>
+              <a:t>16/01/2017</a:t>
             </a:fld>
             <a:endParaRPr lang="en-GB"/>
           </a:p>
@@ -1858,7 +1858,7 @@
           <a:p>
             <a:fld id="{973A11F0-0C4B-45D6-9FBD-58D4072DB13C}" type="datetimeFigureOut">
               <a:rPr lang="en-GB" smtClean="0"/>
-              <a:t>14/01/2017</a:t>
+              <a:t>16/01/2017</a:t>
             </a:fld>
             <a:endParaRPr lang="en-GB"/>
           </a:p>
@@ -2135,7 +2135,7 @@
           <a:p>
             <a:fld id="{973A11F0-0C4B-45D6-9FBD-58D4072DB13C}" type="datetimeFigureOut">
               <a:rPr lang="en-GB" smtClean="0"/>
-              <a:t>14/01/2017</a:t>
+              <a:t>16/01/2017</a:t>
             </a:fld>
             <a:endParaRPr lang="en-GB"/>
           </a:p>
@@ -2388,7 +2388,7 @@
           <a:p>
             <a:fld id="{973A11F0-0C4B-45D6-9FBD-58D4072DB13C}" type="datetimeFigureOut">
               <a:rPr lang="en-GB" smtClean="0"/>
-              <a:t>14/01/2017</a:t>
+              <a:t>16/01/2017</a:t>
             </a:fld>
             <a:endParaRPr lang="en-GB"/>
           </a:p>
@@ -2601,7 +2601,7 @@
           <a:p>
             <a:fld id="{973A11F0-0C4B-45D6-9FBD-58D4072DB13C}" type="datetimeFigureOut">
               <a:rPr lang="en-GB" smtClean="0"/>
-              <a:t>14/01/2017</a:t>
+              <a:t>16/01/2017</a:t>
             </a:fld>
             <a:endParaRPr lang="en-GB"/>
           </a:p>
@@ -6817,9 +6817,7 @@
       <p:cxnSp>
         <p:nvCxnSpPr>
           <p:cNvPr id="95" name="Straight Arrow Connector 94"/>
-          <p:cNvCxnSpPr>
-            <a:endCxn id="64" idx="1"/>
-          </p:cNvCxnSpPr>
+          <p:cNvCxnSpPr/>
           <p:nvPr/>
         </p:nvCxnSpPr>
         <p:spPr>
@@ -7015,55 +7013,11 @@
           </a:p>
         </p:txBody>
       </p:sp>
-      <p:sp>
-        <p:nvSpPr>
-          <p:cNvPr id="77" name="Flowchart: Magnetic Disk 76"/>
-          <p:cNvSpPr/>
-          <p:nvPr/>
-        </p:nvSpPr>
-        <p:spPr>
-          <a:xfrm>
-            <a:off x="1457053" y="5931503"/>
-            <a:ext cx="500395" cy="637809"/>
-          </a:xfrm>
-          <a:prstGeom prst="flowChartMagneticDisk">
-            <a:avLst/>
-          </a:prstGeom>
-          <a:solidFill>
-            <a:schemeClr val="bg1"/>
-          </a:solidFill>
-        </p:spPr>
-        <p:style>
-          <a:lnRef idx="2">
-            <a:schemeClr val="accent1">
-              <a:shade val="50000"/>
-            </a:schemeClr>
-          </a:lnRef>
-          <a:fillRef idx="1">
-            <a:schemeClr val="accent1"/>
-          </a:fillRef>
-          <a:effectRef idx="0">
-            <a:schemeClr val="accent1"/>
-          </a:effectRef>
-          <a:fontRef idx="minor">
-            <a:schemeClr val="lt1"/>
-          </a:fontRef>
-        </p:style>
-        <p:txBody>
-          <a:bodyPr rtlCol="0" anchor="ctr"/>
-          <a:lstStyle/>
-          <a:p>
-            <a:pPr algn="ctr"/>
-            <a:endParaRPr lang="en-GB"/>
-          </a:p>
-        </p:txBody>
-      </p:sp>
       <p:cxnSp>
         <p:nvCxnSpPr>
           <p:cNvPr id="91" name="Straight Arrow Connector 90"/>
           <p:cNvCxnSpPr>
             <a:cxnSpLocks/>
-            <a:stCxn id="77" idx="2"/>
           </p:cNvCxnSpPr>
           <p:nvPr/>
         </p:nvCxnSpPr>
@@ -9040,6 +8994,47 @@
               <a:t>WCF</a:t>
             </a:r>
             <a:endParaRPr lang="en-GB" dirty="0"/>
+          </a:p>
+        </p:txBody>
+      </p:sp>
+      <p:sp>
+        <p:nvSpPr>
+          <p:cNvPr id="42" name="Flowchart: Multidocument 41"/>
+          <p:cNvSpPr/>
+          <p:nvPr/>
+        </p:nvSpPr>
+        <p:spPr>
+          <a:xfrm>
+            <a:off x="1504931" y="6064551"/>
+            <a:ext cx="657810" cy="459688"/>
+          </a:xfrm>
+          <a:prstGeom prst="flowChartMultidocument">
+            <a:avLst/>
+          </a:prstGeom>
+          <a:noFill/>
+        </p:spPr>
+        <p:style>
+          <a:lnRef idx="2">
+            <a:schemeClr val="accent1">
+              <a:shade val="50000"/>
+            </a:schemeClr>
+          </a:lnRef>
+          <a:fillRef idx="1">
+            <a:schemeClr val="accent1"/>
+          </a:fillRef>
+          <a:effectRef idx="0">
+            <a:schemeClr val="accent1"/>
+          </a:effectRef>
+          <a:fontRef idx="minor">
+            <a:schemeClr val="lt1"/>
+          </a:fontRef>
+        </p:style>
+        <p:txBody>
+          <a:bodyPr rtlCol="0" anchor="ctr"/>
+          <a:lstStyle/>
+          <a:p>
+            <a:pPr algn="ctr"/>
+            <a:endParaRPr lang="en-GB"/>
           </a:p>
         </p:txBody>
       </p:sp>

--- a/Documentation/Software Architecture Design.pptx
+++ b/Documentation/Software Architecture Design.pptx
@@ -7133,7 +7133,7 @@
           <a:p>
             <a:r>
               <a:rPr lang="en-GB" dirty="0"/>
-              <a:t>HTTP</a:t>
+              <a:t>HTTPS</a:t>
             </a:r>
           </a:p>
         </p:txBody>
@@ -7162,7 +7162,7 @@
           <a:p>
             <a:r>
               <a:rPr lang="en-GB" dirty="0"/>
-              <a:t>HTTP</a:t>
+              <a:t>HTTPS</a:t>
             </a:r>
           </a:p>
         </p:txBody>
@@ -7191,7 +7191,7 @@
           <a:p>
             <a:r>
               <a:rPr lang="en-GB" dirty="0"/>
-              <a:t>HTTP</a:t>
+              <a:t>HTTPS</a:t>
             </a:r>
           </a:p>
         </p:txBody>
@@ -9035,6 +9035,35 @@
           <a:p>
             <a:pPr algn="ctr"/>
             <a:endParaRPr lang="en-GB"/>
+          </a:p>
+        </p:txBody>
+      </p:sp>
+      <p:sp>
+        <p:nvSpPr>
+          <p:cNvPr id="136" name="TextBox 135"/>
+          <p:cNvSpPr txBox="1"/>
+          <p:nvPr/>
+        </p:nvSpPr>
+        <p:spPr>
+          <a:xfrm>
+            <a:off x="8049603" y="2036378"/>
+            <a:ext cx="843732" cy="369332"/>
+          </a:xfrm>
+          <a:prstGeom prst="rect">
+            <a:avLst/>
+          </a:prstGeom>
+          <a:noFill/>
+        </p:spPr>
+        <p:txBody>
+          <a:bodyPr wrap="square" rtlCol="0">
+            <a:spAutoFit/>
+          </a:bodyPr>
+          <a:lstStyle/>
+          <a:p>
+            <a:r>
+              <a:rPr lang="en-GB" dirty="0"/>
+              <a:t>HTTPS</a:t>
+            </a:r>
           </a:p>
         </p:txBody>
       </p:sp>
